--- a/2023-08-16.pptx
+++ b/2023-08-16.pptx
@@ -5875,7 +5875,7 @@
               <a:rPr baseline="30000" sz="4400" b="1">
                 <a:latin typeface="方正楷体简体"/>
               </a:rPr>
-              <a:t>1</a:t>
+              <a:t>11</a:t>
             </a:r>
             <a:r>
               <a:rPr sz="4400" b="1">
@@ -5900,7 +5900,7 @@
               <a:rPr baseline="30000" sz="4400" b="1">
                 <a:latin typeface="方正楷体简体"/>
               </a:rPr>
-              <a:t>2</a:t>
+              <a:t>12</a:t>
             </a:r>
             <a:r>
               <a:rPr sz="4400" b="1">
@@ -6058,7 +6058,7 @@
               <a:rPr baseline="30000" sz="4400" b="1">
                 <a:latin typeface="方正楷体简体"/>
               </a:rPr>
-              <a:t>5</a:t>
+              <a:t>5555</a:t>
             </a:r>
             <a:r>
               <a:rPr sz="4400" b="1">

--- a/2023-08-16.pptx
+++ b/2023-08-16.pptx
@@ -5754,7 +5754,7 @@
               <a:rPr sz="7200" b="1">
                 <a:latin typeface="方正楷体简体"/>
               </a:rPr>
-              <a:t>诗篇 1篇</a:t>
+              <a:t>诗篇第1章</a:t>
             </a:r>
           </a:p>
           <a:p>
@@ -5875,13 +5875,13 @@
               <a:rPr baseline="30000" sz="4400" b="1">
                 <a:latin typeface="方正楷体简体"/>
               </a:rPr>
-              <a:t>11</a:t>
+              <a:t>1</a:t>
             </a:r>
             <a:r>
               <a:rPr sz="4400" b="1">
                 <a:latin typeface="方正楷体简体"/>
               </a:rPr>
-              <a:t>不从恶人的计谋，不站罪人的道路，不坐亵慢人的座位，</a:t>
+              <a:t>不从恶人的计谋，不站罪人的道路，不坐亵慢人的座位。</a:t>
             </a:r>
           </a:p>
           <a:p>
@@ -5900,13 +5900,13 @@
               <a:rPr baseline="30000" sz="4400" b="1">
                 <a:latin typeface="方正楷体简体"/>
               </a:rPr>
-              <a:t>12</a:t>
+              <a:t>2</a:t>
             </a:r>
             <a:r>
               <a:rPr sz="4400" b="1">
                 <a:latin typeface="方正楷体简体"/>
               </a:rPr>
-              <a:t>惟喜爱耶和华的律法，昼夜思想，这人便为有福！</a:t>
+              <a:t>惟喜爱耶和华的律法，昼夜思想，这人便为有福。</a:t>
             </a:r>
           </a:p>
           <a:p>
@@ -5931,7 +5931,7 @@
               <a:rPr sz="4400" b="1">
                 <a:latin typeface="方正楷体简体"/>
               </a:rPr>
-              <a:t>他要像一棵树栽在溪水旁，按时候结果子，叶子也不枯干。凡他所做的尽都顺利。</a:t>
+              <a:t>他要像一棵树栽在溪水旁，按时候结果子，叶子也不枯干。凡他所作的，尽都顺利。</a:t>
             </a:r>
           </a:p>
         </p:txBody>
@@ -5973,7 +5973,7 @@
               <a:rPr sz="2400" b="1">
                 <a:latin typeface="方正楷体简体"/>
               </a:rPr>
-              <a:t>诗篇 1篇</a:t>
+              <a:t>诗篇第1章</a:t>
             </a:r>
           </a:p>
         </p:txBody>
@@ -6039,7 +6039,7 @@
               <a:rPr sz="4400" b="1">
                 <a:latin typeface="方正楷体简体"/>
               </a:rPr>
-              <a:t>恶人并不是这样，乃像糠粃被风吹散。</a:t>
+              <a:t>恶人并不是这样，乃像糠秕被风吹散。</a:t>
             </a:r>
           </a:p>
           <a:p>
@@ -6058,13 +6058,13 @@
               <a:rPr baseline="30000" sz="4400" b="1">
                 <a:latin typeface="方正楷体简体"/>
               </a:rPr>
-              <a:t>5555</a:t>
+              <a:t>5</a:t>
             </a:r>
             <a:r>
               <a:rPr sz="4400" b="1">
                 <a:latin typeface="方正楷体简体"/>
               </a:rPr>
-              <a:t>因此，当审判的时候恶人必站立不住；罪人在义人的会中也是如此。</a:t>
+              <a:t>因此当审判的时候，恶人必站立不住，罪人在义人的会中，也是如此。</a:t>
             </a:r>
           </a:p>
         </p:txBody>
@@ -6106,7 +6106,7 @@
               <a:rPr sz="2400" b="1">
                 <a:latin typeface="方正楷体简体"/>
               </a:rPr>
-              <a:t>诗篇 1篇</a:t>
+              <a:t>诗篇第1章</a:t>
             </a:r>
           </a:p>
         </p:txBody>
@@ -12991,7 +12991,7 @@
               <a:rPr sz="7200" b="1">
                 <a:latin typeface="方正楷体简体"/>
               </a:rPr>
-              <a:t>以斯帖记第 7 章</a:t>
+              <a:t>以斯帖记第7章</a:t>
             </a:r>
           </a:p>
           <a:p>
@@ -13143,7 +13143,7 @@
               <a:rPr sz="4400" b="1">
                 <a:latin typeface="方正楷体简体"/>
               </a:rPr>
-              <a:t>这第二次在酒席筵前，王又问以斯帖说： “王后以斯帖啊，你要什么？我必赐给你。你求什么？就是国的一半，也必为你成就。”</a:t>
+              <a:t>这第二次在酒席筵前，王又问以斯帖说，王后以斯帖阿，你要什么，我必赐给你。你求什么，就是国的一半也必为你成就。</a:t>
             </a:r>
           </a:p>
         </p:txBody>
@@ -13185,7 +13185,7 @@
               <a:rPr sz="2400" b="1">
                 <a:latin typeface="方正楷体简体"/>
               </a:rPr>
-              <a:t>读经（以斯帖记第 7 章）</a:t>
+              <a:t>读经（以斯帖记第7章）</a:t>
             </a:r>
           </a:p>
         </p:txBody>
@@ -13251,7 +13251,7 @@
               <a:rPr sz="4400" b="1">
                 <a:latin typeface="方正楷体简体"/>
               </a:rPr>
-              <a:t>王后以斯帖回答说：“我若在王眼前蒙恩，王若以为美，我所愿的，是愿王将我的性命赐给我；我所求的，是求王将我的本族赐给我。</a:t>
+              <a:t>王后以斯帖回答说，我若在王眼前蒙恩，王若以为美，我所愿的，是愿王将我的性命赐给我。我所求的，是求王将我的本族赐给我。</a:t>
             </a:r>
           </a:p>
           <a:p>
@@ -13276,7 +13276,7 @@
               <a:rPr sz="4400" b="1">
                 <a:latin typeface="方正楷体简体"/>
               </a:rPr>
-              <a:t>因我和我的本族被卖了，要剪除杀戮灭绝我们。我们若被卖为奴为婢，我也闭口不言，但王的损失，敌人万不能补足。”</a:t>
+              <a:t>因我和我的本族被卖了，要剪除杀戮灭绝我们。我们若被卖为奴为婢，我也闭口不言。但王的损失，敌人万不能补足。</a:t>
             </a:r>
           </a:p>
         </p:txBody>
@@ -13318,7 +13318,7 @@
               <a:rPr sz="2400" b="1">
                 <a:latin typeface="方正楷体简体"/>
               </a:rPr>
-              <a:t>读经（以斯帖记第 7 章）</a:t>
+              <a:t>读经（以斯帖记第7章）</a:t>
             </a:r>
           </a:p>
         </p:txBody>
@@ -13384,7 +13384,7 @@
               <a:rPr sz="4400" b="1">
                 <a:latin typeface="方正楷体简体"/>
               </a:rPr>
-              <a:t>亚哈随鲁王问王后以斯帖说：“擅敢起意如此行的是谁？这人在哪里呢？”</a:t>
+              <a:t>亚哈随鲁王问王后以斯帖说，擅敢起意如此行的是谁。这人在哪里呢？</a:t>
             </a:r>
           </a:p>
           <a:p>
@@ -13409,7 +13409,7 @@
               <a:rPr sz="4400" b="1">
                 <a:latin typeface="方正楷体简体"/>
               </a:rPr>
-              <a:t>以斯帖说：“仇人敌人就是这恶人哈曼。”哈曼在王和王后面前就甚惊惶。</a:t>
+              <a:t>以斯帖说，仇人敌人就是这恶人哈曼。哈曼在王和王后面前就甚惊惶。</a:t>
             </a:r>
           </a:p>
         </p:txBody>
@@ -13451,7 +13451,7 @@
               <a:rPr sz="2400" b="1">
                 <a:latin typeface="方正楷体简体"/>
               </a:rPr>
-              <a:t>读经（以斯帖记第 7 章）</a:t>
+              <a:t>读经（以斯帖记第7章）</a:t>
             </a:r>
           </a:p>
         </p:txBody>
@@ -13542,7 +13542,7 @@
               <a:rPr sz="4400" b="1">
                 <a:latin typeface="方正楷体简体"/>
               </a:rPr>
-              <a:t>王从御园回到酒席之处，见哈曼伏在以斯帖所靠的榻上，王说：“他竟敢在宫内，在我面前，凌辱王后吗？ ”这话一出王口，人就蒙了哈曼的脸。</a:t>
+              <a:t>王从御园回到酒席之处，见哈曼伏在以斯帖所靠的榻上。王说，他竟敢在宫内，在我面前凌辱王后吗？这话一出王口，人就蒙了哈曼的脸。</a:t>
             </a:r>
           </a:p>
         </p:txBody>
@@ -13584,7 +13584,7 @@
               <a:rPr sz="2400" b="1">
                 <a:latin typeface="方正楷体简体"/>
               </a:rPr>
-              <a:t>读经（以斯帖记第 7 章）</a:t>
+              <a:t>读经（以斯帖记第7章）</a:t>
             </a:r>
           </a:p>
         </p:txBody>
@@ -13650,7 +13650,7 @@
               <a:rPr sz="4400" b="1">
                 <a:latin typeface="方正楷体简体"/>
               </a:rPr>
-              <a:t>伺候王的一个太监名叫哈波拿，说：“哈曼为那救王有功的末底改做了五丈高的木架，现今立在哈曼家里。”王说：“把哈曼挂在其上。”</a:t>
+              <a:t>伺候王的一个太监名叫哈波拿，说，哈曼为那救王有功的末底改做了五丈高的木架，现今立在哈曼家里。王说，把哈曼挂在其上。</a:t>
             </a:r>
           </a:p>
         </p:txBody>
@@ -13692,7 +13692,7 @@
               <a:rPr sz="2400" b="1">
                 <a:latin typeface="方正楷体简体"/>
               </a:rPr>
-              <a:t>读经（以斯帖记第 7 章）</a:t>
+              <a:t>读经（以斯帖记第7章）</a:t>
             </a:r>
           </a:p>
         </p:txBody>

--- a/2023-08-16.pptx
+++ b/2023-08-16.pptx
@@ -4462,6 +4462,25 @@
               <a:t>2.随着教会人数增加，我们从2022年7月开始实行小组计划，愿加强弟兄姊妹之间彼此建造，同心追求成长。</a:t>
             </a:r>
           </a:p>
+          <a:p>
+            <a:pPr algn="l">
+              <a:lnSpc>
+                <a:spcPts val="5200"/>
+              </a:lnSpc>
+              <a:spcBef>
+                <a:spcPts val="24"/>
+              </a:spcBef>
+              <a:spcAft>
+                <a:spcPts val="0"/>
+              </a:spcAft>
+            </a:pPr>
+            <a:r>
+              <a:rPr sz="4400" b="1">
+                <a:latin typeface="FZKai-Z03S"/>
+              </a:rPr>
+              <a:t>3.感谢主，我们于2022年7月17日与慕尼黑华人教会联合崇拜，特别举行第一次的宣教主日。愿主复兴我们爱神爱人的心，同受着圣灵的感动来回应神的呼召和心意！</a:t>
+            </a:r>
+          </a:p>
         </p:txBody>
       </p:sp>
       <p:sp>
@@ -5016,6 +5035,25 @@
               <a:t>2.为德国所有的主的教会祷告、为纽伦堡教会祷告，成为一个传福音的教会、彼此相爱的、教导神话语的教会。</a:t>
             </a:r>
           </a:p>
+          <a:p>
+            <a:pPr algn="l">
+              <a:lnSpc>
+                <a:spcPts val="5200"/>
+              </a:lnSpc>
+              <a:spcBef>
+                <a:spcPts val="24"/>
+              </a:spcBef>
+              <a:spcAft>
+                <a:spcPts val="0"/>
+              </a:spcAft>
+            </a:pPr>
+            <a:r>
+              <a:rPr sz="4400" b="1">
+                <a:latin typeface="FZKai-Z03S"/>
+              </a:rPr>
+              <a:t>3.求主兴起你自己的工人，传福音的工人，传讲神话语的工人，为主摆上的工人</a:t>
+            </a:r>
+          </a:p>
         </p:txBody>
       </p:sp>
       <p:sp>
@@ -6067,6 +6105,31 @@
               <a:t>因此当审判的时候，恶人必站立不住，罪人在义人的会中，也是如此。</a:t>
             </a:r>
           </a:p>
+          <a:p>
+            <a:pPr algn="l">
+              <a:lnSpc>
+                <a:spcPts val="5200"/>
+              </a:lnSpc>
+              <a:spcBef>
+                <a:spcPts val="0"/>
+              </a:spcBef>
+              <a:spcAft>
+                <a:spcPts val="0"/>
+              </a:spcAft>
+            </a:pPr>
+            <a:r>
+              <a:rPr baseline="30000" sz="4400" b="1">
+                <a:latin typeface="方正楷体简体"/>
+              </a:rPr>
+              <a:t>6</a:t>
+            </a:r>
+            <a:r>
+              <a:rPr sz="4400" b="1">
+                <a:latin typeface="方正楷体简体"/>
+              </a:rPr>
+              <a:t>因为耶和华知道义人的道路。恶人的道路，却必灭亡。</a:t>
+            </a:r>
+          </a:p>
         </p:txBody>
       </p:sp>
       <p:sp>
@@ -13653,6 +13716,31 @@
               <a:t>伺候王的一个太监名叫哈波拿，说，哈曼为那救王有功的末底改做了五丈高的木架，现今立在哈曼家里。王说，把哈曼挂在其上。</a:t>
             </a:r>
           </a:p>
+          <a:p>
+            <a:pPr algn="l">
+              <a:lnSpc>
+                <a:spcPts val="5200"/>
+              </a:lnSpc>
+              <a:spcBef>
+                <a:spcPts val="0"/>
+              </a:spcBef>
+              <a:spcAft>
+                <a:spcPts val="0"/>
+              </a:spcAft>
+            </a:pPr>
+            <a:r>
+              <a:rPr baseline="30000" sz="4400" b="1">
+                <a:latin typeface="方正楷体简体"/>
+              </a:rPr>
+              <a:t>10</a:t>
+            </a:r>
+            <a:r>
+              <a:rPr sz="4400" b="1">
+                <a:latin typeface="方正楷体简体"/>
+              </a:rPr>
+              <a:t>于是人将哈曼挂在他为末底改所预备的木架上。王的忿怒这才止息。</a:t>
+            </a:r>
+          </a:p>
         </p:txBody>
       </p:sp>
       <p:sp>
@@ -14096,6 +14184,25 @@
               <a:t>4.为什么神要我们为他作工呢？ 神自己没有能力吗？</a:t>
             </a:r>
           </a:p>
+          <a:p>
+            <a:pPr algn="l">
+              <a:lnSpc>
+                <a:spcPts val="5200"/>
+              </a:lnSpc>
+              <a:spcBef>
+                <a:spcPts val="0"/>
+              </a:spcBef>
+              <a:spcAft>
+                <a:spcPts val="0"/>
+              </a:spcAft>
+            </a:pPr>
+            <a:r>
+              <a:rPr sz="4400" b="1">
+                <a:latin typeface="FZKai-Z03S"/>
+              </a:rPr>
+              <a:t>5.为什么面对神托付的使命时，我们总是可以找出很多借口去推搪的呢？</a:t>
+            </a:r>
+          </a:p>
         </p:txBody>
       </p:sp>
       <p:sp>
@@ -14675,6 +14782,25 @@
               <a:t>9.主人欣赏善仆的忠心和努力，他按仆人的心志与回应给予任务与权柄</a:t>
             </a:r>
           </a:p>
+          <a:p>
+            <a:pPr algn="l">
+              <a:lnSpc>
+                <a:spcPts val="5200"/>
+              </a:lnSpc>
+              <a:spcBef>
+                <a:spcPts val="0"/>
+              </a:spcBef>
+              <a:spcAft>
+                <a:spcPts val="0"/>
+              </a:spcAft>
+            </a:pPr>
+            <a:r>
+              <a:rPr sz="4400" b="1">
+                <a:latin typeface="FZKai-Z03S"/>
+              </a:rPr>
+              <a:t>10.我们对主使命的心志与回应是我们成长的指标，是不进则退的，没有可能停留不动。</a:t>
+            </a:r>
+          </a:p>
         </p:txBody>
       </p:sp>
       <p:sp>
@@ -14813,6 +14939,25 @@
                 <a:latin typeface="FZKai-Z03S"/>
               </a:rPr>
               <a:t>主人回来之前的时间还有很多吗？</a:t>
+            </a:r>
+          </a:p>
+          <a:p>
+            <a:pPr algn="l">
+              <a:lnSpc>
+                <a:spcPts val="5200"/>
+              </a:lnSpc>
+              <a:spcBef>
+                <a:spcPts val="0"/>
+              </a:spcBef>
+              <a:spcAft>
+                <a:spcPts val="0"/>
+              </a:spcAft>
+            </a:pPr>
+            <a:r>
+              <a:rPr sz="4400" b="1" i="1">
+                <a:latin typeface="FZKai-Z03S"/>
+              </a:rPr>
+              <a:t>主人回来的时候，我可以面对他而不羞愧吗？</a:t>
             </a:r>
           </a:p>
         </p:txBody>
@@ -15813,6 +15958,25 @@
                 <a:latin typeface="FZKai-Z03S"/>
               </a:rPr>
               <a:t>求　神赐福保守教会牧者们身体健康、力量充沛、出入平安。</a:t>
+            </a:r>
+          </a:p>
+          <a:p>
+            <a:pPr algn="l">
+              <a:lnSpc>
+                <a:spcPts val="5200"/>
+              </a:lnSpc>
+              <a:spcBef>
+                <a:spcPts val="24"/>
+              </a:spcBef>
+              <a:spcAft>
+                <a:spcPts val="0"/>
+              </a:spcAft>
+            </a:pPr>
+            <a:r>
+              <a:rPr sz="4400" b="1">
+                <a:latin typeface="FZKai-Z03S"/>
+              </a:rPr>
+              <a:t>为暑期出行的弟兄姊妹的脚步代祷，不论在哪里都可以经历　神的信实。</a:t>
             </a:r>
           </a:p>
         </p:txBody>

--- a/2023-08-16.pptx
+++ b/2023-08-16.pptx
@@ -132,6 +132,15 @@
     <p:sldId id="380" r:id="rId131"/>
     <p:sldId id="381" r:id="rId132"/>
     <p:sldId id="382" r:id="rId133"/>
+    <p:sldId id="383" r:id="rId134"/>
+    <p:sldId id="384" r:id="rId135"/>
+    <p:sldId id="385" r:id="rId136"/>
+    <p:sldId id="386" r:id="rId137"/>
+    <p:sldId id="387" r:id="rId138"/>
+    <p:sldId id="388" r:id="rId139"/>
+    <p:sldId id="389" r:id="rId140"/>
+    <p:sldId id="390" r:id="rId141"/>
+    <p:sldId id="391" r:id="rId142"/>
   </p:sldIdLst>
   <p:sldSz cx="9144000" cy="6858000" type="screen4x3"/>
   <p:notesSz cx="6858000" cy="9144000"/>
@@ -3366,112 +3375,55 @@
         </p:nvSpPr>
         <p:spPr>
           <a:xfrm>
-            <a:off x="370800" y="406799"/>
-            <a:ext cx="8593200" cy="5616000"/>
-          </a:xfrm>
-          <a:prstGeom prst="rect">
-            <a:avLst/>
-          </a:prstGeom>
-          <a:noFill/>
-        </p:spPr>
-        <p:txBody>
-          <a:bodyPr wrap="square" anchor="ctr">
-            <a:spAutoFit/>
-          </a:bodyPr>
-          <a:lstStyle/>
-          <a:p>
-            <a:pPr algn="ctr">
-              <a:lnSpc>
-                <a:spcPts val="7000"/>
-              </a:lnSpc>
-              <a:spcBef>
-                <a:spcPts val="0"/>
-              </a:spcBef>
-              <a:spcAft>
-                <a:spcPts val="0"/>
-              </a:spcAft>
-            </a:pPr>
-            <a:r>
-              <a:rPr sz="4800" b="0">
-                <a:latin typeface="FZZhunYuan-M02S"/>
-              </a:rPr>
-              <a:t>天地将要过去</a:t>
-            </a:r>
-          </a:p>
-          <a:p>
-            <a:pPr algn="ctr">
-              <a:lnSpc>
-                <a:spcPts val="7000"/>
-              </a:lnSpc>
-              <a:spcBef>
-                <a:spcPts val="0"/>
-              </a:spcBef>
-              <a:spcAft>
-                <a:spcPts val="0"/>
-              </a:spcAft>
-            </a:pPr>
-            <a:r>
-              <a:rPr sz="4800" b="0">
-                <a:latin typeface="FZZhunYuan-M02S"/>
-              </a:rPr>
-              <a:t>祢的话却长存</a:t>
-            </a:r>
-          </a:p>
-          <a:p>
-            <a:pPr algn="ctr">
-              <a:lnSpc>
-                <a:spcPts val="7000"/>
-              </a:lnSpc>
-              <a:spcBef>
-                <a:spcPts val="0"/>
-              </a:spcBef>
-              <a:spcAft>
-                <a:spcPts val="0"/>
-              </a:spcAft>
-            </a:pPr>
-            <a:r>
-              <a:rPr sz="4800" b="0">
-                <a:latin typeface="FZZhunYuan-M02S"/>
-              </a:rPr>
-              <a:t>天地将毁坏</a:t>
-            </a:r>
-          </a:p>
-          <a:p>
-            <a:pPr algn="ctr">
-              <a:lnSpc>
-                <a:spcPts val="7000"/>
-              </a:lnSpc>
-              <a:spcBef>
-                <a:spcPts val="0"/>
-              </a:spcBef>
-              <a:spcAft>
-                <a:spcPts val="0"/>
-              </a:spcAft>
-            </a:pPr>
-            <a:r>
-              <a:rPr sz="4800" b="0">
-                <a:latin typeface="FZZhunYuan-M02S"/>
-              </a:rPr>
-              <a:t>祢的话却长新</a:t>
-            </a:r>
-          </a:p>
-          <a:p>
-            <a:pPr algn="ctr">
-              <a:lnSpc>
-                <a:spcPts val="7000"/>
-              </a:lnSpc>
-              <a:spcBef>
-                <a:spcPts val="0"/>
-              </a:spcBef>
-              <a:spcAft>
-                <a:spcPts val="0"/>
-              </a:spcAft>
-            </a:pPr>
-            <a:r>
-              <a:rPr sz="4800" b="0">
-                <a:latin typeface="FZZhunYuan-M02S"/>
-              </a:rPr>
-              <a:t>我将祢的话语</a:t>
+            <a:off x="518400" y="262800"/>
+            <a:ext cx="8247600" cy="5914800"/>
+          </a:xfrm>
+          <a:prstGeom prst="rect">
+            <a:avLst/>
+          </a:prstGeom>
+          <a:noFill/>
+        </p:spPr>
+        <p:txBody>
+          <a:bodyPr wrap="square">
+            <a:spAutoFit/>
+          </a:bodyPr>
+          <a:lstStyle/>
+          <a:p>
+            <a:pPr algn="l">
+              <a:lnSpc>
+                <a:spcPts val="5200"/>
+              </a:lnSpc>
+              <a:spcBef>
+                <a:spcPts val="0"/>
+              </a:spcBef>
+              <a:spcAft>
+                <a:spcPts val="0"/>
+              </a:spcAft>
+            </a:pPr>
+            <a:r>
+              <a:rPr sz="4400" b="1" i="1">
+                <a:latin typeface="FZKai-Z03S"/>
+              </a:rPr>
+              <a:t>总结：</a:t>
+            </a:r>
+          </a:p>
+          <a:p>
+            <a:pPr algn="l">
+              <a:lnSpc>
+                <a:spcPts val="5200"/>
+              </a:lnSpc>
+              <a:spcBef>
+                <a:spcPts val="0"/>
+              </a:spcBef>
+              <a:spcAft>
+                <a:spcPts val="0"/>
+              </a:spcAft>
+            </a:pPr>
+            <a:r>
+              <a:rPr sz="4400" b="1" i="1">
+                <a:latin typeface="FZKai-Z03S"/>
+              </a:rPr>
+              <a:t>在我们的神的眼中，我是一个善良的仆人，可以接受托付，可以为他作工，可以作得更好吗？</a:t>
             </a:r>
           </a:p>
         </p:txBody>
@@ -3484,36 +3436,36 @@
         </p:nvSpPr>
         <p:spPr>
           <a:xfrm>
-            <a:off x="334800" y="6199200"/>
-            <a:ext cx="8661600" cy="522000"/>
-          </a:xfrm>
-          <a:prstGeom prst="rect">
-            <a:avLst/>
-          </a:prstGeom>
-          <a:noFill/>
-        </p:spPr>
-        <p:txBody>
-          <a:bodyPr wrap="square" anchor="ctr">
+            <a:off x="503999" y="6300000"/>
+            <a:ext cx="8247600" cy="396000"/>
+          </a:xfrm>
+          <a:prstGeom prst="rect">
+            <a:avLst/>
+          </a:prstGeom>
+          <a:noFill/>
+        </p:spPr>
+        <p:txBody>
+          <a:bodyPr wrap="square">
             <a:spAutoFit/>
           </a:bodyPr>
           <a:lstStyle/>
           <a:p>
             <a:pPr algn="r">
               <a:lnSpc>
-                <a:spcPts val="3600"/>
-              </a:lnSpc>
-              <a:spcBef>
-                <a:spcPts val="0"/>
-              </a:spcBef>
-              <a:spcAft>
-                <a:spcPts val="0"/>
-              </a:spcAft>
-            </a:pPr>
-            <a:r>
-              <a:rPr sz="2400" b="0">
+                <a:spcPts val="2800"/>
+              </a:lnSpc>
+              <a:spcBef>
+                <a:spcPts val="0"/>
+              </a:spcBef>
+              <a:spcAft>
+                <a:spcPts val="0"/>
+              </a:spcAft>
+            </a:pPr>
+            <a:r>
+              <a:rPr sz="2400" b="1">
                 <a:latin typeface="FZKai-Z03S"/>
               </a:rPr>
-              <a:t>你的话5/7</a:t>
+              <a:t>善仆与恶仆（路19:11-28）</a:t>
             </a:r>
           </a:p>
         </p:txBody>
@@ -3544,112 +3496,74 @@
         </p:nvSpPr>
         <p:spPr>
           <a:xfrm>
-            <a:off x="370800" y="406799"/>
-            <a:ext cx="8593200" cy="5616000"/>
-          </a:xfrm>
-          <a:prstGeom prst="rect">
-            <a:avLst/>
-          </a:prstGeom>
-          <a:noFill/>
-        </p:spPr>
-        <p:txBody>
-          <a:bodyPr wrap="square" anchor="ctr">
-            <a:spAutoFit/>
-          </a:bodyPr>
-          <a:lstStyle/>
-          <a:p>
-            <a:pPr algn="ctr">
-              <a:lnSpc>
-                <a:spcPts val="7000"/>
-              </a:lnSpc>
-              <a:spcBef>
-                <a:spcPts val="0"/>
-              </a:spcBef>
-              <a:spcAft>
-                <a:spcPts val="0"/>
-              </a:spcAft>
-            </a:pPr>
-            <a:r>
-              <a:rPr sz="4800" b="0">
-                <a:latin typeface="FZZhunYuan-M02S"/>
-              </a:rPr>
-              <a:t>深藏在我心</a:t>
-            </a:r>
-          </a:p>
-          <a:p>
-            <a:pPr algn="ctr">
-              <a:lnSpc>
-                <a:spcPts val="7000"/>
-              </a:lnSpc>
-              <a:spcBef>
-                <a:spcPts val="0"/>
-              </a:spcBef>
-              <a:spcAft>
-                <a:spcPts val="0"/>
-              </a:spcAft>
-            </a:pPr>
-            <a:r>
-              <a:rPr sz="4800" b="0">
-                <a:latin typeface="FZZhunYuan-M02S"/>
-              </a:rPr>
-              <a:t>免得我得罪祢</a:t>
-            </a:r>
-          </a:p>
-          <a:p>
-            <a:pPr algn="ctr">
-              <a:lnSpc>
-                <a:spcPts val="7000"/>
-              </a:lnSpc>
-              <a:spcBef>
-                <a:spcPts val="0"/>
-              </a:spcBef>
-              <a:spcAft>
-                <a:spcPts val="0"/>
-              </a:spcAft>
-            </a:pPr>
-            <a:r>
-              <a:rPr sz="4800" b="0">
-                <a:latin typeface="FZZhunYuan-M02S"/>
-              </a:rPr>
-              <a:t>免得我远离</a:t>
-            </a:r>
-          </a:p>
-          <a:p>
-            <a:pPr algn="ctr">
-              <a:lnSpc>
-                <a:spcPts val="7000"/>
-              </a:lnSpc>
-              <a:spcBef>
-                <a:spcPts val="0"/>
-              </a:spcBef>
-              <a:spcAft>
-                <a:spcPts val="0"/>
-              </a:spcAft>
-            </a:pPr>
-            <a:r>
-              <a:rPr sz="4800" b="0">
-                <a:latin typeface="FZZhunYuan-M02S"/>
-              </a:rPr>
-              <a:t>哦 主啊 与我亲近</a:t>
-            </a:r>
-          </a:p>
-          <a:p>
-            <a:pPr algn="ctr">
-              <a:lnSpc>
-                <a:spcPts val="7000"/>
-              </a:lnSpc>
-              <a:spcBef>
-                <a:spcPts val="0"/>
-              </a:spcBef>
-              <a:spcAft>
-                <a:spcPts val="0"/>
-              </a:spcAft>
-            </a:pPr>
-            <a:r>
-              <a:rPr sz="4800" b="0">
-                <a:latin typeface="FZZhunYuan-M02S"/>
-              </a:rPr>
-              <a:t>我爱祢声音</a:t>
+            <a:off x="518400" y="262800"/>
+            <a:ext cx="8247600" cy="5914800"/>
+          </a:xfrm>
+          <a:prstGeom prst="rect">
+            <a:avLst/>
+          </a:prstGeom>
+          <a:noFill/>
+        </p:spPr>
+        <p:txBody>
+          <a:bodyPr wrap="square">
+            <a:spAutoFit/>
+          </a:bodyPr>
+          <a:lstStyle/>
+          <a:p>
+            <a:pPr algn="l">
+              <a:lnSpc>
+                <a:spcPts val="5200"/>
+              </a:lnSpc>
+              <a:spcBef>
+                <a:spcPts val="0"/>
+              </a:spcBef>
+              <a:spcAft>
+                <a:spcPts val="0"/>
+              </a:spcAft>
+            </a:pPr>
+            <a:r>
+              <a:rPr sz="4400" b="1" i="1">
+                <a:latin typeface="FZKai-Z03S"/>
+              </a:rPr>
+              <a:t>总结：</a:t>
+            </a:r>
+          </a:p>
+          <a:p>
+            <a:pPr algn="l">
+              <a:lnSpc>
+                <a:spcPts val="5200"/>
+              </a:lnSpc>
+              <a:spcBef>
+                <a:spcPts val="0"/>
+              </a:spcBef>
+              <a:spcAft>
+                <a:spcPts val="0"/>
+              </a:spcAft>
+            </a:pPr>
+            <a:r>
+              <a:rPr sz="4400" b="1" i="1">
+                <a:latin typeface="FZKai-Z03S"/>
+              </a:rPr>
+              <a:t>在我们的神的眼中，我是一个善良的仆人，可以接受托付，可以为他作工，可以作得更好吗？</a:t>
+            </a:r>
+          </a:p>
+          <a:p>
+            <a:pPr algn="l">
+              <a:lnSpc>
+                <a:spcPts val="5200"/>
+              </a:lnSpc>
+              <a:spcBef>
+                <a:spcPts val="0"/>
+              </a:spcBef>
+              <a:spcAft>
+                <a:spcPts val="0"/>
+              </a:spcAft>
+            </a:pPr>
+            <a:r>
+              <a:rPr sz="4400" b="1" i="1">
+                <a:latin typeface="FZKai-Z03S"/>
+              </a:rPr>
+              <a:t>主人回来之前的时间还有很多吗？</a:t>
             </a:r>
           </a:p>
         </p:txBody>
@@ -3662,36 +3576,36 @@
         </p:nvSpPr>
         <p:spPr>
           <a:xfrm>
-            <a:off x="334800" y="6199200"/>
-            <a:ext cx="8661600" cy="522000"/>
-          </a:xfrm>
-          <a:prstGeom prst="rect">
-            <a:avLst/>
-          </a:prstGeom>
-          <a:noFill/>
-        </p:spPr>
-        <p:txBody>
-          <a:bodyPr wrap="square" anchor="ctr">
+            <a:off x="503999" y="6300000"/>
+            <a:ext cx="8247600" cy="396000"/>
+          </a:xfrm>
+          <a:prstGeom prst="rect">
+            <a:avLst/>
+          </a:prstGeom>
+          <a:noFill/>
+        </p:spPr>
+        <p:txBody>
+          <a:bodyPr wrap="square">
             <a:spAutoFit/>
           </a:bodyPr>
           <a:lstStyle/>
           <a:p>
             <a:pPr algn="r">
               <a:lnSpc>
-                <a:spcPts val="3600"/>
-              </a:lnSpc>
-              <a:spcBef>
-                <a:spcPts val="0"/>
-              </a:spcBef>
-              <a:spcAft>
-                <a:spcPts val="0"/>
-              </a:spcAft>
-            </a:pPr>
-            <a:r>
-              <a:rPr sz="2400" b="0">
+                <a:spcPts val="2800"/>
+              </a:lnSpc>
+              <a:spcBef>
+                <a:spcPts val="0"/>
+              </a:spcBef>
+              <a:spcAft>
+                <a:spcPts val="0"/>
+              </a:spcAft>
+            </a:pPr>
+            <a:r>
+              <a:rPr sz="2400" b="1">
                 <a:latin typeface="FZKai-Z03S"/>
               </a:rPr>
-              <a:t>你的话6/7</a:t>
+              <a:t>善仆与恶仆（路19:11-28）</a:t>
             </a:r>
           </a:p>
         </p:txBody>
@@ -3722,55 +3636,93 @@
         </p:nvSpPr>
         <p:spPr>
           <a:xfrm>
-            <a:off x="370800" y="406799"/>
-            <a:ext cx="8593200" cy="5616000"/>
-          </a:xfrm>
-          <a:prstGeom prst="rect">
-            <a:avLst/>
-          </a:prstGeom>
-          <a:noFill/>
-        </p:spPr>
-        <p:txBody>
-          <a:bodyPr wrap="square" anchor="ctr">
-            <a:spAutoFit/>
-          </a:bodyPr>
-          <a:lstStyle/>
-          <a:p>
-            <a:pPr algn="ctr">
-              <a:lnSpc>
-                <a:spcPts val="7000"/>
-              </a:lnSpc>
-              <a:spcBef>
-                <a:spcPts val="0"/>
-              </a:spcBef>
-              <a:spcAft>
-                <a:spcPts val="0"/>
-              </a:spcAft>
-            </a:pPr>
-            <a:r>
-              <a:rPr sz="4800" b="0">
-                <a:latin typeface="FZZhunYuan-M02S"/>
-              </a:rPr>
-              <a:t>作我脚前的灯</a:t>
-            </a:r>
-          </a:p>
-          <a:p>
-            <a:pPr algn="ctr">
-              <a:lnSpc>
-                <a:spcPts val="7000"/>
-              </a:lnSpc>
-              <a:spcBef>
-                <a:spcPts val="0"/>
-              </a:spcBef>
-              <a:spcAft>
-                <a:spcPts val="0"/>
-              </a:spcAft>
-            </a:pPr>
-            <a:r>
-              <a:rPr sz="4800" b="0">
-                <a:latin typeface="FZZhunYuan-M02S"/>
-              </a:rPr>
-              <a:t>作我路上的光</a:t>
+            <a:off x="518400" y="262800"/>
+            <a:ext cx="8247600" cy="5914800"/>
+          </a:xfrm>
+          <a:prstGeom prst="rect">
+            <a:avLst/>
+          </a:prstGeom>
+          <a:noFill/>
+        </p:spPr>
+        <p:txBody>
+          <a:bodyPr wrap="square">
+            <a:spAutoFit/>
+          </a:bodyPr>
+          <a:lstStyle/>
+          <a:p>
+            <a:pPr algn="l">
+              <a:lnSpc>
+                <a:spcPts val="5200"/>
+              </a:lnSpc>
+              <a:spcBef>
+                <a:spcPts val="0"/>
+              </a:spcBef>
+              <a:spcAft>
+                <a:spcPts val="0"/>
+              </a:spcAft>
+            </a:pPr>
+            <a:r>
+              <a:rPr sz="4400" b="1" i="1">
+                <a:latin typeface="FZKai-Z03S"/>
+              </a:rPr>
+              <a:t>总结：</a:t>
+            </a:r>
+          </a:p>
+          <a:p>
+            <a:pPr algn="l">
+              <a:lnSpc>
+                <a:spcPts val="5200"/>
+              </a:lnSpc>
+              <a:spcBef>
+                <a:spcPts val="0"/>
+              </a:spcBef>
+              <a:spcAft>
+                <a:spcPts val="0"/>
+              </a:spcAft>
+            </a:pPr>
+            <a:r>
+              <a:rPr sz="4400" b="1" i="1">
+                <a:latin typeface="FZKai-Z03S"/>
+              </a:rPr>
+              <a:t>在我们的神的眼中，我是一个善良的仆人，可以接受托付，可以为他作工，可以作得更好吗？</a:t>
+            </a:r>
+          </a:p>
+          <a:p>
+            <a:pPr algn="l">
+              <a:lnSpc>
+                <a:spcPts val="5200"/>
+              </a:lnSpc>
+              <a:spcBef>
+                <a:spcPts val="0"/>
+              </a:spcBef>
+              <a:spcAft>
+                <a:spcPts val="0"/>
+              </a:spcAft>
+            </a:pPr>
+            <a:r>
+              <a:rPr sz="4400" b="1" i="1">
+                <a:latin typeface="FZKai-Z03S"/>
+              </a:rPr>
+              <a:t>主人回来之前的时间还有很多吗？</a:t>
+            </a:r>
+          </a:p>
+          <a:p>
+            <a:pPr algn="l">
+              <a:lnSpc>
+                <a:spcPts val="5200"/>
+              </a:lnSpc>
+              <a:spcBef>
+                <a:spcPts val="0"/>
+              </a:spcBef>
+              <a:spcAft>
+                <a:spcPts val="0"/>
+              </a:spcAft>
+            </a:pPr>
+            <a:r>
+              <a:rPr sz="4400" b="1" i="1">
+                <a:latin typeface="FZKai-Z03S"/>
+              </a:rPr>
+              <a:t>主人回来的时候，我可以面对他而不羞愧吗？</a:t>
             </a:r>
           </a:p>
         </p:txBody>
@@ -3783,36 +3735,36 @@
         </p:nvSpPr>
         <p:spPr>
           <a:xfrm>
-            <a:off x="334800" y="6199200"/>
-            <a:ext cx="8661600" cy="522000"/>
-          </a:xfrm>
-          <a:prstGeom prst="rect">
-            <a:avLst/>
-          </a:prstGeom>
-          <a:noFill/>
-        </p:spPr>
-        <p:txBody>
-          <a:bodyPr wrap="square" anchor="ctr">
+            <a:off x="503999" y="6300000"/>
+            <a:ext cx="8247600" cy="396000"/>
+          </a:xfrm>
+          <a:prstGeom prst="rect">
+            <a:avLst/>
+          </a:prstGeom>
+          <a:noFill/>
+        </p:spPr>
+        <p:txBody>
+          <a:bodyPr wrap="square">
             <a:spAutoFit/>
           </a:bodyPr>
           <a:lstStyle/>
           <a:p>
             <a:pPr algn="r">
               <a:lnSpc>
-                <a:spcPts val="3600"/>
-              </a:lnSpc>
-              <a:spcBef>
-                <a:spcPts val="0"/>
-              </a:spcBef>
-              <a:spcAft>
-                <a:spcPts val="0"/>
-              </a:spcAft>
-            </a:pPr>
-            <a:r>
-              <a:rPr sz="2400" b="0">
+                <a:spcPts val="2800"/>
+              </a:lnSpc>
+              <a:spcBef>
+                <a:spcPts val="0"/>
+              </a:spcBef>
+              <a:spcAft>
+                <a:spcPts val="0"/>
+              </a:spcAft>
+            </a:pPr>
+            <a:r>
+              <a:rPr sz="2400" b="1">
                 <a:latin typeface="FZKai-Z03S"/>
               </a:rPr>
-              <a:t>你的话7/7</a:t>
+              <a:t>善仆与恶仆（路19:11-28）</a:t>
             </a:r>
           </a:p>
         </p:txBody>
@@ -3855,7 +3807,7 @@
       <p:grpSpPr/>
       <p:pic>
         <p:nvPicPr>
-          <p:cNvPr id="2" name="Picture 1" descr="offering_1.jpg"/>
+          <p:cNvPr id="2" name="Picture 1" descr="bkg_general.jpg"/>
           <p:cNvPicPr>
             <a:picLocks noChangeAspect="1"/>
           </p:cNvPicPr>
@@ -3877,6 +3829,132 @@
           </a:prstGeom>
         </p:spPr>
       </p:pic>
+      <p:sp>
+        <p:nvSpPr>
+          <p:cNvPr id="3" name="TextBox 2"/>
+          <p:cNvSpPr txBox="1"/>
+          <p:nvPr/>
+        </p:nvSpPr>
+        <p:spPr>
+          <a:xfrm>
+            <a:off x="406799" y="1835999"/>
+            <a:ext cx="8496000" cy="4834800"/>
+          </a:xfrm>
+          <a:prstGeom prst="rect">
+            <a:avLst/>
+          </a:prstGeom>
+          <a:noFill/>
+        </p:spPr>
+        <p:txBody>
+          <a:bodyPr wrap="square">
+            <a:spAutoFit/>
+          </a:bodyPr>
+          <a:lstStyle/>
+          <a:p>
+            <a:pPr algn="l">
+              <a:lnSpc>
+                <a:spcPts val="7700"/>
+              </a:lnSpc>
+              <a:spcBef>
+                <a:spcPts val="0"/>
+              </a:spcBef>
+              <a:spcAft>
+                <a:spcPts val="0"/>
+              </a:spcAft>
+            </a:pPr>
+            <a:r>
+              <a:rPr sz="6600" b="1">
+                <a:latin typeface="方正楷体简体"/>
+              </a:rPr>
+              <a:t>你的话</a:t>
+            </a:r>
+          </a:p>
+        </p:txBody>
+      </p:sp>
+      <p:sp>
+        <p:nvSpPr>
+          <p:cNvPr id="4" name="TextBox 3"/>
+          <p:cNvSpPr txBox="1"/>
+          <p:nvPr/>
+        </p:nvSpPr>
+        <p:spPr>
+          <a:xfrm>
+            <a:off x="410399" y="183600"/>
+            <a:ext cx="6552000" cy="687600"/>
+          </a:xfrm>
+          <a:prstGeom prst="rect">
+            <a:avLst/>
+          </a:prstGeom>
+          <a:noFill/>
+        </p:spPr>
+        <p:txBody>
+          <a:bodyPr wrap="square">
+            <a:spAutoFit/>
+          </a:bodyPr>
+          <a:lstStyle/>
+          <a:p>
+            <a:pPr algn="l">
+              <a:lnSpc>
+                <a:spcPts val="4700"/>
+              </a:lnSpc>
+              <a:spcBef>
+                <a:spcPts val="0"/>
+              </a:spcBef>
+              <a:spcAft>
+                <a:spcPts val="0"/>
+              </a:spcAft>
+            </a:pPr>
+            <a:r>
+              <a:rPr sz="4000" b="1">
+                <a:latin typeface="FZKai-Z03S"/>
+              </a:rPr>
+              <a:t>回应诗歌</a:t>
+            </a:r>
+          </a:p>
+        </p:txBody>
+      </p:sp>
+      <p:sp>
+        <p:nvSpPr>
+          <p:cNvPr id="5" name="TextBox 4"/>
+          <p:cNvSpPr txBox="1"/>
+          <p:nvPr/>
+        </p:nvSpPr>
+        <p:spPr>
+          <a:xfrm>
+            <a:off x="478800" y="2854800"/>
+            <a:ext cx="7225200" cy="709200"/>
+          </a:xfrm>
+          <a:prstGeom prst="rect">
+            <a:avLst/>
+          </a:prstGeom>
+          <a:noFill/>
+        </p:spPr>
+        <p:txBody>
+          <a:bodyPr wrap="square">
+            <a:spAutoFit/>
+          </a:bodyPr>
+          <a:lstStyle/>
+          <a:p>
+            <a:pPr algn="l">
+              <a:lnSpc>
+                <a:spcPts val="4700"/>
+              </a:lnSpc>
+              <a:spcBef>
+                <a:spcPts val="0"/>
+              </a:spcBef>
+              <a:spcAft>
+                <a:spcPts val="0"/>
+              </a:spcAft>
+            </a:pPr>
+            <a:r>
+              <a:rPr sz="4000" b="0">
+                <a:latin typeface="方正准圆简体"/>
+              </a:rPr>
+              <a:t>天韻</a:t>
+            </a:r>
+          </a:p>
+        </p:txBody>
+      </p:sp>
     </p:spTree>
   </p:cSld>
   <p:clrMapOvr>
@@ -3895,30 +3973,166 @@
         <p:nvPr/>
       </p:nvGrpSpPr>
       <p:grpSpPr/>
-      <p:pic>
-        <p:nvPicPr>
-          <p:cNvPr id="2" name="Picture 1" descr="offering_2.jpg"/>
-          <p:cNvPicPr>
-            <a:picLocks noChangeAspect="1"/>
-          </p:cNvPicPr>
-          <p:nvPr/>
-        </p:nvPicPr>
-        <p:blipFill>
-          <a:blip r:embed="rId2"/>
-          <a:stretch>
-            <a:fillRect/>
-          </a:stretch>
-        </p:blipFill>
-        <p:spPr>
-          <a:xfrm>
-            <a:off x="0" y="0"/>
-            <a:ext cx="9144000" cy="6858000"/>
-          </a:xfrm>
-          <a:prstGeom prst="rect">
-            <a:avLst/>
-          </a:prstGeom>
-        </p:spPr>
-      </p:pic>
+      <p:sp>
+        <p:nvSpPr>
+          <p:cNvPr id="2" name="TextBox 1"/>
+          <p:cNvSpPr txBox="1"/>
+          <p:nvPr/>
+        </p:nvSpPr>
+        <p:spPr>
+          <a:xfrm>
+            <a:off x="370800" y="406799"/>
+            <a:ext cx="8593200" cy="5616000"/>
+          </a:xfrm>
+          <a:prstGeom prst="rect">
+            <a:avLst/>
+          </a:prstGeom>
+          <a:noFill/>
+        </p:spPr>
+        <p:txBody>
+          <a:bodyPr wrap="square" anchor="ctr">
+            <a:spAutoFit/>
+          </a:bodyPr>
+          <a:lstStyle/>
+          <a:p>
+            <a:pPr algn="ctr">
+              <a:lnSpc>
+                <a:spcPts val="7000"/>
+              </a:lnSpc>
+              <a:spcBef>
+                <a:spcPts val="0"/>
+              </a:spcBef>
+              <a:spcAft>
+                <a:spcPts val="0"/>
+              </a:spcAft>
+            </a:pPr>
+            <a:r>
+              <a:rPr sz="4800" b="0">
+                <a:latin typeface="FZZhunYuan-M02S"/>
+              </a:rPr>
+              <a:t>我将祢的话语</a:t>
+            </a:r>
+          </a:p>
+          <a:p>
+            <a:pPr algn="ctr">
+              <a:lnSpc>
+                <a:spcPts val="7000"/>
+              </a:lnSpc>
+              <a:spcBef>
+                <a:spcPts val="0"/>
+              </a:spcBef>
+              <a:spcAft>
+                <a:spcPts val="0"/>
+              </a:spcAft>
+            </a:pPr>
+            <a:r>
+              <a:rPr sz="4800" b="0">
+                <a:latin typeface="FZZhunYuan-M02S"/>
+              </a:rPr>
+              <a:t>深藏在我心</a:t>
+            </a:r>
+          </a:p>
+          <a:p>
+            <a:pPr algn="ctr">
+              <a:lnSpc>
+                <a:spcPts val="7000"/>
+              </a:lnSpc>
+              <a:spcBef>
+                <a:spcPts val="0"/>
+              </a:spcBef>
+              <a:spcAft>
+                <a:spcPts val="0"/>
+              </a:spcAft>
+            </a:pPr>
+            <a:r>
+              <a:rPr sz="4800" b="0">
+                <a:latin typeface="FZZhunYuan-M02S"/>
+              </a:rPr>
+              <a:t>免得我得罪祢</a:t>
+            </a:r>
+          </a:p>
+          <a:p>
+            <a:pPr algn="ctr">
+              <a:lnSpc>
+                <a:spcPts val="7000"/>
+              </a:lnSpc>
+              <a:spcBef>
+                <a:spcPts val="0"/>
+              </a:spcBef>
+              <a:spcAft>
+                <a:spcPts val="0"/>
+              </a:spcAft>
+            </a:pPr>
+            <a:r>
+              <a:rPr sz="4800" b="0">
+                <a:latin typeface="FZZhunYuan-M02S"/>
+              </a:rPr>
+              <a:t>免得我远离</a:t>
+            </a:r>
+          </a:p>
+          <a:p>
+            <a:pPr algn="ctr">
+              <a:lnSpc>
+                <a:spcPts val="7000"/>
+              </a:lnSpc>
+              <a:spcBef>
+                <a:spcPts val="0"/>
+              </a:spcBef>
+              <a:spcAft>
+                <a:spcPts val="0"/>
+              </a:spcAft>
+            </a:pPr>
+            <a:r>
+              <a:rPr sz="4800" b="0">
+                <a:latin typeface="FZZhunYuan-M02S"/>
+              </a:rPr>
+              <a:t>哦 主啊 与我亲近</a:t>
+            </a:r>
+          </a:p>
+        </p:txBody>
+      </p:sp>
+      <p:sp>
+        <p:nvSpPr>
+          <p:cNvPr id="3" name="TextBox 2"/>
+          <p:cNvSpPr txBox="1"/>
+          <p:nvPr/>
+        </p:nvSpPr>
+        <p:spPr>
+          <a:xfrm>
+            <a:off x="334800" y="6199200"/>
+            <a:ext cx="8661600" cy="522000"/>
+          </a:xfrm>
+          <a:prstGeom prst="rect">
+            <a:avLst/>
+          </a:prstGeom>
+          <a:noFill/>
+        </p:spPr>
+        <p:txBody>
+          <a:bodyPr wrap="square" anchor="ctr">
+            <a:spAutoFit/>
+          </a:bodyPr>
+          <a:lstStyle/>
+          <a:p>
+            <a:pPr algn="r">
+              <a:lnSpc>
+                <a:spcPts val="3600"/>
+              </a:lnSpc>
+              <a:spcBef>
+                <a:spcPts val="0"/>
+              </a:spcBef>
+              <a:spcAft>
+                <a:spcPts val="0"/>
+              </a:spcAft>
+            </a:pPr>
+            <a:r>
+              <a:rPr sz="2400" b="0">
+                <a:latin typeface="FZKai-Z03S"/>
+              </a:rPr>
+              <a:t>你的话1/7</a:t>
+            </a:r>
+          </a:p>
+        </p:txBody>
+      </p:sp>
     </p:spTree>
   </p:cSld>
   <p:clrMapOvr>
@@ -3937,30 +4151,166 @@
         <p:nvPr/>
       </p:nvGrpSpPr>
       <p:grpSpPr/>
-      <p:pic>
-        <p:nvPicPr>
-          <p:cNvPr id="2" name="Picture 1" descr="offering_3.jpg"/>
-          <p:cNvPicPr>
-            <a:picLocks noChangeAspect="1"/>
-          </p:cNvPicPr>
-          <p:nvPr/>
-        </p:nvPicPr>
-        <p:blipFill>
-          <a:blip r:embed="rId2"/>
-          <a:stretch>
-            <a:fillRect/>
-          </a:stretch>
-        </p:blipFill>
-        <p:spPr>
-          <a:xfrm>
-            <a:off x="0" y="0"/>
-            <a:ext cx="9144000" cy="6858000"/>
-          </a:xfrm>
-          <a:prstGeom prst="rect">
-            <a:avLst/>
-          </a:prstGeom>
-        </p:spPr>
-      </p:pic>
+      <p:sp>
+        <p:nvSpPr>
+          <p:cNvPr id="2" name="TextBox 1"/>
+          <p:cNvSpPr txBox="1"/>
+          <p:nvPr/>
+        </p:nvSpPr>
+        <p:spPr>
+          <a:xfrm>
+            <a:off x="370800" y="406799"/>
+            <a:ext cx="8593200" cy="5616000"/>
+          </a:xfrm>
+          <a:prstGeom prst="rect">
+            <a:avLst/>
+          </a:prstGeom>
+          <a:noFill/>
+        </p:spPr>
+        <p:txBody>
+          <a:bodyPr wrap="square" anchor="ctr">
+            <a:spAutoFit/>
+          </a:bodyPr>
+          <a:lstStyle/>
+          <a:p>
+            <a:pPr algn="ctr">
+              <a:lnSpc>
+                <a:spcPts val="7000"/>
+              </a:lnSpc>
+              <a:spcBef>
+                <a:spcPts val="0"/>
+              </a:spcBef>
+              <a:spcAft>
+                <a:spcPts val="0"/>
+              </a:spcAft>
+            </a:pPr>
+            <a:r>
+              <a:rPr sz="4800" b="0">
+                <a:latin typeface="FZZhunYuan-M02S"/>
+              </a:rPr>
+              <a:t>我爱祢声音</a:t>
+            </a:r>
+          </a:p>
+          <a:p>
+            <a:pPr algn="ctr">
+              <a:lnSpc>
+                <a:spcPts val="7000"/>
+              </a:lnSpc>
+              <a:spcBef>
+                <a:spcPts val="0"/>
+              </a:spcBef>
+              <a:spcAft>
+                <a:spcPts val="0"/>
+              </a:spcAft>
+            </a:pPr>
+            <a:r>
+              <a:rPr sz="4800" b="0">
+                <a:latin typeface="FZZhunYuan-M02S"/>
+              </a:rPr>
+              <a:t>作我脚前的灯</a:t>
+            </a:r>
+          </a:p>
+          <a:p>
+            <a:pPr algn="ctr">
+              <a:lnSpc>
+                <a:spcPts val="7000"/>
+              </a:lnSpc>
+              <a:spcBef>
+                <a:spcPts val="0"/>
+              </a:spcBef>
+              <a:spcAft>
+                <a:spcPts val="0"/>
+              </a:spcAft>
+            </a:pPr>
+            <a:r>
+              <a:rPr sz="4800" b="0">
+                <a:latin typeface="FZZhunYuan-M02S"/>
+              </a:rPr>
+              <a:t>作我路上的光</a:t>
+            </a:r>
+          </a:p>
+          <a:p>
+            <a:pPr algn="ctr">
+              <a:lnSpc>
+                <a:spcPts val="7000"/>
+              </a:lnSpc>
+              <a:spcBef>
+                <a:spcPts val="0"/>
+              </a:spcBef>
+              <a:spcAft>
+                <a:spcPts val="0"/>
+              </a:spcAft>
+            </a:pPr>
+            <a:r>
+              <a:rPr sz="4800" b="0">
+                <a:latin typeface="FZZhunYuan-M02S"/>
+              </a:rPr>
+              <a:t>天地将要过去</a:t>
+            </a:r>
+          </a:p>
+          <a:p>
+            <a:pPr algn="ctr">
+              <a:lnSpc>
+                <a:spcPts val="7000"/>
+              </a:lnSpc>
+              <a:spcBef>
+                <a:spcPts val="0"/>
+              </a:spcBef>
+              <a:spcAft>
+                <a:spcPts val="0"/>
+              </a:spcAft>
+            </a:pPr>
+            <a:r>
+              <a:rPr sz="4800" b="0">
+                <a:latin typeface="FZZhunYuan-M02S"/>
+              </a:rPr>
+              <a:t>祢的话却长存</a:t>
+            </a:r>
+          </a:p>
+        </p:txBody>
+      </p:sp>
+      <p:sp>
+        <p:nvSpPr>
+          <p:cNvPr id="3" name="TextBox 2"/>
+          <p:cNvSpPr txBox="1"/>
+          <p:nvPr/>
+        </p:nvSpPr>
+        <p:spPr>
+          <a:xfrm>
+            <a:off x="334800" y="6199200"/>
+            <a:ext cx="8661600" cy="522000"/>
+          </a:xfrm>
+          <a:prstGeom prst="rect">
+            <a:avLst/>
+          </a:prstGeom>
+          <a:noFill/>
+        </p:spPr>
+        <p:txBody>
+          <a:bodyPr wrap="square" anchor="ctr">
+            <a:spAutoFit/>
+          </a:bodyPr>
+          <a:lstStyle/>
+          <a:p>
+            <a:pPr algn="r">
+              <a:lnSpc>
+                <a:spcPts val="3600"/>
+              </a:lnSpc>
+              <a:spcBef>
+                <a:spcPts val="0"/>
+              </a:spcBef>
+              <a:spcAft>
+                <a:spcPts val="0"/>
+              </a:spcAft>
+            </a:pPr>
+            <a:r>
+              <a:rPr sz="2400" b="0">
+                <a:latin typeface="FZKai-Z03S"/>
+              </a:rPr>
+              <a:t>你的话2/7</a:t>
+            </a:r>
+          </a:p>
+        </p:txBody>
+      </p:sp>
     </p:spTree>
   </p:cSld>
   <p:clrMapOvr>
@@ -3979,6 +4329,166 @@
         <p:nvPr/>
       </p:nvGrpSpPr>
       <p:grpSpPr/>
+      <p:sp>
+        <p:nvSpPr>
+          <p:cNvPr id="2" name="TextBox 1"/>
+          <p:cNvSpPr txBox="1"/>
+          <p:nvPr/>
+        </p:nvSpPr>
+        <p:spPr>
+          <a:xfrm>
+            <a:off x="370800" y="406799"/>
+            <a:ext cx="8593200" cy="5616000"/>
+          </a:xfrm>
+          <a:prstGeom prst="rect">
+            <a:avLst/>
+          </a:prstGeom>
+          <a:noFill/>
+        </p:spPr>
+        <p:txBody>
+          <a:bodyPr wrap="square" anchor="ctr">
+            <a:spAutoFit/>
+          </a:bodyPr>
+          <a:lstStyle/>
+          <a:p>
+            <a:pPr algn="ctr">
+              <a:lnSpc>
+                <a:spcPts val="7000"/>
+              </a:lnSpc>
+              <a:spcBef>
+                <a:spcPts val="0"/>
+              </a:spcBef>
+              <a:spcAft>
+                <a:spcPts val="0"/>
+              </a:spcAft>
+            </a:pPr>
+            <a:r>
+              <a:rPr sz="4800" b="0">
+                <a:latin typeface="FZZhunYuan-M02S"/>
+              </a:rPr>
+              <a:t>天地将毁坏</a:t>
+            </a:r>
+          </a:p>
+          <a:p>
+            <a:pPr algn="ctr">
+              <a:lnSpc>
+                <a:spcPts val="7000"/>
+              </a:lnSpc>
+              <a:spcBef>
+                <a:spcPts val="0"/>
+              </a:spcBef>
+              <a:spcAft>
+                <a:spcPts val="0"/>
+              </a:spcAft>
+            </a:pPr>
+            <a:r>
+              <a:rPr sz="4800" b="0">
+                <a:latin typeface="FZZhunYuan-M02S"/>
+              </a:rPr>
+              <a:t>祢的话却长新</a:t>
+            </a:r>
+          </a:p>
+          <a:p>
+            <a:pPr algn="ctr">
+              <a:lnSpc>
+                <a:spcPts val="7000"/>
+              </a:lnSpc>
+              <a:spcBef>
+                <a:spcPts val="0"/>
+              </a:spcBef>
+              <a:spcAft>
+                <a:spcPts val="0"/>
+              </a:spcAft>
+            </a:pPr>
+            <a:r>
+              <a:rPr sz="4800" b="0">
+                <a:latin typeface="FZZhunYuan-M02S"/>
+              </a:rPr>
+              <a:t>我将祢的话语</a:t>
+            </a:r>
+          </a:p>
+          <a:p>
+            <a:pPr algn="ctr">
+              <a:lnSpc>
+                <a:spcPts val="7000"/>
+              </a:lnSpc>
+              <a:spcBef>
+                <a:spcPts val="0"/>
+              </a:spcBef>
+              <a:spcAft>
+                <a:spcPts val="0"/>
+              </a:spcAft>
+            </a:pPr>
+            <a:r>
+              <a:rPr sz="4800" b="0">
+                <a:latin typeface="FZZhunYuan-M02S"/>
+              </a:rPr>
+              <a:t>深藏在我心</a:t>
+            </a:r>
+          </a:p>
+          <a:p>
+            <a:pPr algn="ctr">
+              <a:lnSpc>
+                <a:spcPts val="7000"/>
+              </a:lnSpc>
+              <a:spcBef>
+                <a:spcPts val="0"/>
+              </a:spcBef>
+              <a:spcAft>
+                <a:spcPts val="0"/>
+              </a:spcAft>
+            </a:pPr>
+            <a:r>
+              <a:rPr sz="4800" b="0">
+                <a:latin typeface="FZZhunYuan-M02S"/>
+              </a:rPr>
+              <a:t>免得我得罪祢</a:t>
+            </a:r>
+          </a:p>
+        </p:txBody>
+      </p:sp>
+      <p:sp>
+        <p:nvSpPr>
+          <p:cNvPr id="3" name="TextBox 2"/>
+          <p:cNvSpPr txBox="1"/>
+          <p:nvPr/>
+        </p:nvSpPr>
+        <p:spPr>
+          <a:xfrm>
+            <a:off x="334800" y="6199200"/>
+            <a:ext cx="8661600" cy="522000"/>
+          </a:xfrm>
+          <a:prstGeom prst="rect">
+            <a:avLst/>
+          </a:prstGeom>
+          <a:noFill/>
+        </p:spPr>
+        <p:txBody>
+          <a:bodyPr wrap="square" anchor="ctr">
+            <a:spAutoFit/>
+          </a:bodyPr>
+          <a:lstStyle/>
+          <a:p>
+            <a:pPr algn="r">
+              <a:lnSpc>
+                <a:spcPts val="3600"/>
+              </a:lnSpc>
+              <a:spcBef>
+                <a:spcPts val="0"/>
+              </a:spcBef>
+              <a:spcAft>
+                <a:spcPts val="0"/>
+              </a:spcAft>
+            </a:pPr>
+            <a:r>
+              <a:rPr sz="2400" b="0">
+                <a:latin typeface="FZKai-Z03S"/>
+              </a:rPr>
+              <a:t>你的话3/7</a:t>
+            </a:r>
+          </a:p>
+        </p:txBody>
+      </p:sp>
     </p:spTree>
   </p:cSld>
   <p:clrMapOvr>
@@ -3997,30 +4507,166 @@
         <p:nvPr/>
       </p:nvGrpSpPr>
       <p:grpSpPr/>
-      <p:pic>
-        <p:nvPicPr>
-          <p:cNvPr id="2" name="Picture 1" descr="report_1.jpg"/>
-          <p:cNvPicPr>
-            <a:picLocks noChangeAspect="1"/>
-          </p:cNvPicPr>
-          <p:nvPr/>
-        </p:nvPicPr>
-        <p:blipFill>
-          <a:blip r:embed="rId2"/>
-          <a:stretch>
-            <a:fillRect/>
-          </a:stretch>
-        </p:blipFill>
-        <p:spPr>
-          <a:xfrm>
-            <a:off x="0" y="0"/>
-            <a:ext cx="9144000" cy="6858000"/>
-          </a:xfrm>
-          <a:prstGeom prst="rect">
-            <a:avLst/>
-          </a:prstGeom>
-        </p:spPr>
-      </p:pic>
+      <p:sp>
+        <p:nvSpPr>
+          <p:cNvPr id="2" name="TextBox 1"/>
+          <p:cNvSpPr txBox="1"/>
+          <p:nvPr/>
+        </p:nvSpPr>
+        <p:spPr>
+          <a:xfrm>
+            <a:off x="370800" y="406799"/>
+            <a:ext cx="8593200" cy="5616000"/>
+          </a:xfrm>
+          <a:prstGeom prst="rect">
+            <a:avLst/>
+          </a:prstGeom>
+          <a:noFill/>
+        </p:spPr>
+        <p:txBody>
+          <a:bodyPr wrap="square" anchor="ctr">
+            <a:spAutoFit/>
+          </a:bodyPr>
+          <a:lstStyle/>
+          <a:p>
+            <a:pPr algn="ctr">
+              <a:lnSpc>
+                <a:spcPts val="7000"/>
+              </a:lnSpc>
+              <a:spcBef>
+                <a:spcPts val="0"/>
+              </a:spcBef>
+              <a:spcAft>
+                <a:spcPts val="0"/>
+              </a:spcAft>
+            </a:pPr>
+            <a:r>
+              <a:rPr sz="4800" b="0">
+                <a:latin typeface="FZZhunYuan-M02S"/>
+              </a:rPr>
+              <a:t>免得我远离</a:t>
+            </a:r>
+          </a:p>
+          <a:p>
+            <a:pPr algn="ctr">
+              <a:lnSpc>
+                <a:spcPts val="7000"/>
+              </a:lnSpc>
+              <a:spcBef>
+                <a:spcPts val="0"/>
+              </a:spcBef>
+              <a:spcAft>
+                <a:spcPts val="0"/>
+              </a:spcAft>
+            </a:pPr>
+            <a:r>
+              <a:rPr sz="4800" b="0">
+                <a:latin typeface="FZZhunYuan-M02S"/>
+              </a:rPr>
+              <a:t>哦 主啊 与我亲近</a:t>
+            </a:r>
+          </a:p>
+          <a:p>
+            <a:pPr algn="ctr">
+              <a:lnSpc>
+                <a:spcPts val="7000"/>
+              </a:lnSpc>
+              <a:spcBef>
+                <a:spcPts val="0"/>
+              </a:spcBef>
+              <a:spcAft>
+                <a:spcPts val="0"/>
+              </a:spcAft>
+            </a:pPr>
+            <a:r>
+              <a:rPr sz="4800" b="0">
+                <a:latin typeface="FZZhunYuan-M02S"/>
+              </a:rPr>
+              <a:t>我爱祢声音</a:t>
+            </a:r>
+          </a:p>
+          <a:p>
+            <a:pPr algn="ctr">
+              <a:lnSpc>
+                <a:spcPts val="7000"/>
+              </a:lnSpc>
+              <a:spcBef>
+                <a:spcPts val="0"/>
+              </a:spcBef>
+              <a:spcAft>
+                <a:spcPts val="0"/>
+              </a:spcAft>
+            </a:pPr>
+            <a:r>
+              <a:rPr sz="4800" b="0">
+                <a:latin typeface="FZZhunYuan-M02S"/>
+              </a:rPr>
+              <a:t>作我脚前的灯</a:t>
+            </a:r>
+          </a:p>
+          <a:p>
+            <a:pPr algn="ctr">
+              <a:lnSpc>
+                <a:spcPts val="7000"/>
+              </a:lnSpc>
+              <a:spcBef>
+                <a:spcPts val="0"/>
+              </a:spcBef>
+              <a:spcAft>
+                <a:spcPts val="0"/>
+              </a:spcAft>
+            </a:pPr>
+            <a:r>
+              <a:rPr sz="4800" b="0">
+                <a:latin typeface="FZZhunYuan-M02S"/>
+              </a:rPr>
+              <a:t>作我路上的光</a:t>
+            </a:r>
+          </a:p>
+        </p:txBody>
+      </p:sp>
+      <p:sp>
+        <p:nvSpPr>
+          <p:cNvPr id="3" name="TextBox 2"/>
+          <p:cNvSpPr txBox="1"/>
+          <p:nvPr/>
+        </p:nvSpPr>
+        <p:spPr>
+          <a:xfrm>
+            <a:off x="334800" y="6199200"/>
+            <a:ext cx="8661600" cy="522000"/>
+          </a:xfrm>
+          <a:prstGeom prst="rect">
+            <a:avLst/>
+          </a:prstGeom>
+          <a:noFill/>
+        </p:spPr>
+        <p:txBody>
+          <a:bodyPr wrap="square" anchor="ctr">
+            <a:spAutoFit/>
+          </a:bodyPr>
+          <a:lstStyle/>
+          <a:p>
+            <a:pPr algn="r">
+              <a:lnSpc>
+                <a:spcPts val="3600"/>
+              </a:lnSpc>
+              <a:spcBef>
+                <a:spcPts val="0"/>
+              </a:spcBef>
+              <a:spcAft>
+                <a:spcPts val="0"/>
+              </a:spcAft>
+            </a:pPr>
+            <a:r>
+              <a:rPr sz="2400" b="0">
+                <a:latin typeface="FZKai-Z03S"/>
+              </a:rPr>
+              <a:t>你的话4/7</a:t>
+            </a:r>
+          </a:p>
+        </p:txBody>
+      </p:sp>
     </p:spTree>
   </p:cSld>
   <p:clrMapOvr>
@@ -4039,30 +4685,166 @@
         <p:nvPr/>
       </p:nvGrpSpPr>
       <p:grpSpPr/>
-      <p:pic>
-        <p:nvPicPr>
-          <p:cNvPr id="2" name="Picture 1" descr="report_2.jpg"/>
-          <p:cNvPicPr>
-            <a:picLocks noChangeAspect="1"/>
-          </p:cNvPicPr>
-          <p:nvPr/>
-        </p:nvPicPr>
-        <p:blipFill>
-          <a:blip r:embed="rId2"/>
-          <a:stretch>
-            <a:fillRect/>
-          </a:stretch>
-        </p:blipFill>
-        <p:spPr>
-          <a:xfrm>
-            <a:off x="0" y="0"/>
-            <a:ext cx="9144000" cy="6858000"/>
-          </a:xfrm>
-          <a:prstGeom prst="rect">
-            <a:avLst/>
-          </a:prstGeom>
-        </p:spPr>
-      </p:pic>
+      <p:sp>
+        <p:nvSpPr>
+          <p:cNvPr id="2" name="TextBox 1"/>
+          <p:cNvSpPr txBox="1"/>
+          <p:nvPr/>
+        </p:nvSpPr>
+        <p:spPr>
+          <a:xfrm>
+            <a:off x="370800" y="406799"/>
+            <a:ext cx="8593200" cy="5616000"/>
+          </a:xfrm>
+          <a:prstGeom prst="rect">
+            <a:avLst/>
+          </a:prstGeom>
+          <a:noFill/>
+        </p:spPr>
+        <p:txBody>
+          <a:bodyPr wrap="square" anchor="ctr">
+            <a:spAutoFit/>
+          </a:bodyPr>
+          <a:lstStyle/>
+          <a:p>
+            <a:pPr algn="ctr">
+              <a:lnSpc>
+                <a:spcPts val="7000"/>
+              </a:lnSpc>
+              <a:spcBef>
+                <a:spcPts val="0"/>
+              </a:spcBef>
+              <a:spcAft>
+                <a:spcPts val="0"/>
+              </a:spcAft>
+            </a:pPr>
+            <a:r>
+              <a:rPr sz="4800" b="0">
+                <a:latin typeface="FZZhunYuan-M02S"/>
+              </a:rPr>
+              <a:t>天地将要过去</a:t>
+            </a:r>
+          </a:p>
+          <a:p>
+            <a:pPr algn="ctr">
+              <a:lnSpc>
+                <a:spcPts val="7000"/>
+              </a:lnSpc>
+              <a:spcBef>
+                <a:spcPts val="0"/>
+              </a:spcBef>
+              <a:spcAft>
+                <a:spcPts val="0"/>
+              </a:spcAft>
+            </a:pPr>
+            <a:r>
+              <a:rPr sz="4800" b="0">
+                <a:latin typeface="FZZhunYuan-M02S"/>
+              </a:rPr>
+              <a:t>祢的话却长存</a:t>
+            </a:r>
+          </a:p>
+          <a:p>
+            <a:pPr algn="ctr">
+              <a:lnSpc>
+                <a:spcPts val="7000"/>
+              </a:lnSpc>
+              <a:spcBef>
+                <a:spcPts val="0"/>
+              </a:spcBef>
+              <a:spcAft>
+                <a:spcPts val="0"/>
+              </a:spcAft>
+            </a:pPr>
+            <a:r>
+              <a:rPr sz="4800" b="0">
+                <a:latin typeface="FZZhunYuan-M02S"/>
+              </a:rPr>
+              <a:t>天地将毁坏</a:t>
+            </a:r>
+          </a:p>
+          <a:p>
+            <a:pPr algn="ctr">
+              <a:lnSpc>
+                <a:spcPts val="7000"/>
+              </a:lnSpc>
+              <a:spcBef>
+                <a:spcPts val="0"/>
+              </a:spcBef>
+              <a:spcAft>
+                <a:spcPts val="0"/>
+              </a:spcAft>
+            </a:pPr>
+            <a:r>
+              <a:rPr sz="4800" b="0">
+                <a:latin typeface="FZZhunYuan-M02S"/>
+              </a:rPr>
+              <a:t>祢的话却长新</a:t>
+            </a:r>
+          </a:p>
+          <a:p>
+            <a:pPr algn="ctr">
+              <a:lnSpc>
+                <a:spcPts val="7000"/>
+              </a:lnSpc>
+              <a:spcBef>
+                <a:spcPts val="0"/>
+              </a:spcBef>
+              <a:spcAft>
+                <a:spcPts val="0"/>
+              </a:spcAft>
+            </a:pPr>
+            <a:r>
+              <a:rPr sz="4800" b="0">
+                <a:latin typeface="FZZhunYuan-M02S"/>
+              </a:rPr>
+              <a:t>我将祢的话语</a:t>
+            </a:r>
+          </a:p>
+        </p:txBody>
+      </p:sp>
+      <p:sp>
+        <p:nvSpPr>
+          <p:cNvPr id="3" name="TextBox 2"/>
+          <p:cNvSpPr txBox="1"/>
+          <p:nvPr/>
+        </p:nvSpPr>
+        <p:spPr>
+          <a:xfrm>
+            <a:off x="334800" y="6199200"/>
+            <a:ext cx="8661600" cy="522000"/>
+          </a:xfrm>
+          <a:prstGeom prst="rect">
+            <a:avLst/>
+          </a:prstGeom>
+          <a:noFill/>
+        </p:spPr>
+        <p:txBody>
+          <a:bodyPr wrap="square" anchor="ctr">
+            <a:spAutoFit/>
+          </a:bodyPr>
+          <a:lstStyle/>
+          <a:p>
+            <a:pPr algn="r">
+              <a:lnSpc>
+                <a:spcPts val="3600"/>
+              </a:lnSpc>
+              <a:spcBef>
+                <a:spcPts val="0"/>
+              </a:spcBef>
+              <a:spcAft>
+                <a:spcPts val="0"/>
+              </a:spcAft>
+            </a:pPr>
+            <a:r>
+              <a:rPr sz="2400" b="0">
+                <a:latin typeface="FZKai-Z03S"/>
+              </a:rPr>
+              <a:t>你的话5/7</a:t>
+            </a:r>
+          </a:p>
+        </p:txBody>
+      </p:sp>
     </p:spTree>
   </p:cSld>
   <p:clrMapOvr>
@@ -4221,30 +5003,166 @@
         <p:nvPr/>
       </p:nvGrpSpPr>
       <p:grpSpPr/>
-      <p:pic>
-        <p:nvPicPr>
-          <p:cNvPr id="2" name="Picture 1" descr="report_3.jpg"/>
-          <p:cNvPicPr>
-            <a:picLocks noChangeAspect="1"/>
-          </p:cNvPicPr>
-          <p:nvPr/>
-        </p:nvPicPr>
-        <p:blipFill>
-          <a:blip r:embed="rId2"/>
-          <a:stretch>
-            <a:fillRect/>
-          </a:stretch>
-        </p:blipFill>
-        <p:spPr>
-          <a:xfrm>
-            <a:off x="0" y="0"/>
-            <a:ext cx="9144000" cy="6858000"/>
-          </a:xfrm>
-          <a:prstGeom prst="rect">
-            <a:avLst/>
-          </a:prstGeom>
-        </p:spPr>
-      </p:pic>
+      <p:sp>
+        <p:nvSpPr>
+          <p:cNvPr id="2" name="TextBox 1"/>
+          <p:cNvSpPr txBox="1"/>
+          <p:nvPr/>
+        </p:nvSpPr>
+        <p:spPr>
+          <a:xfrm>
+            <a:off x="370800" y="406799"/>
+            <a:ext cx="8593200" cy="5616000"/>
+          </a:xfrm>
+          <a:prstGeom prst="rect">
+            <a:avLst/>
+          </a:prstGeom>
+          <a:noFill/>
+        </p:spPr>
+        <p:txBody>
+          <a:bodyPr wrap="square" anchor="ctr">
+            <a:spAutoFit/>
+          </a:bodyPr>
+          <a:lstStyle/>
+          <a:p>
+            <a:pPr algn="ctr">
+              <a:lnSpc>
+                <a:spcPts val="7000"/>
+              </a:lnSpc>
+              <a:spcBef>
+                <a:spcPts val="0"/>
+              </a:spcBef>
+              <a:spcAft>
+                <a:spcPts val="0"/>
+              </a:spcAft>
+            </a:pPr>
+            <a:r>
+              <a:rPr sz="4800" b="0">
+                <a:latin typeface="FZZhunYuan-M02S"/>
+              </a:rPr>
+              <a:t>深藏在我心</a:t>
+            </a:r>
+          </a:p>
+          <a:p>
+            <a:pPr algn="ctr">
+              <a:lnSpc>
+                <a:spcPts val="7000"/>
+              </a:lnSpc>
+              <a:spcBef>
+                <a:spcPts val="0"/>
+              </a:spcBef>
+              <a:spcAft>
+                <a:spcPts val="0"/>
+              </a:spcAft>
+            </a:pPr>
+            <a:r>
+              <a:rPr sz="4800" b="0">
+                <a:latin typeface="FZZhunYuan-M02S"/>
+              </a:rPr>
+              <a:t>免得我得罪祢</a:t>
+            </a:r>
+          </a:p>
+          <a:p>
+            <a:pPr algn="ctr">
+              <a:lnSpc>
+                <a:spcPts val="7000"/>
+              </a:lnSpc>
+              <a:spcBef>
+                <a:spcPts val="0"/>
+              </a:spcBef>
+              <a:spcAft>
+                <a:spcPts val="0"/>
+              </a:spcAft>
+            </a:pPr>
+            <a:r>
+              <a:rPr sz="4800" b="0">
+                <a:latin typeface="FZZhunYuan-M02S"/>
+              </a:rPr>
+              <a:t>免得我远离</a:t>
+            </a:r>
+          </a:p>
+          <a:p>
+            <a:pPr algn="ctr">
+              <a:lnSpc>
+                <a:spcPts val="7000"/>
+              </a:lnSpc>
+              <a:spcBef>
+                <a:spcPts val="0"/>
+              </a:spcBef>
+              <a:spcAft>
+                <a:spcPts val="0"/>
+              </a:spcAft>
+            </a:pPr>
+            <a:r>
+              <a:rPr sz="4800" b="0">
+                <a:latin typeface="FZZhunYuan-M02S"/>
+              </a:rPr>
+              <a:t>哦 主啊 与我亲近</a:t>
+            </a:r>
+          </a:p>
+          <a:p>
+            <a:pPr algn="ctr">
+              <a:lnSpc>
+                <a:spcPts val="7000"/>
+              </a:lnSpc>
+              <a:spcBef>
+                <a:spcPts val="0"/>
+              </a:spcBef>
+              <a:spcAft>
+                <a:spcPts val="0"/>
+              </a:spcAft>
+            </a:pPr>
+            <a:r>
+              <a:rPr sz="4800" b="0">
+                <a:latin typeface="FZZhunYuan-M02S"/>
+              </a:rPr>
+              <a:t>我爱祢声音</a:t>
+            </a:r>
+          </a:p>
+        </p:txBody>
+      </p:sp>
+      <p:sp>
+        <p:nvSpPr>
+          <p:cNvPr id="3" name="TextBox 2"/>
+          <p:cNvSpPr txBox="1"/>
+          <p:nvPr/>
+        </p:nvSpPr>
+        <p:spPr>
+          <a:xfrm>
+            <a:off x="334800" y="6199200"/>
+            <a:ext cx="8661600" cy="522000"/>
+          </a:xfrm>
+          <a:prstGeom prst="rect">
+            <a:avLst/>
+          </a:prstGeom>
+          <a:noFill/>
+        </p:spPr>
+        <p:txBody>
+          <a:bodyPr wrap="square" anchor="ctr">
+            <a:spAutoFit/>
+          </a:bodyPr>
+          <a:lstStyle/>
+          <a:p>
+            <a:pPr algn="r">
+              <a:lnSpc>
+                <a:spcPts val="3600"/>
+              </a:lnSpc>
+              <a:spcBef>
+                <a:spcPts val="0"/>
+              </a:spcBef>
+              <a:spcAft>
+                <a:spcPts val="0"/>
+              </a:spcAft>
+            </a:pPr>
+            <a:r>
+              <a:rPr sz="2400" b="0">
+                <a:latin typeface="FZKai-Z03S"/>
+              </a:rPr>
+              <a:t>你的话6/7</a:t>
+            </a:r>
+          </a:p>
+        </p:txBody>
+      </p:sp>
     </p:spTree>
   </p:cSld>
   <p:clrMapOvr>
@@ -4271,36 +5189,55 @@
         </p:nvSpPr>
         <p:spPr>
           <a:xfrm>
-            <a:off x="518400" y="518400"/>
-            <a:ext cx="8247600" cy="5659200"/>
-          </a:xfrm>
-          <a:prstGeom prst="rect">
-            <a:avLst/>
-          </a:prstGeom>
-          <a:noFill/>
-        </p:spPr>
-        <p:txBody>
-          <a:bodyPr wrap="square">
-            <a:spAutoFit/>
-          </a:bodyPr>
-          <a:lstStyle/>
-          <a:p>
-            <a:pPr algn="l">
-              <a:lnSpc>
-                <a:spcPts val="5200"/>
-              </a:lnSpc>
-              <a:spcBef>
-                <a:spcPts val="0"/>
-              </a:spcBef>
-              <a:spcAft>
-                <a:spcPts val="0"/>
-              </a:spcAft>
-            </a:pPr>
-            <a:r>
-              <a:rPr sz="4400" b="1">
-                <a:latin typeface="方正楷体简体"/>
-              </a:rPr>
-              <a:t>7 月 30日 （日）成人主日学的主题是《利未记研读》，主领刘芸竺姊妹。</a:t>
+            <a:off x="370800" y="406799"/>
+            <a:ext cx="8593200" cy="5616000"/>
+          </a:xfrm>
+          <a:prstGeom prst="rect">
+            <a:avLst/>
+          </a:prstGeom>
+          <a:noFill/>
+        </p:spPr>
+        <p:txBody>
+          <a:bodyPr wrap="square" anchor="ctr">
+            <a:spAutoFit/>
+          </a:bodyPr>
+          <a:lstStyle/>
+          <a:p>
+            <a:pPr algn="ctr">
+              <a:lnSpc>
+                <a:spcPts val="7000"/>
+              </a:lnSpc>
+              <a:spcBef>
+                <a:spcPts val="0"/>
+              </a:spcBef>
+              <a:spcAft>
+                <a:spcPts val="0"/>
+              </a:spcAft>
+            </a:pPr>
+            <a:r>
+              <a:rPr sz="4800" b="0">
+                <a:latin typeface="FZZhunYuan-M02S"/>
+              </a:rPr>
+              <a:t>作我脚前的灯</a:t>
+            </a:r>
+          </a:p>
+          <a:p>
+            <a:pPr algn="ctr">
+              <a:lnSpc>
+                <a:spcPts val="7000"/>
+              </a:lnSpc>
+              <a:spcBef>
+                <a:spcPts val="0"/>
+              </a:spcBef>
+              <a:spcAft>
+                <a:spcPts val="0"/>
+              </a:spcAft>
+            </a:pPr>
+            <a:r>
+              <a:rPr sz="4800" b="0">
+                <a:latin typeface="FZZhunYuan-M02S"/>
+              </a:rPr>
+              <a:t>作我路上的光</a:t>
             </a:r>
           </a:p>
         </p:txBody>
@@ -4313,36 +5250,36 @@
         </p:nvSpPr>
         <p:spPr>
           <a:xfrm>
-            <a:off x="503999" y="6300000"/>
-            <a:ext cx="8247600" cy="396000"/>
-          </a:xfrm>
-          <a:prstGeom prst="rect">
-            <a:avLst/>
-          </a:prstGeom>
-          <a:noFill/>
-        </p:spPr>
-        <p:txBody>
-          <a:bodyPr wrap="square">
+            <a:off x="334800" y="6199200"/>
+            <a:ext cx="8661600" cy="522000"/>
+          </a:xfrm>
+          <a:prstGeom prst="rect">
+            <a:avLst/>
+          </a:prstGeom>
+          <a:noFill/>
+        </p:spPr>
+        <p:txBody>
+          <a:bodyPr wrap="square" anchor="ctr">
             <a:spAutoFit/>
           </a:bodyPr>
           <a:lstStyle/>
           <a:p>
             <a:pPr algn="r">
               <a:lnSpc>
-                <a:spcPts val="2800"/>
-              </a:lnSpc>
-              <a:spcBef>
-                <a:spcPts val="0"/>
-              </a:spcBef>
-              <a:spcAft>
-                <a:spcPts val="0"/>
-              </a:spcAft>
-            </a:pPr>
-            <a:r>
-              <a:rPr sz="2400" b="1">
-                <a:latin typeface="方正楷体简体"/>
-              </a:rPr>
-              <a:t>活动报告</a:t>
+                <a:spcPts val="3600"/>
+              </a:lnSpc>
+              <a:spcBef>
+                <a:spcPts val="0"/>
+              </a:spcBef>
+              <a:spcAft>
+                <a:spcPts val="0"/>
+              </a:spcAft>
+            </a:pPr>
+            <a:r>
+              <a:rPr sz="2400" b="0">
+                <a:latin typeface="FZKai-Z03S"/>
+              </a:rPr>
+              <a:t>你的话7/7</a:t>
             </a:r>
           </a:p>
         </p:txBody>
@@ -4365,109 +5302,6 @@
         <p:nvPr/>
       </p:nvGrpSpPr>
       <p:grpSpPr/>
-      <p:sp>
-        <p:nvSpPr>
-          <p:cNvPr id="2" name="TextBox 1"/>
-          <p:cNvSpPr txBox="1"/>
-          <p:nvPr/>
-        </p:nvSpPr>
-        <p:spPr>
-          <a:xfrm>
-            <a:off x="518400" y="518400"/>
-            <a:ext cx="8247600" cy="5659200"/>
-          </a:xfrm>
-          <a:prstGeom prst="rect">
-            <a:avLst/>
-          </a:prstGeom>
-          <a:noFill/>
-        </p:spPr>
-        <p:txBody>
-          <a:bodyPr wrap="square">
-            <a:spAutoFit/>
-          </a:bodyPr>
-          <a:lstStyle/>
-          <a:p>
-            <a:pPr algn="l">
-              <a:lnSpc>
-                <a:spcPts val="5200"/>
-              </a:lnSpc>
-              <a:spcBef>
-                <a:spcPts val="0"/>
-              </a:spcBef>
-              <a:spcAft>
-                <a:spcPts val="0"/>
-              </a:spcAft>
-            </a:pPr>
-            <a:r>
-              <a:rPr sz="4400" b="1">
-                <a:latin typeface="方正楷体简体"/>
-              </a:rPr>
-              <a:t>7 月份青年团契活动安排如下：</a:t>
-            </a:r>
-          </a:p>
-          <a:p>
-            <a:pPr algn="l">
-              <a:lnSpc>
-                <a:spcPts val="5200"/>
-              </a:lnSpc>
-              <a:spcBef>
-                <a:spcPts val="0"/>
-              </a:spcBef>
-              <a:spcAft>
-                <a:spcPts val="0"/>
-              </a:spcAft>
-            </a:pPr>
-            <a:r>
-              <a:rPr sz="4400" b="1">
-                <a:latin typeface="方正楷体简体"/>
-              </a:rPr>
-              <a:t>7 月 29 日（六） alpha course 怎样被圣灵充满 ？</a:t>
-            </a:r>
-          </a:p>
-        </p:txBody>
-      </p:sp>
-      <p:sp>
-        <p:nvSpPr>
-          <p:cNvPr id="3" name="TextBox 2"/>
-          <p:cNvSpPr txBox="1"/>
-          <p:nvPr/>
-        </p:nvSpPr>
-        <p:spPr>
-          <a:xfrm>
-            <a:off x="503999" y="6300000"/>
-            <a:ext cx="8247600" cy="396000"/>
-          </a:xfrm>
-          <a:prstGeom prst="rect">
-            <a:avLst/>
-          </a:prstGeom>
-          <a:noFill/>
-        </p:spPr>
-        <p:txBody>
-          <a:bodyPr wrap="square">
-            <a:spAutoFit/>
-          </a:bodyPr>
-          <a:lstStyle/>
-          <a:p>
-            <a:pPr algn="r">
-              <a:lnSpc>
-                <a:spcPts val="2800"/>
-              </a:lnSpc>
-              <a:spcBef>
-                <a:spcPts val="0"/>
-              </a:spcBef>
-              <a:spcAft>
-                <a:spcPts val="0"/>
-              </a:spcAft>
-            </a:pPr>
-            <a:r>
-              <a:rPr sz="2400" b="1">
-                <a:latin typeface="方正楷体简体"/>
-              </a:rPr>
-              <a:t>活动报告</a:t>
-            </a:r>
-          </a:p>
-        </p:txBody>
-      </p:sp>
     </p:spTree>
   </p:cSld>
   <p:clrMapOvr>
@@ -4486,90 +5320,30 @@
         <p:nvPr/>
       </p:nvGrpSpPr>
       <p:grpSpPr/>
-      <p:sp>
-        <p:nvSpPr>
-          <p:cNvPr id="2" name="TextBox 1"/>
-          <p:cNvSpPr txBox="1"/>
-          <p:nvPr/>
-        </p:nvSpPr>
-        <p:spPr>
-          <a:xfrm>
-            <a:off x="518400" y="518400"/>
-            <a:ext cx="8247600" cy="5659200"/>
-          </a:xfrm>
-          <a:prstGeom prst="rect">
-            <a:avLst/>
-          </a:prstGeom>
-          <a:noFill/>
-        </p:spPr>
-        <p:txBody>
-          <a:bodyPr wrap="square">
-            <a:spAutoFit/>
-          </a:bodyPr>
-          <a:lstStyle/>
-          <a:p>
-            <a:pPr algn="l">
-              <a:lnSpc>
-                <a:spcPts val="5200"/>
-              </a:lnSpc>
-              <a:spcBef>
-                <a:spcPts val="0"/>
-              </a:spcBef>
-              <a:spcAft>
-                <a:spcPts val="0"/>
-              </a:spcAft>
-            </a:pPr>
-            <a:r>
-              <a:rPr sz="4400" b="1">
-                <a:latin typeface="方正楷体简体"/>
-              </a:rPr>
-              <a:t>7 月 30 日 (日）有每月的祷告会，同心彼此代祷，为教会守望，请大家预留时间参加。</a:t>
-            </a:r>
-          </a:p>
-        </p:txBody>
-      </p:sp>
-      <p:sp>
-        <p:nvSpPr>
-          <p:cNvPr id="3" name="TextBox 2"/>
-          <p:cNvSpPr txBox="1"/>
-          <p:nvPr/>
-        </p:nvSpPr>
-        <p:spPr>
-          <a:xfrm>
-            <a:off x="503999" y="6300000"/>
-            <a:ext cx="8247600" cy="396000"/>
-          </a:xfrm>
-          <a:prstGeom prst="rect">
-            <a:avLst/>
-          </a:prstGeom>
-          <a:noFill/>
-        </p:spPr>
-        <p:txBody>
-          <a:bodyPr wrap="square">
-            <a:spAutoFit/>
-          </a:bodyPr>
-          <a:lstStyle/>
-          <a:p>
-            <a:pPr algn="r">
-              <a:lnSpc>
-                <a:spcPts val="2800"/>
-              </a:lnSpc>
-              <a:spcBef>
-                <a:spcPts val="0"/>
-              </a:spcBef>
-              <a:spcAft>
-                <a:spcPts val="0"/>
-              </a:spcAft>
-            </a:pPr>
-            <a:r>
-              <a:rPr sz="2400" b="1">
-                <a:latin typeface="方正楷体简体"/>
-              </a:rPr>
-              <a:t>活动报告</a:t>
-            </a:r>
-          </a:p>
-        </p:txBody>
-      </p:sp>
+      <p:pic>
+        <p:nvPicPr>
+          <p:cNvPr id="2" name="Picture 1" descr="offering_1.jpg"/>
+          <p:cNvPicPr>
+            <a:picLocks noChangeAspect="1"/>
+          </p:cNvPicPr>
+          <p:nvPr/>
+        </p:nvPicPr>
+        <p:blipFill>
+          <a:blip r:embed="rId2"/>
+          <a:stretch>
+            <a:fillRect/>
+          </a:stretch>
+        </p:blipFill>
+        <p:spPr>
+          <a:xfrm>
+            <a:off x="0" y="0"/>
+            <a:ext cx="9144000" cy="6858000"/>
+          </a:xfrm>
+          <a:prstGeom prst="rect">
+            <a:avLst/>
+          </a:prstGeom>
+        </p:spPr>
+      </p:pic>
     </p:spTree>
   </p:cSld>
   <p:clrMapOvr>
@@ -4588,90 +5362,30 @@
         <p:nvPr/>
       </p:nvGrpSpPr>
       <p:grpSpPr/>
-      <p:sp>
-        <p:nvSpPr>
-          <p:cNvPr id="2" name="TextBox 1"/>
-          <p:cNvSpPr txBox="1"/>
-          <p:nvPr/>
-        </p:nvSpPr>
-        <p:spPr>
-          <a:xfrm>
-            <a:off x="518400" y="518400"/>
-            <a:ext cx="8247600" cy="5659200"/>
-          </a:xfrm>
-          <a:prstGeom prst="rect">
-            <a:avLst/>
-          </a:prstGeom>
-          <a:noFill/>
-        </p:spPr>
-        <p:txBody>
-          <a:bodyPr wrap="square">
-            <a:spAutoFit/>
-          </a:bodyPr>
-          <a:lstStyle/>
-          <a:p>
-            <a:pPr algn="l">
-              <a:lnSpc>
-                <a:spcPts val="5200"/>
-              </a:lnSpc>
-              <a:spcBef>
-                <a:spcPts val="0"/>
-              </a:spcBef>
-              <a:spcAft>
-                <a:spcPts val="0"/>
-              </a:spcAft>
-            </a:pPr>
-            <a:r>
-              <a:rPr sz="4400" b="1">
-                <a:latin typeface="方正楷体简体"/>
-              </a:rPr>
-              <a:t>教会 2023 年「教会堂址维护基金步行筹款」活动定于 8 月 19 日（六）举行。具体信息将于近期公布。请弟兄姊妹预留时间参加，参与表格请向马内利弟兄领取。</a:t>
-            </a:r>
-          </a:p>
-        </p:txBody>
-      </p:sp>
-      <p:sp>
-        <p:nvSpPr>
-          <p:cNvPr id="3" name="TextBox 2"/>
-          <p:cNvSpPr txBox="1"/>
-          <p:nvPr/>
-        </p:nvSpPr>
-        <p:spPr>
-          <a:xfrm>
-            <a:off x="503999" y="6300000"/>
-            <a:ext cx="8247600" cy="396000"/>
-          </a:xfrm>
-          <a:prstGeom prst="rect">
-            <a:avLst/>
-          </a:prstGeom>
-          <a:noFill/>
-        </p:spPr>
-        <p:txBody>
-          <a:bodyPr wrap="square">
-            <a:spAutoFit/>
-          </a:bodyPr>
-          <a:lstStyle/>
-          <a:p>
-            <a:pPr algn="r">
-              <a:lnSpc>
-                <a:spcPts val="2800"/>
-              </a:lnSpc>
-              <a:spcBef>
-                <a:spcPts val="0"/>
-              </a:spcBef>
-              <a:spcAft>
-                <a:spcPts val="0"/>
-              </a:spcAft>
-            </a:pPr>
-            <a:r>
-              <a:rPr sz="2400" b="1">
-                <a:latin typeface="方正楷体简体"/>
-              </a:rPr>
-              <a:t>活动报告</a:t>
-            </a:r>
-          </a:p>
-        </p:txBody>
-      </p:sp>
+      <p:pic>
+        <p:nvPicPr>
+          <p:cNvPr id="2" name="Picture 1" descr="offering_2.jpg"/>
+          <p:cNvPicPr>
+            <a:picLocks noChangeAspect="1"/>
+          </p:cNvPicPr>
+          <p:nvPr/>
+        </p:nvPicPr>
+        <p:blipFill>
+          <a:blip r:embed="rId2"/>
+          <a:stretch>
+            <a:fillRect/>
+          </a:stretch>
+        </p:blipFill>
+        <p:spPr>
+          <a:xfrm>
+            <a:off x="0" y="0"/>
+            <a:ext cx="9144000" cy="6858000"/>
+          </a:xfrm>
+          <a:prstGeom prst="rect">
+            <a:avLst/>
+          </a:prstGeom>
+        </p:spPr>
+      </p:pic>
     </p:spTree>
   </p:cSld>
   <p:clrMapOvr>
@@ -4690,90 +5404,30 @@
         <p:nvPr/>
       </p:nvGrpSpPr>
       <p:grpSpPr/>
-      <p:sp>
-        <p:nvSpPr>
-          <p:cNvPr id="2" name="TextBox 1"/>
-          <p:cNvSpPr txBox="1"/>
-          <p:nvPr/>
-        </p:nvSpPr>
-        <p:spPr>
-          <a:xfrm>
-            <a:off x="518400" y="518400"/>
-            <a:ext cx="8247600" cy="5659200"/>
-          </a:xfrm>
-          <a:prstGeom prst="rect">
-            <a:avLst/>
-          </a:prstGeom>
-          <a:noFill/>
-        </p:spPr>
-        <p:txBody>
-          <a:bodyPr wrap="square">
-            <a:spAutoFit/>
-          </a:bodyPr>
-          <a:lstStyle/>
-          <a:p>
-            <a:pPr algn="l">
-              <a:lnSpc>
-                <a:spcPts val="5200"/>
-              </a:lnSpc>
-              <a:spcBef>
-                <a:spcPts val="0"/>
-              </a:spcBef>
-              <a:spcAft>
-                <a:spcPts val="0"/>
-              </a:spcAft>
-            </a:pPr>
-            <a:r>
-              <a:rPr sz="4400" b="1">
-                <a:latin typeface="方正楷体简体"/>
-              </a:rPr>
-              <a:t>教会主日学教室在主日学结束后会关闭。请家长及时接回孩子。出于安全及管理方面的考量，非主日学的时间，请勿让孩子在无人看管的情况下，在主日学教室嬉戏玩耍。</a:t>
-            </a:r>
-          </a:p>
-        </p:txBody>
-      </p:sp>
-      <p:sp>
-        <p:nvSpPr>
-          <p:cNvPr id="3" name="TextBox 2"/>
-          <p:cNvSpPr txBox="1"/>
-          <p:nvPr/>
-        </p:nvSpPr>
-        <p:spPr>
-          <a:xfrm>
-            <a:off x="503999" y="6300000"/>
-            <a:ext cx="8247600" cy="396000"/>
-          </a:xfrm>
-          <a:prstGeom prst="rect">
-            <a:avLst/>
-          </a:prstGeom>
-          <a:noFill/>
-        </p:spPr>
-        <p:txBody>
-          <a:bodyPr wrap="square">
-            <a:spAutoFit/>
-          </a:bodyPr>
-          <a:lstStyle/>
-          <a:p>
-            <a:pPr algn="r">
-              <a:lnSpc>
-                <a:spcPts val="2800"/>
-              </a:lnSpc>
-              <a:spcBef>
-                <a:spcPts val="0"/>
-              </a:spcBef>
-              <a:spcAft>
-                <a:spcPts val="0"/>
-              </a:spcAft>
-            </a:pPr>
-            <a:r>
-              <a:rPr sz="2400" b="1">
-                <a:latin typeface="方正楷体简体"/>
-              </a:rPr>
-              <a:t>活动报告</a:t>
-            </a:r>
-          </a:p>
-        </p:txBody>
-      </p:sp>
+      <p:pic>
+        <p:nvPicPr>
+          <p:cNvPr id="2" name="Picture 1" descr="offering_3.jpg"/>
+          <p:cNvPicPr>
+            <a:picLocks noChangeAspect="1"/>
+          </p:cNvPicPr>
+          <p:nvPr/>
+        </p:nvPicPr>
+        <p:blipFill>
+          <a:blip r:embed="rId2"/>
+          <a:stretch>
+            <a:fillRect/>
+          </a:stretch>
+        </p:blipFill>
+        <p:spPr>
+          <a:xfrm>
+            <a:off x="0" y="0"/>
+            <a:ext cx="9144000" cy="6858000"/>
+          </a:xfrm>
+          <a:prstGeom prst="rect">
+            <a:avLst/>
+          </a:prstGeom>
+        </p:spPr>
+      </p:pic>
     </p:spTree>
   </p:cSld>
   <p:clrMapOvr>
@@ -4792,90 +5446,6 @@
         <p:nvPr/>
       </p:nvGrpSpPr>
       <p:grpSpPr/>
-      <p:sp>
-        <p:nvSpPr>
-          <p:cNvPr id="2" name="TextBox 1"/>
-          <p:cNvSpPr txBox="1"/>
-          <p:nvPr/>
-        </p:nvSpPr>
-        <p:spPr>
-          <a:xfrm>
-            <a:off x="518400" y="518400"/>
-            <a:ext cx="8247600" cy="5659200"/>
-          </a:xfrm>
-          <a:prstGeom prst="rect">
-            <a:avLst/>
-          </a:prstGeom>
-          <a:noFill/>
-        </p:spPr>
-        <p:txBody>
-          <a:bodyPr wrap="square">
-            <a:spAutoFit/>
-          </a:bodyPr>
-          <a:lstStyle/>
-          <a:p>
-            <a:pPr algn="l">
-              <a:lnSpc>
-                <a:spcPts val="5200"/>
-              </a:lnSpc>
-              <a:spcBef>
-                <a:spcPts val="0"/>
-              </a:spcBef>
-              <a:spcAft>
-                <a:spcPts val="0"/>
-              </a:spcAft>
-            </a:pPr>
-            <a:r>
-              <a:rPr sz="4400" b="1">
-                <a:latin typeface="方正楷体简体"/>
-              </a:rPr>
-              <a:t>2023 年 德国华人基督徒同工训练营将于2023 年 8 月 3-6日在 Jugendherberge Kassel 举行。同工营还有一些空位，欢迎有兴趣的弟兄姊妹们报名参加，报名请联系吴牧师。</a:t>
-            </a:r>
-          </a:p>
-        </p:txBody>
-      </p:sp>
-      <p:sp>
-        <p:nvSpPr>
-          <p:cNvPr id="3" name="TextBox 2"/>
-          <p:cNvSpPr txBox="1"/>
-          <p:nvPr/>
-        </p:nvSpPr>
-        <p:spPr>
-          <a:xfrm>
-            <a:off x="503999" y="6300000"/>
-            <a:ext cx="8247600" cy="396000"/>
-          </a:xfrm>
-          <a:prstGeom prst="rect">
-            <a:avLst/>
-          </a:prstGeom>
-          <a:noFill/>
-        </p:spPr>
-        <p:txBody>
-          <a:bodyPr wrap="square">
-            <a:spAutoFit/>
-          </a:bodyPr>
-          <a:lstStyle/>
-          <a:p>
-            <a:pPr algn="r">
-              <a:lnSpc>
-                <a:spcPts val="2800"/>
-              </a:lnSpc>
-              <a:spcBef>
-                <a:spcPts val="0"/>
-              </a:spcBef>
-              <a:spcAft>
-                <a:spcPts val="0"/>
-              </a:spcAft>
-            </a:pPr>
-            <a:r>
-              <a:rPr sz="2400" b="1">
-                <a:latin typeface="方正楷体简体"/>
-              </a:rPr>
-              <a:t>活动报告</a:t>
-            </a:r>
-          </a:p>
-        </p:txBody>
-      </p:sp>
     </p:spTree>
   </p:cSld>
   <p:clrMapOvr>
@@ -4894,6 +5464,30 @@
         <p:nvPr/>
       </p:nvGrpSpPr>
       <p:grpSpPr/>
+      <p:pic>
+        <p:nvPicPr>
+          <p:cNvPr id="2" name="Picture 1" descr="report_1.jpg"/>
+          <p:cNvPicPr>
+            <a:picLocks noChangeAspect="1"/>
+          </p:cNvPicPr>
+          <p:nvPr/>
+        </p:nvPicPr>
+        <p:blipFill>
+          <a:blip r:embed="rId2"/>
+          <a:stretch>
+            <a:fillRect/>
+          </a:stretch>
+        </p:blipFill>
+        <p:spPr>
+          <a:xfrm>
+            <a:off x="0" y="0"/>
+            <a:ext cx="9144000" cy="6858000"/>
+          </a:xfrm>
+          <a:prstGeom prst="rect">
+            <a:avLst/>
+          </a:prstGeom>
+        </p:spPr>
+      </p:pic>
     </p:spTree>
   </p:cSld>
   <p:clrMapOvr>
@@ -4914,7 +5508,7 @@
       <p:grpSpPr/>
       <p:pic>
         <p:nvPicPr>
-          <p:cNvPr id="2" name="Picture 1" descr="new_friends.jpg"/>
+          <p:cNvPr id="2" name="Picture 1" descr="report_2.jpg"/>
           <p:cNvPicPr>
             <a:picLocks noChangeAspect="1"/>
           </p:cNvPicPr>
@@ -4956,7 +5550,7 @@
       <p:grpSpPr/>
       <p:pic>
         <p:nvPicPr>
-          <p:cNvPr id="2" name="Picture 1" descr="bkg_worker_list.jpg"/>
+          <p:cNvPr id="2" name="Picture 1" descr="report_3.jpg"/>
           <p:cNvPicPr>
             <a:picLocks noChangeAspect="1"/>
           </p:cNvPicPr>
@@ -4978,267 +5572,6 @@
           </a:prstGeom>
         </p:spPr>
       </p:pic>
-      <p:sp>
-        <p:nvSpPr>
-          <p:cNvPr id="3" name="TextBox 2"/>
-          <p:cNvSpPr txBox="1"/>
-          <p:nvPr/>
-        </p:nvSpPr>
-        <p:spPr>
-          <a:xfrm>
-            <a:off x="50400" y="417600"/>
-            <a:ext cx="9025200" cy="6217200"/>
-          </a:xfrm>
-          <a:prstGeom prst="rect">
-            <a:avLst/>
-          </a:prstGeom>
-          <a:noFill/>
-        </p:spPr>
-        <p:txBody>
-          <a:bodyPr wrap="square" anchor="ctr">
-            <a:spAutoFit/>
-          </a:bodyPr>
-          <a:lstStyle/>
-          <a:p>
-            <a:pPr algn="ctr">
-              <a:lnSpc>
-                <a:spcPts val="3700"/>
-              </a:lnSpc>
-              <a:spcBef>
-                <a:spcPts val="768"/>
-              </a:spcBef>
-              <a:spcAft>
-                <a:spcPts val="0"/>
-              </a:spcAft>
-            </a:pPr>
-            <a:r>
-              <a:rPr sz="3200" b="1">
-                <a:latin typeface="FZKai-Z03S"/>
-              </a:rPr>
-              <a:t>主题：约拿在鱼腹中的祷告</a:t>
-            </a:r>
-            <a:r>
-              <a:rPr sz="2400" b="1">
-                <a:latin typeface="FZKai-Z03S"/>
-              </a:rPr>
-              <a:t>拿2</a:t>
-            </a:r>
-          </a:p>
-          <a:p>
-            <a:pPr algn="ctr">
-              <a:lnSpc>
-                <a:spcPts val="3700"/>
-              </a:lnSpc>
-              <a:spcBef>
-                <a:spcPts val="768"/>
-              </a:spcBef>
-              <a:spcAft>
-                <a:spcPts val="0"/>
-              </a:spcAft>
-            </a:pPr>
-            <a:r>
-              <a:rPr sz="3200" b="1">
-                <a:latin typeface="FZKai-Z03S"/>
-              </a:rPr>
-              <a:t>证道：吴振忠牧师</a:t>
-            </a:r>
-          </a:p>
-          <a:p>
-            <a:pPr algn="ctr">
-              <a:lnSpc>
-                <a:spcPts val="3700"/>
-              </a:lnSpc>
-              <a:spcBef>
-                <a:spcPts val="768"/>
-              </a:spcBef>
-              <a:spcAft>
-                <a:spcPts val="0"/>
-              </a:spcAft>
-            </a:pPr>
-            <a:r>
-              <a:rPr sz="3200" b="1">
-                <a:latin typeface="FZKai-Z03S"/>
-              </a:rPr>
-              <a:t>司会：刘芸竺姊妹</a:t>
-            </a:r>
-          </a:p>
-          <a:p>
-            <a:pPr algn="ctr">
-              <a:lnSpc>
-                <a:spcPts val="3700"/>
-              </a:lnSpc>
-              <a:spcBef>
-                <a:spcPts val="768"/>
-              </a:spcBef>
-              <a:spcAft>
-                <a:spcPts val="0"/>
-              </a:spcAft>
-            </a:pPr>
-            <a:r>
-              <a:rPr sz="3200" b="1">
-                <a:latin typeface="FZKai-Z03S"/>
-              </a:rPr>
-              <a:t>司琴：李　帆弟兄</a:t>
-            </a:r>
-          </a:p>
-          <a:p>
-            <a:pPr algn="ctr">
-              <a:lnSpc>
-                <a:spcPts val="3700"/>
-              </a:lnSpc>
-              <a:spcBef>
-                <a:spcPts val="768"/>
-              </a:spcBef>
-              <a:spcAft>
-                <a:spcPts val="0"/>
-              </a:spcAft>
-            </a:pPr>
-            <a:r>
-              <a:rPr sz="3200" b="1">
-                <a:latin typeface="FZKai-Z03S"/>
-              </a:rPr>
-              <a:t>领唱：莊雅玲姊妹、王　进弟兄</a:t>
-            </a:r>
-          </a:p>
-          <a:p>
-            <a:pPr algn="ctr">
-              <a:lnSpc>
-                <a:spcPts val="3700"/>
-              </a:lnSpc>
-              <a:spcBef>
-                <a:spcPts val="768"/>
-              </a:spcBef>
-              <a:spcAft>
-                <a:spcPts val="0"/>
-              </a:spcAft>
-            </a:pPr>
-            <a:r>
-              <a:rPr sz="3200" b="1">
-                <a:latin typeface="FZKai-Z03S"/>
-              </a:rPr>
-              <a:t>主领执事：王泽宇弟兄</a:t>
-            </a:r>
-          </a:p>
-          <a:p>
-            <a:pPr algn="ctr">
-              <a:lnSpc>
-                <a:spcPts val="3700"/>
-              </a:lnSpc>
-              <a:spcBef>
-                <a:spcPts val="768"/>
-              </a:spcBef>
-              <a:spcAft>
-                <a:spcPts val="0"/>
-              </a:spcAft>
-            </a:pPr>
-            <a:r>
-              <a:rPr sz="3200" b="1">
-                <a:latin typeface="FZKai-Z03S"/>
-              </a:rPr>
-              <a:t>少年主日学：马内利弟兄</a:t>
-            </a:r>
-          </a:p>
-          <a:p>
-            <a:pPr algn="ctr">
-              <a:lnSpc>
-                <a:spcPts val="3700"/>
-              </a:lnSpc>
-              <a:spcBef>
-                <a:spcPts val="768"/>
-              </a:spcBef>
-              <a:spcAft>
-                <a:spcPts val="0"/>
-              </a:spcAft>
-            </a:pPr>
-            <a:r>
-              <a:rPr sz="3200" b="1">
-                <a:latin typeface="FZKai-Z03S"/>
-              </a:rPr>
-              <a:t>少儿主日学：刘朗朗弟兄、周向荣姊妹</a:t>
-            </a:r>
-          </a:p>
-          <a:p>
-            <a:pPr algn="ctr">
-              <a:lnSpc>
-                <a:spcPts val="3700"/>
-              </a:lnSpc>
-              <a:spcBef>
-                <a:spcPts val="768"/>
-              </a:spcBef>
-              <a:spcAft>
-                <a:spcPts val="0"/>
-              </a:spcAft>
-            </a:pPr>
-            <a:r>
-              <a:rPr sz="3200" b="1">
-                <a:latin typeface="FZKai-Z03S"/>
-              </a:rPr>
-              <a:t>幼儿主日学：蔡文彦姊妹、苑　辉弟兄</a:t>
-            </a:r>
-          </a:p>
-          <a:p>
-            <a:pPr algn="ctr">
-              <a:lnSpc>
-                <a:spcPts val="3700"/>
-              </a:lnSpc>
-              <a:spcBef>
-                <a:spcPts val="768"/>
-              </a:spcBef>
-              <a:spcAft>
-                <a:spcPts val="0"/>
-              </a:spcAft>
-            </a:pPr>
-            <a:r>
-              <a:rPr sz="3200" b="1">
-                <a:latin typeface="FZKai-Z03S"/>
-              </a:rPr>
-              <a:t>PPT制作播放：邱奕洲弟兄、周　斌弟兄</a:t>
-            </a:r>
-          </a:p>
-        </p:txBody>
-      </p:sp>
-      <p:sp>
-        <p:nvSpPr>
-          <p:cNvPr id="4" name="TextBox 3"/>
-          <p:cNvSpPr txBox="1"/>
-          <p:nvPr/>
-        </p:nvSpPr>
-        <p:spPr>
-          <a:xfrm>
-            <a:off x="118800" y="32400"/>
-            <a:ext cx="8888400" cy="522000"/>
-          </a:xfrm>
-          <a:prstGeom prst="rect">
-            <a:avLst/>
-          </a:prstGeom>
-          <a:noFill/>
-        </p:spPr>
-        <p:txBody>
-          <a:bodyPr wrap="square" anchor="ctr">
-            <a:spAutoFit/>
-          </a:bodyPr>
-          <a:lstStyle/>
-          <a:p>
-            <a:pPr algn="ctr">
-              <a:lnSpc>
-                <a:spcPts val="2800"/>
-              </a:lnSpc>
-              <a:spcBef>
-                <a:spcPts val="25"/>
-              </a:spcBef>
-              <a:spcAft>
-                <a:spcPts val="0"/>
-              </a:spcAft>
-            </a:pPr>
-            <a:r>
-              <a:rPr sz="2400" b="1">
-                <a:latin typeface="FZKai-Z03S"/>
-              </a:rPr>
-              <a:t>2023 年 08 月 23 日主日服事表</a:t>
-            </a:r>
-          </a:p>
-        </p:txBody>
-      </p:sp>
     </p:spTree>
   </p:cSld>
   <p:clrMapOvr>
@@ -5359,6 +5692,90 @@
         <p:nvPr/>
       </p:nvGrpSpPr>
       <p:grpSpPr/>
+      <p:sp>
+        <p:nvSpPr>
+          <p:cNvPr id="2" name="TextBox 1"/>
+          <p:cNvSpPr txBox="1"/>
+          <p:nvPr/>
+        </p:nvSpPr>
+        <p:spPr>
+          <a:xfrm>
+            <a:off x="518400" y="518400"/>
+            <a:ext cx="8247600" cy="5659200"/>
+          </a:xfrm>
+          <a:prstGeom prst="rect">
+            <a:avLst/>
+          </a:prstGeom>
+          <a:noFill/>
+        </p:spPr>
+        <p:txBody>
+          <a:bodyPr wrap="square">
+            <a:spAutoFit/>
+          </a:bodyPr>
+          <a:lstStyle/>
+          <a:p>
+            <a:pPr algn="l">
+              <a:lnSpc>
+                <a:spcPts val="5200"/>
+              </a:lnSpc>
+              <a:spcBef>
+                <a:spcPts val="0"/>
+              </a:spcBef>
+              <a:spcAft>
+                <a:spcPts val="0"/>
+              </a:spcAft>
+            </a:pPr>
+            <a:r>
+              <a:rPr sz="4400" b="1">
+                <a:latin typeface="方正楷体简体"/>
+              </a:rPr>
+              <a:t>7 月 30日 （日）成人主日学的主题是《利未记研读》，主领刘芸竺姊妹。</a:t>
+            </a:r>
+          </a:p>
+        </p:txBody>
+      </p:sp>
+      <p:sp>
+        <p:nvSpPr>
+          <p:cNvPr id="3" name="TextBox 2"/>
+          <p:cNvSpPr txBox="1"/>
+          <p:nvPr/>
+        </p:nvSpPr>
+        <p:spPr>
+          <a:xfrm>
+            <a:off x="503999" y="6300000"/>
+            <a:ext cx="8247600" cy="396000"/>
+          </a:xfrm>
+          <a:prstGeom prst="rect">
+            <a:avLst/>
+          </a:prstGeom>
+          <a:noFill/>
+        </p:spPr>
+        <p:txBody>
+          <a:bodyPr wrap="square">
+            <a:spAutoFit/>
+          </a:bodyPr>
+          <a:lstStyle/>
+          <a:p>
+            <a:pPr algn="r">
+              <a:lnSpc>
+                <a:spcPts val="2800"/>
+              </a:lnSpc>
+              <a:spcBef>
+                <a:spcPts val="0"/>
+              </a:spcBef>
+              <a:spcAft>
+                <a:spcPts val="0"/>
+              </a:spcAft>
+            </a:pPr>
+            <a:r>
+              <a:rPr sz="2400" b="1">
+                <a:latin typeface="方正楷体简体"/>
+              </a:rPr>
+              <a:t>活动报告</a:t>
+            </a:r>
+          </a:p>
+        </p:txBody>
+      </p:sp>
     </p:spTree>
   </p:cSld>
   <p:clrMapOvr>
@@ -5377,30 +5794,109 @@
         <p:nvPr/>
       </p:nvGrpSpPr>
       <p:grpSpPr/>
-      <p:pic>
-        <p:nvPicPr>
-          <p:cNvPr id="2" name="Picture 1" descr="end_1.jpg"/>
-          <p:cNvPicPr>
-            <a:picLocks noChangeAspect="1"/>
-          </p:cNvPicPr>
-          <p:nvPr/>
-        </p:nvPicPr>
-        <p:blipFill>
-          <a:blip r:embed="rId2"/>
-          <a:stretch>
-            <a:fillRect/>
-          </a:stretch>
-        </p:blipFill>
-        <p:spPr>
-          <a:xfrm>
-            <a:off x="0" y="0"/>
-            <a:ext cx="9144000" cy="6858000"/>
-          </a:xfrm>
-          <a:prstGeom prst="rect">
-            <a:avLst/>
-          </a:prstGeom>
-        </p:spPr>
-      </p:pic>
+      <p:sp>
+        <p:nvSpPr>
+          <p:cNvPr id="2" name="TextBox 1"/>
+          <p:cNvSpPr txBox="1"/>
+          <p:nvPr/>
+        </p:nvSpPr>
+        <p:spPr>
+          <a:xfrm>
+            <a:off x="518400" y="518400"/>
+            <a:ext cx="8247600" cy="5659200"/>
+          </a:xfrm>
+          <a:prstGeom prst="rect">
+            <a:avLst/>
+          </a:prstGeom>
+          <a:noFill/>
+        </p:spPr>
+        <p:txBody>
+          <a:bodyPr wrap="square">
+            <a:spAutoFit/>
+          </a:bodyPr>
+          <a:lstStyle/>
+          <a:p>
+            <a:pPr algn="l">
+              <a:lnSpc>
+                <a:spcPts val="5200"/>
+              </a:lnSpc>
+              <a:spcBef>
+                <a:spcPts val="0"/>
+              </a:spcBef>
+              <a:spcAft>
+                <a:spcPts val="0"/>
+              </a:spcAft>
+            </a:pPr>
+            <a:r>
+              <a:rPr sz="4400" b="1">
+                <a:latin typeface="方正楷体简体"/>
+              </a:rPr>
+              <a:t>7 月份青年团契活动安排如下：</a:t>
+            </a:r>
+          </a:p>
+          <a:p>
+            <a:pPr algn="l">
+              <a:lnSpc>
+                <a:spcPts val="5200"/>
+              </a:lnSpc>
+              <a:spcBef>
+                <a:spcPts val="0"/>
+              </a:spcBef>
+              <a:spcAft>
+                <a:spcPts val="0"/>
+              </a:spcAft>
+            </a:pPr>
+            <a:r>
+              <a:rPr sz="4400" b="1">
+                <a:latin typeface="方正楷体简体"/>
+              </a:rPr>
+              <a:t>7 月 29 日（六） alpha course 怎样被圣灵充满 ？</a:t>
+            </a:r>
+          </a:p>
+        </p:txBody>
+      </p:sp>
+      <p:sp>
+        <p:nvSpPr>
+          <p:cNvPr id="3" name="TextBox 2"/>
+          <p:cNvSpPr txBox="1"/>
+          <p:nvPr/>
+        </p:nvSpPr>
+        <p:spPr>
+          <a:xfrm>
+            <a:off x="503999" y="6300000"/>
+            <a:ext cx="8247600" cy="396000"/>
+          </a:xfrm>
+          <a:prstGeom prst="rect">
+            <a:avLst/>
+          </a:prstGeom>
+          <a:noFill/>
+        </p:spPr>
+        <p:txBody>
+          <a:bodyPr wrap="square">
+            <a:spAutoFit/>
+          </a:bodyPr>
+          <a:lstStyle/>
+          <a:p>
+            <a:pPr algn="r">
+              <a:lnSpc>
+                <a:spcPts val="2800"/>
+              </a:lnSpc>
+              <a:spcBef>
+                <a:spcPts val="0"/>
+              </a:spcBef>
+              <a:spcAft>
+                <a:spcPts val="0"/>
+              </a:spcAft>
+            </a:pPr>
+            <a:r>
+              <a:rPr sz="2400" b="1">
+                <a:latin typeface="方正楷体简体"/>
+              </a:rPr>
+              <a:t>活动报告</a:t>
+            </a:r>
+          </a:p>
+        </p:txBody>
+      </p:sp>
     </p:spTree>
   </p:cSld>
   <p:clrMapOvr>
@@ -5419,30 +5915,90 @@
         <p:nvPr/>
       </p:nvGrpSpPr>
       <p:grpSpPr/>
-      <p:pic>
-        <p:nvPicPr>
-          <p:cNvPr id="2" name="Picture 1" descr="end_2.jpg"/>
-          <p:cNvPicPr>
-            <a:picLocks noChangeAspect="1"/>
-          </p:cNvPicPr>
-          <p:nvPr/>
-        </p:nvPicPr>
-        <p:blipFill>
-          <a:blip r:embed="rId2"/>
-          <a:stretch>
-            <a:fillRect/>
-          </a:stretch>
-        </p:blipFill>
-        <p:spPr>
-          <a:xfrm>
-            <a:off x="0" y="0"/>
-            <a:ext cx="9144000" cy="6858000"/>
-          </a:xfrm>
-          <a:prstGeom prst="rect">
-            <a:avLst/>
-          </a:prstGeom>
-        </p:spPr>
-      </p:pic>
+      <p:sp>
+        <p:nvSpPr>
+          <p:cNvPr id="2" name="TextBox 1"/>
+          <p:cNvSpPr txBox="1"/>
+          <p:nvPr/>
+        </p:nvSpPr>
+        <p:spPr>
+          <a:xfrm>
+            <a:off x="518400" y="518400"/>
+            <a:ext cx="8247600" cy="5659200"/>
+          </a:xfrm>
+          <a:prstGeom prst="rect">
+            <a:avLst/>
+          </a:prstGeom>
+          <a:noFill/>
+        </p:spPr>
+        <p:txBody>
+          <a:bodyPr wrap="square">
+            <a:spAutoFit/>
+          </a:bodyPr>
+          <a:lstStyle/>
+          <a:p>
+            <a:pPr algn="l">
+              <a:lnSpc>
+                <a:spcPts val="5200"/>
+              </a:lnSpc>
+              <a:spcBef>
+                <a:spcPts val="0"/>
+              </a:spcBef>
+              <a:spcAft>
+                <a:spcPts val="0"/>
+              </a:spcAft>
+            </a:pPr>
+            <a:r>
+              <a:rPr sz="4400" b="1">
+                <a:latin typeface="方正楷体简体"/>
+              </a:rPr>
+              <a:t>7 月 30 日 (日）有每月的祷告会，同心彼此代祷，为教会守望，请大家预留时间参加。</a:t>
+            </a:r>
+          </a:p>
+        </p:txBody>
+      </p:sp>
+      <p:sp>
+        <p:nvSpPr>
+          <p:cNvPr id="3" name="TextBox 2"/>
+          <p:cNvSpPr txBox="1"/>
+          <p:nvPr/>
+        </p:nvSpPr>
+        <p:spPr>
+          <a:xfrm>
+            <a:off x="503999" y="6300000"/>
+            <a:ext cx="8247600" cy="396000"/>
+          </a:xfrm>
+          <a:prstGeom prst="rect">
+            <a:avLst/>
+          </a:prstGeom>
+          <a:noFill/>
+        </p:spPr>
+        <p:txBody>
+          <a:bodyPr wrap="square">
+            <a:spAutoFit/>
+          </a:bodyPr>
+          <a:lstStyle/>
+          <a:p>
+            <a:pPr algn="r">
+              <a:lnSpc>
+                <a:spcPts val="2800"/>
+              </a:lnSpc>
+              <a:spcBef>
+                <a:spcPts val="0"/>
+              </a:spcBef>
+              <a:spcAft>
+                <a:spcPts val="0"/>
+              </a:spcAft>
+            </a:pPr>
+            <a:r>
+              <a:rPr sz="2400" b="1">
+                <a:latin typeface="方正楷体简体"/>
+              </a:rPr>
+              <a:t>活动报告</a:t>
+            </a:r>
+          </a:p>
+        </p:txBody>
+      </p:sp>
     </p:spTree>
   </p:cSld>
   <p:clrMapOvr>
@@ -5461,30 +6017,90 @@
         <p:nvPr/>
       </p:nvGrpSpPr>
       <p:grpSpPr/>
-      <p:pic>
-        <p:nvPicPr>
-          <p:cNvPr id="2" name="Picture 1" descr="end_3.jpg"/>
-          <p:cNvPicPr>
-            <a:picLocks noChangeAspect="1"/>
-          </p:cNvPicPr>
-          <p:nvPr/>
-        </p:nvPicPr>
-        <p:blipFill>
-          <a:blip r:embed="rId2"/>
-          <a:stretch>
-            <a:fillRect/>
-          </a:stretch>
-        </p:blipFill>
-        <p:spPr>
-          <a:xfrm>
-            <a:off x="0" y="0"/>
-            <a:ext cx="9144000" cy="6858000"/>
-          </a:xfrm>
-          <a:prstGeom prst="rect">
-            <a:avLst/>
-          </a:prstGeom>
-        </p:spPr>
-      </p:pic>
+      <p:sp>
+        <p:nvSpPr>
+          <p:cNvPr id="2" name="TextBox 1"/>
+          <p:cNvSpPr txBox="1"/>
+          <p:nvPr/>
+        </p:nvSpPr>
+        <p:spPr>
+          <a:xfrm>
+            <a:off x="518400" y="518400"/>
+            <a:ext cx="8247600" cy="5659200"/>
+          </a:xfrm>
+          <a:prstGeom prst="rect">
+            <a:avLst/>
+          </a:prstGeom>
+          <a:noFill/>
+        </p:spPr>
+        <p:txBody>
+          <a:bodyPr wrap="square">
+            <a:spAutoFit/>
+          </a:bodyPr>
+          <a:lstStyle/>
+          <a:p>
+            <a:pPr algn="l">
+              <a:lnSpc>
+                <a:spcPts val="5200"/>
+              </a:lnSpc>
+              <a:spcBef>
+                <a:spcPts val="0"/>
+              </a:spcBef>
+              <a:spcAft>
+                <a:spcPts val="0"/>
+              </a:spcAft>
+            </a:pPr>
+            <a:r>
+              <a:rPr sz="4400" b="1">
+                <a:latin typeface="方正楷体简体"/>
+              </a:rPr>
+              <a:t>教会 2023 年「教会堂址维护基金步行筹款」活动定于 8 月 19 日（六）举行。具体信息将于近期公布。请弟兄姊妹预留时间参加，参与表格请向马内利弟兄领取。</a:t>
+            </a:r>
+          </a:p>
+        </p:txBody>
+      </p:sp>
+      <p:sp>
+        <p:nvSpPr>
+          <p:cNvPr id="3" name="TextBox 2"/>
+          <p:cNvSpPr txBox="1"/>
+          <p:nvPr/>
+        </p:nvSpPr>
+        <p:spPr>
+          <a:xfrm>
+            <a:off x="503999" y="6300000"/>
+            <a:ext cx="8247600" cy="396000"/>
+          </a:xfrm>
+          <a:prstGeom prst="rect">
+            <a:avLst/>
+          </a:prstGeom>
+          <a:noFill/>
+        </p:spPr>
+        <p:txBody>
+          <a:bodyPr wrap="square">
+            <a:spAutoFit/>
+          </a:bodyPr>
+          <a:lstStyle/>
+          <a:p>
+            <a:pPr algn="r">
+              <a:lnSpc>
+                <a:spcPts val="2800"/>
+              </a:lnSpc>
+              <a:spcBef>
+                <a:spcPts val="0"/>
+              </a:spcBef>
+              <a:spcAft>
+                <a:spcPts val="0"/>
+              </a:spcAft>
+            </a:pPr>
+            <a:r>
+              <a:rPr sz="2400" b="1">
+                <a:latin typeface="方正楷体简体"/>
+              </a:rPr>
+              <a:t>活动报告</a:t>
+            </a:r>
+          </a:p>
+        </p:txBody>
+      </p:sp>
     </p:spTree>
   </p:cSld>
   <p:clrMapOvr>
@@ -5503,30 +6119,90 @@
         <p:nvPr/>
       </p:nvGrpSpPr>
       <p:grpSpPr/>
-      <p:pic>
-        <p:nvPicPr>
-          <p:cNvPr id="2" name="Picture 1" descr="end_4.jpg"/>
-          <p:cNvPicPr>
-            <a:picLocks noChangeAspect="1"/>
-          </p:cNvPicPr>
-          <p:nvPr/>
-        </p:nvPicPr>
-        <p:blipFill>
-          <a:blip r:embed="rId2"/>
-          <a:stretch>
-            <a:fillRect/>
-          </a:stretch>
-        </p:blipFill>
-        <p:spPr>
-          <a:xfrm>
-            <a:off x="0" y="0"/>
-            <a:ext cx="9144000" cy="6858000"/>
-          </a:xfrm>
-          <a:prstGeom prst="rect">
-            <a:avLst/>
-          </a:prstGeom>
-        </p:spPr>
-      </p:pic>
+      <p:sp>
+        <p:nvSpPr>
+          <p:cNvPr id="2" name="TextBox 1"/>
+          <p:cNvSpPr txBox="1"/>
+          <p:nvPr/>
+        </p:nvSpPr>
+        <p:spPr>
+          <a:xfrm>
+            <a:off x="518400" y="518400"/>
+            <a:ext cx="8247600" cy="5659200"/>
+          </a:xfrm>
+          <a:prstGeom prst="rect">
+            <a:avLst/>
+          </a:prstGeom>
+          <a:noFill/>
+        </p:spPr>
+        <p:txBody>
+          <a:bodyPr wrap="square">
+            <a:spAutoFit/>
+          </a:bodyPr>
+          <a:lstStyle/>
+          <a:p>
+            <a:pPr algn="l">
+              <a:lnSpc>
+                <a:spcPts val="5200"/>
+              </a:lnSpc>
+              <a:spcBef>
+                <a:spcPts val="0"/>
+              </a:spcBef>
+              <a:spcAft>
+                <a:spcPts val="0"/>
+              </a:spcAft>
+            </a:pPr>
+            <a:r>
+              <a:rPr sz="4400" b="1">
+                <a:latin typeface="方正楷体简体"/>
+              </a:rPr>
+              <a:t>教会主日学教室在主日学结束后会关闭。请家长及时接回孩子。出于安全及管理方面的考量，非主日学的时间，请勿让孩子在无人看管的情况下，在主日学教室嬉戏玩耍。</a:t>
+            </a:r>
+          </a:p>
+        </p:txBody>
+      </p:sp>
+      <p:sp>
+        <p:nvSpPr>
+          <p:cNvPr id="3" name="TextBox 2"/>
+          <p:cNvSpPr txBox="1"/>
+          <p:nvPr/>
+        </p:nvSpPr>
+        <p:spPr>
+          <a:xfrm>
+            <a:off x="503999" y="6300000"/>
+            <a:ext cx="8247600" cy="396000"/>
+          </a:xfrm>
+          <a:prstGeom prst="rect">
+            <a:avLst/>
+          </a:prstGeom>
+          <a:noFill/>
+        </p:spPr>
+        <p:txBody>
+          <a:bodyPr wrap="square">
+            <a:spAutoFit/>
+          </a:bodyPr>
+          <a:lstStyle/>
+          <a:p>
+            <a:pPr algn="r">
+              <a:lnSpc>
+                <a:spcPts val="2800"/>
+              </a:lnSpc>
+              <a:spcBef>
+                <a:spcPts val="0"/>
+              </a:spcBef>
+              <a:spcAft>
+                <a:spcPts val="0"/>
+              </a:spcAft>
+            </a:pPr>
+            <a:r>
+              <a:rPr sz="2400" b="1">
+                <a:latin typeface="方正楷体简体"/>
+              </a:rPr>
+              <a:t>活动报告</a:t>
+            </a:r>
+          </a:p>
+        </p:txBody>
+      </p:sp>
     </p:spTree>
   </p:cSld>
   <p:clrMapOvr>
@@ -5545,30 +6221,90 @@
         <p:nvPr/>
       </p:nvGrpSpPr>
       <p:grpSpPr/>
-      <p:pic>
-        <p:nvPicPr>
-          <p:cNvPr id="2" name="Picture 1" descr="end_5.jpg"/>
-          <p:cNvPicPr>
-            <a:picLocks noChangeAspect="1"/>
-          </p:cNvPicPr>
-          <p:nvPr/>
-        </p:nvPicPr>
-        <p:blipFill>
-          <a:blip r:embed="rId2"/>
-          <a:stretch>
-            <a:fillRect/>
-          </a:stretch>
-        </p:blipFill>
-        <p:spPr>
-          <a:xfrm>
-            <a:off x="0" y="0"/>
-            <a:ext cx="9144000" cy="6858000"/>
-          </a:xfrm>
-          <a:prstGeom prst="rect">
-            <a:avLst/>
-          </a:prstGeom>
-        </p:spPr>
-      </p:pic>
+      <p:sp>
+        <p:nvSpPr>
+          <p:cNvPr id="2" name="TextBox 1"/>
+          <p:cNvSpPr txBox="1"/>
+          <p:nvPr/>
+        </p:nvSpPr>
+        <p:spPr>
+          <a:xfrm>
+            <a:off x="518400" y="518400"/>
+            <a:ext cx="8247600" cy="5659200"/>
+          </a:xfrm>
+          <a:prstGeom prst="rect">
+            <a:avLst/>
+          </a:prstGeom>
+          <a:noFill/>
+        </p:spPr>
+        <p:txBody>
+          <a:bodyPr wrap="square">
+            <a:spAutoFit/>
+          </a:bodyPr>
+          <a:lstStyle/>
+          <a:p>
+            <a:pPr algn="l">
+              <a:lnSpc>
+                <a:spcPts val="5200"/>
+              </a:lnSpc>
+              <a:spcBef>
+                <a:spcPts val="0"/>
+              </a:spcBef>
+              <a:spcAft>
+                <a:spcPts val="0"/>
+              </a:spcAft>
+            </a:pPr>
+            <a:r>
+              <a:rPr sz="4400" b="1">
+                <a:latin typeface="方正楷体简体"/>
+              </a:rPr>
+              <a:t>2023 年 德国华人基督徒同工训练营将于2023 年 8 月 3-6日在 Jugendherberge Kassel 举行。同工营还有一些空位，欢迎有兴趣的弟兄姊妹们报名参加，报名请联系吴牧师。</a:t>
+            </a:r>
+          </a:p>
+        </p:txBody>
+      </p:sp>
+      <p:sp>
+        <p:nvSpPr>
+          <p:cNvPr id="3" name="TextBox 2"/>
+          <p:cNvSpPr txBox="1"/>
+          <p:nvPr/>
+        </p:nvSpPr>
+        <p:spPr>
+          <a:xfrm>
+            <a:off x="503999" y="6300000"/>
+            <a:ext cx="8247600" cy="396000"/>
+          </a:xfrm>
+          <a:prstGeom prst="rect">
+            <a:avLst/>
+          </a:prstGeom>
+          <a:noFill/>
+        </p:spPr>
+        <p:txBody>
+          <a:bodyPr wrap="square">
+            <a:spAutoFit/>
+          </a:bodyPr>
+          <a:lstStyle/>
+          <a:p>
+            <a:pPr algn="r">
+              <a:lnSpc>
+                <a:spcPts val="2800"/>
+              </a:lnSpc>
+              <a:spcBef>
+                <a:spcPts val="0"/>
+              </a:spcBef>
+              <a:spcAft>
+                <a:spcPts val="0"/>
+              </a:spcAft>
+            </a:pPr>
+            <a:r>
+              <a:rPr sz="2400" b="1">
+                <a:latin typeface="方正楷体简体"/>
+              </a:rPr>
+              <a:t>活动报告</a:t>
+            </a:r>
+          </a:p>
+        </p:txBody>
+      </p:sp>
     </p:spTree>
   </p:cSld>
   <p:clrMapOvr>
@@ -5587,30 +6323,6 @@
         <p:nvPr/>
       </p:nvGrpSpPr>
       <p:grpSpPr/>
-      <p:pic>
-        <p:nvPicPr>
-          <p:cNvPr id="2" name="Picture 1" descr="end_6.jpg"/>
-          <p:cNvPicPr>
-            <a:picLocks noChangeAspect="1"/>
-          </p:cNvPicPr>
-          <p:nvPr/>
-        </p:nvPicPr>
-        <p:blipFill>
-          <a:blip r:embed="rId2"/>
-          <a:stretch>
-            <a:fillRect/>
-          </a:stretch>
-        </p:blipFill>
-        <p:spPr>
-          <a:xfrm>
-            <a:off x="0" y="0"/>
-            <a:ext cx="9144000" cy="6858000"/>
-          </a:xfrm>
-          <a:prstGeom prst="rect">
-            <a:avLst/>
-          </a:prstGeom>
-        </p:spPr>
-      </p:pic>
     </p:spTree>
   </p:cSld>
   <p:clrMapOvr>
@@ -5631,7 +6343,7 @@
       <p:grpSpPr/>
       <p:pic>
         <p:nvPicPr>
-          <p:cNvPr id="2" name="Picture 1" descr="end_7.jpg"/>
+          <p:cNvPr id="2" name="Picture 1" descr="new_friends.jpg"/>
           <p:cNvPicPr>
             <a:picLocks noChangeAspect="1"/>
           </p:cNvPicPr>
@@ -5653,6 +6365,327 @@
           </a:prstGeom>
         </p:spPr>
       </p:pic>
+    </p:spTree>
+  </p:cSld>
+  <p:clrMapOvr>
+    <a:masterClrMapping/>
+  </p:clrMapOvr>
+</p:sld>
+</file>
+
+<file path=ppt/slides/slide128.xml><?xml version="1.0" encoding="utf-8"?>
+<p:sld xmlns:a="http://schemas.openxmlformats.org/drawingml/2006/main" xmlns:p="http://schemas.openxmlformats.org/presentationml/2006/main" xmlns:r="http://schemas.openxmlformats.org/officeDocument/2006/relationships">
+  <p:cSld>
+    <p:spTree>
+      <p:nvGrpSpPr>
+        <p:cNvPr id="1" name=""/>
+        <p:cNvGrpSpPr/>
+        <p:nvPr/>
+      </p:nvGrpSpPr>
+      <p:grpSpPr/>
+      <p:pic>
+        <p:nvPicPr>
+          <p:cNvPr id="2" name="Picture 1" descr="bkg_worker_list.jpg"/>
+          <p:cNvPicPr>
+            <a:picLocks noChangeAspect="1"/>
+          </p:cNvPicPr>
+          <p:nvPr/>
+        </p:nvPicPr>
+        <p:blipFill>
+          <a:blip r:embed="rId2"/>
+          <a:stretch>
+            <a:fillRect/>
+          </a:stretch>
+        </p:blipFill>
+        <p:spPr>
+          <a:xfrm>
+            <a:off x="0" y="0"/>
+            <a:ext cx="9144000" cy="6858000"/>
+          </a:xfrm>
+          <a:prstGeom prst="rect">
+            <a:avLst/>
+          </a:prstGeom>
+        </p:spPr>
+      </p:pic>
+      <p:sp>
+        <p:nvSpPr>
+          <p:cNvPr id="3" name="TextBox 2"/>
+          <p:cNvSpPr txBox="1"/>
+          <p:nvPr/>
+        </p:nvSpPr>
+        <p:spPr>
+          <a:xfrm>
+            <a:off x="50400" y="417600"/>
+            <a:ext cx="9025200" cy="6217200"/>
+          </a:xfrm>
+          <a:prstGeom prst="rect">
+            <a:avLst/>
+          </a:prstGeom>
+          <a:noFill/>
+        </p:spPr>
+        <p:txBody>
+          <a:bodyPr wrap="square" anchor="ctr">
+            <a:spAutoFit/>
+          </a:bodyPr>
+          <a:lstStyle/>
+          <a:p>
+            <a:pPr algn="ctr">
+              <a:lnSpc>
+                <a:spcPts val="3700"/>
+              </a:lnSpc>
+              <a:spcBef>
+                <a:spcPts val="768"/>
+              </a:spcBef>
+              <a:spcAft>
+                <a:spcPts val="0"/>
+              </a:spcAft>
+            </a:pPr>
+            <a:r>
+              <a:rPr sz="3200" b="1">
+                <a:latin typeface="FZKai-Z03S"/>
+              </a:rPr>
+              <a:t>主题：约拿在鱼腹中的祷告</a:t>
+            </a:r>
+            <a:r>
+              <a:rPr sz="2400" b="1">
+                <a:latin typeface="FZKai-Z03S"/>
+              </a:rPr>
+              <a:t>拿2</a:t>
+            </a:r>
+          </a:p>
+          <a:p>
+            <a:pPr algn="ctr">
+              <a:lnSpc>
+                <a:spcPts val="3700"/>
+              </a:lnSpc>
+              <a:spcBef>
+                <a:spcPts val="768"/>
+              </a:spcBef>
+              <a:spcAft>
+                <a:spcPts val="0"/>
+              </a:spcAft>
+            </a:pPr>
+            <a:r>
+              <a:rPr sz="3200" b="1">
+                <a:latin typeface="FZKai-Z03S"/>
+              </a:rPr>
+              <a:t>证道：吴振忠牧师</a:t>
+            </a:r>
+          </a:p>
+          <a:p>
+            <a:pPr algn="ctr">
+              <a:lnSpc>
+                <a:spcPts val="3700"/>
+              </a:lnSpc>
+              <a:spcBef>
+                <a:spcPts val="768"/>
+              </a:spcBef>
+              <a:spcAft>
+                <a:spcPts val="0"/>
+              </a:spcAft>
+            </a:pPr>
+            <a:r>
+              <a:rPr sz="3200" b="1">
+                <a:latin typeface="FZKai-Z03S"/>
+              </a:rPr>
+              <a:t>司会：刘芸竺姊妹</a:t>
+            </a:r>
+          </a:p>
+          <a:p>
+            <a:pPr algn="ctr">
+              <a:lnSpc>
+                <a:spcPts val="3700"/>
+              </a:lnSpc>
+              <a:spcBef>
+                <a:spcPts val="768"/>
+              </a:spcBef>
+              <a:spcAft>
+                <a:spcPts val="0"/>
+              </a:spcAft>
+            </a:pPr>
+            <a:r>
+              <a:rPr sz="3200" b="1">
+                <a:latin typeface="FZKai-Z03S"/>
+              </a:rPr>
+              <a:t>司琴：李　帆弟兄</a:t>
+            </a:r>
+          </a:p>
+          <a:p>
+            <a:pPr algn="ctr">
+              <a:lnSpc>
+                <a:spcPts val="3700"/>
+              </a:lnSpc>
+              <a:spcBef>
+                <a:spcPts val="768"/>
+              </a:spcBef>
+              <a:spcAft>
+                <a:spcPts val="0"/>
+              </a:spcAft>
+            </a:pPr>
+            <a:r>
+              <a:rPr sz="3200" b="1">
+                <a:latin typeface="FZKai-Z03S"/>
+              </a:rPr>
+              <a:t>领唱：莊雅玲姊妹、王　进弟兄</a:t>
+            </a:r>
+          </a:p>
+          <a:p>
+            <a:pPr algn="ctr">
+              <a:lnSpc>
+                <a:spcPts val="3700"/>
+              </a:lnSpc>
+              <a:spcBef>
+                <a:spcPts val="768"/>
+              </a:spcBef>
+              <a:spcAft>
+                <a:spcPts val="0"/>
+              </a:spcAft>
+            </a:pPr>
+            <a:r>
+              <a:rPr sz="3200" b="1">
+                <a:latin typeface="FZKai-Z03S"/>
+              </a:rPr>
+              <a:t>主领执事：王泽宇弟兄</a:t>
+            </a:r>
+          </a:p>
+          <a:p>
+            <a:pPr algn="ctr">
+              <a:lnSpc>
+                <a:spcPts val="3700"/>
+              </a:lnSpc>
+              <a:spcBef>
+                <a:spcPts val="768"/>
+              </a:spcBef>
+              <a:spcAft>
+                <a:spcPts val="0"/>
+              </a:spcAft>
+            </a:pPr>
+            <a:r>
+              <a:rPr sz="3200" b="1">
+                <a:latin typeface="FZKai-Z03S"/>
+              </a:rPr>
+              <a:t>少年主日学：马内利弟兄</a:t>
+            </a:r>
+          </a:p>
+          <a:p>
+            <a:pPr algn="ctr">
+              <a:lnSpc>
+                <a:spcPts val="3700"/>
+              </a:lnSpc>
+              <a:spcBef>
+                <a:spcPts val="768"/>
+              </a:spcBef>
+              <a:spcAft>
+                <a:spcPts val="0"/>
+              </a:spcAft>
+            </a:pPr>
+            <a:r>
+              <a:rPr sz="3200" b="1">
+                <a:latin typeface="FZKai-Z03S"/>
+              </a:rPr>
+              <a:t>少儿主日学：刘朗朗弟兄、周向荣姊妹</a:t>
+            </a:r>
+          </a:p>
+          <a:p>
+            <a:pPr algn="ctr">
+              <a:lnSpc>
+                <a:spcPts val="3700"/>
+              </a:lnSpc>
+              <a:spcBef>
+                <a:spcPts val="768"/>
+              </a:spcBef>
+              <a:spcAft>
+                <a:spcPts val="0"/>
+              </a:spcAft>
+            </a:pPr>
+            <a:r>
+              <a:rPr sz="3200" b="1">
+                <a:latin typeface="FZKai-Z03S"/>
+              </a:rPr>
+              <a:t>幼儿主日学：蔡文彦姊妹、苑　辉弟兄</a:t>
+            </a:r>
+          </a:p>
+          <a:p>
+            <a:pPr algn="ctr">
+              <a:lnSpc>
+                <a:spcPts val="3700"/>
+              </a:lnSpc>
+              <a:spcBef>
+                <a:spcPts val="768"/>
+              </a:spcBef>
+              <a:spcAft>
+                <a:spcPts val="0"/>
+              </a:spcAft>
+            </a:pPr>
+            <a:r>
+              <a:rPr sz="3200" b="1">
+                <a:latin typeface="FZKai-Z03S"/>
+              </a:rPr>
+              <a:t>PPT制作播放：邱奕洲弟兄、周　斌弟兄</a:t>
+            </a:r>
+          </a:p>
+        </p:txBody>
+      </p:sp>
+      <p:sp>
+        <p:nvSpPr>
+          <p:cNvPr id="4" name="TextBox 3"/>
+          <p:cNvSpPr txBox="1"/>
+          <p:nvPr/>
+        </p:nvSpPr>
+        <p:spPr>
+          <a:xfrm>
+            <a:off x="118800" y="32400"/>
+            <a:ext cx="8888400" cy="522000"/>
+          </a:xfrm>
+          <a:prstGeom prst="rect">
+            <a:avLst/>
+          </a:prstGeom>
+          <a:noFill/>
+        </p:spPr>
+        <p:txBody>
+          <a:bodyPr wrap="square" anchor="ctr">
+            <a:spAutoFit/>
+          </a:bodyPr>
+          <a:lstStyle/>
+          <a:p>
+            <a:pPr algn="ctr">
+              <a:lnSpc>
+                <a:spcPts val="2800"/>
+              </a:lnSpc>
+              <a:spcBef>
+                <a:spcPts val="25"/>
+              </a:spcBef>
+              <a:spcAft>
+                <a:spcPts val="0"/>
+              </a:spcAft>
+            </a:pPr>
+            <a:r>
+              <a:rPr sz="2400" b="1">
+                <a:latin typeface="FZKai-Z03S"/>
+              </a:rPr>
+              <a:t>2023 年 08 月 23 日主日服事表</a:t>
+            </a:r>
+          </a:p>
+        </p:txBody>
+      </p:sp>
+    </p:spTree>
+  </p:cSld>
+  <p:clrMapOvr>
+    <a:masterClrMapping/>
+  </p:clrMapOvr>
+</p:sld>
+</file>
+
+<file path=ppt/slides/slide129.xml><?xml version="1.0" encoding="utf-8"?>
+<p:sld xmlns:a="http://schemas.openxmlformats.org/drawingml/2006/main" xmlns:p="http://schemas.openxmlformats.org/presentationml/2006/main" xmlns:r="http://schemas.openxmlformats.org/officeDocument/2006/relationships">
+  <p:cSld>
+    <p:spTree>
+      <p:nvGrpSpPr>
+        <p:cNvPr id="1" name=""/>
+        <p:cNvGrpSpPr/>
+        <p:nvPr/>
+      </p:nvGrpSpPr>
+      <p:grpSpPr/>
     </p:spTree>
   </p:cSld>
   <p:clrMapOvr>
@@ -5755,6 +6788,300 @@
           </a:p>
         </p:txBody>
       </p:sp>
+    </p:spTree>
+  </p:cSld>
+  <p:clrMapOvr>
+    <a:masterClrMapping/>
+  </p:clrMapOvr>
+</p:sld>
+</file>
+
+<file path=ppt/slides/slide130.xml><?xml version="1.0" encoding="utf-8"?>
+<p:sld xmlns:a="http://schemas.openxmlformats.org/drawingml/2006/main" xmlns:p="http://schemas.openxmlformats.org/presentationml/2006/main" xmlns:r="http://schemas.openxmlformats.org/officeDocument/2006/relationships">
+  <p:cSld>
+    <p:spTree>
+      <p:nvGrpSpPr>
+        <p:cNvPr id="1" name=""/>
+        <p:cNvGrpSpPr/>
+        <p:nvPr/>
+      </p:nvGrpSpPr>
+      <p:grpSpPr/>
+      <p:pic>
+        <p:nvPicPr>
+          <p:cNvPr id="2" name="Picture 1" descr="end_1.jpg"/>
+          <p:cNvPicPr>
+            <a:picLocks noChangeAspect="1"/>
+          </p:cNvPicPr>
+          <p:nvPr/>
+        </p:nvPicPr>
+        <p:blipFill>
+          <a:blip r:embed="rId2"/>
+          <a:stretch>
+            <a:fillRect/>
+          </a:stretch>
+        </p:blipFill>
+        <p:spPr>
+          <a:xfrm>
+            <a:off x="0" y="0"/>
+            <a:ext cx="9144000" cy="6858000"/>
+          </a:xfrm>
+          <a:prstGeom prst="rect">
+            <a:avLst/>
+          </a:prstGeom>
+        </p:spPr>
+      </p:pic>
+    </p:spTree>
+  </p:cSld>
+  <p:clrMapOvr>
+    <a:masterClrMapping/>
+  </p:clrMapOvr>
+</p:sld>
+</file>
+
+<file path=ppt/slides/slide131.xml><?xml version="1.0" encoding="utf-8"?>
+<p:sld xmlns:a="http://schemas.openxmlformats.org/drawingml/2006/main" xmlns:p="http://schemas.openxmlformats.org/presentationml/2006/main" xmlns:r="http://schemas.openxmlformats.org/officeDocument/2006/relationships">
+  <p:cSld>
+    <p:spTree>
+      <p:nvGrpSpPr>
+        <p:cNvPr id="1" name=""/>
+        <p:cNvGrpSpPr/>
+        <p:nvPr/>
+      </p:nvGrpSpPr>
+      <p:grpSpPr/>
+      <p:pic>
+        <p:nvPicPr>
+          <p:cNvPr id="2" name="Picture 1" descr="end_2.jpg"/>
+          <p:cNvPicPr>
+            <a:picLocks noChangeAspect="1"/>
+          </p:cNvPicPr>
+          <p:nvPr/>
+        </p:nvPicPr>
+        <p:blipFill>
+          <a:blip r:embed="rId2"/>
+          <a:stretch>
+            <a:fillRect/>
+          </a:stretch>
+        </p:blipFill>
+        <p:spPr>
+          <a:xfrm>
+            <a:off x="0" y="0"/>
+            <a:ext cx="9144000" cy="6858000"/>
+          </a:xfrm>
+          <a:prstGeom prst="rect">
+            <a:avLst/>
+          </a:prstGeom>
+        </p:spPr>
+      </p:pic>
+    </p:spTree>
+  </p:cSld>
+  <p:clrMapOvr>
+    <a:masterClrMapping/>
+  </p:clrMapOvr>
+</p:sld>
+</file>
+
+<file path=ppt/slides/slide132.xml><?xml version="1.0" encoding="utf-8"?>
+<p:sld xmlns:a="http://schemas.openxmlformats.org/drawingml/2006/main" xmlns:p="http://schemas.openxmlformats.org/presentationml/2006/main" xmlns:r="http://schemas.openxmlformats.org/officeDocument/2006/relationships">
+  <p:cSld>
+    <p:spTree>
+      <p:nvGrpSpPr>
+        <p:cNvPr id="1" name=""/>
+        <p:cNvGrpSpPr/>
+        <p:nvPr/>
+      </p:nvGrpSpPr>
+      <p:grpSpPr/>
+      <p:pic>
+        <p:nvPicPr>
+          <p:cNvPr id="2" name="Picture 1" descr="end_3.jpg"/>
+          <p:cNvPicPr>
+            <a:picLocks noChangeAspect="1"/>
+          </p:cNvPicPr>
+          <p:nvPr/>
+        </p:nvPicPr>
+        <p:blipFill>
+          <a:blip r:embed="rId2"/>
+          <a:stretch>
+            <a:fillRect/>
+          </a:stretch>
+        </p:blipFill>
+        <p:spPr>
+          <a:xfrm>
+            <a:off x="0" y="0"/>
+            <a:ext cx="9144000" cy="6858000"/>
+          </a:xfrm>
+          <a:prstGeom prst="rect">
+            <a:avLst/>
+          </a:prstGeom>
+        </p:spPr>
+      </p:pic>
+    </p:spTree>
+  </p:cSld>
+  <p:clrMapOvr>
+    <a:masterClrMapping/>
+  </p:clrMapOvr>
+</p:sld>
+</file>
+
+<file path=ppt/slides/slide133.xml><?xml version="1.0" encoding="utf-8"?>
+<p:sld xmlns:a="http://schemas.openxmlformats.org/drawingml/2006/main" xmlns:p="http://schemas.openxmlformats.org/presentationml/2006/main" xmlns:r="http://schemas.openxmlformats.org/officeDocument/2006/relationships">
+  <p:cSld>
+    <p:spTree>
+      <p:nvGrpSpPr>
+        <p:cNvPr id="1" name=""/>
+        <p:cNvGrpSpPr/>
+        <p:nvPr/>
+      </p:nvGrpSpPr>
+      <p:grpSpPr/>
+      <p:pic>
+        <p:nvPicPr>
+          <p:cNvPr id="2" name="Picture 1" descr="end_4.jpg"/>
+          <p:cNvPicPr>
+            <a:picLocks noChangeAspect="1"/>
+          </p:cNvPicPr>
+          <p:nvPr/>
+        </p:nvPicPr>
+        <p:blipFill>
+          <a:blip r:embed="rId2"/>
+          <a:stretch>
+            <a:fillRect/>
+          </a:stretch>
+        </p:blipFill>
+        <p:spPr>
+          <a:xfrm>
+            <a:off x="0" y="0"/>
+            <a:ext cx="9144000" cy="6858000"/>
+          </a:xfrm>
+          <a:prstGeom prst="rect">
+            <a:avLst/>
+          </a:prstGeom>
+        </p:spPr>
+      </p:pic>
+    </p:spTree>
+  </p:cSld>
+  <p:clrMapOvr>
+    <a:masterClrMapping/>
+  </p:clrMapOvr>
+</p:sld>
+</file>
+
+<file path=ppt/slides/slide134.xml><?xml version="1.0" encoding="utf-8"?>
+<p:sld xmlns:a="http://schemas.openxmlformats.org/drawingml/2006/main" xmlns:p="http://schemas.openxmlformats.org/presentationml/2006/main" xmlns:r="http://schemas.openxmlformats.org/officeDocument/2006/relationships">
+  <p:cSld>
+    <p:spTree>
+      <p:nvGrpSpPr>
+        <p:cNvPr id="1" name=""/>
+        <p:cNvGrpSpPr/>
+        <p:nvPr/>
+      </p:nvGrpSpPr>
+      <p:grpSpPr/>
+      <p:pic>
+        <p:nvPicPr>
+          <p:cNvPr id="2" name="Picture 1" descr="end_5.jpg"/>
+          <p:cNvPicPr>
+            <a:picLocks noChangeAspect="1"/>
+          </p:cNvPicPr>
+          <p:nvPr/>
+        </p:nvPicPr>
+        <p:blipFill>
+          <a:blip r:embed="rId2"/>
+          <a:stretch>
+            <a:fillRect/>
+          </a:stretch>
+        </p:blipFill>
+        <p:spPr>
+          <a:xfrm>
+            <a:off x="0" y="0"/>
+            <a:ext cx="9144000" cy="6858000"/>
+          </a:xfrm>
+          <a:prstGeom prst="rect">
+            <a:avLst/>
+          </a:prstGeom>
+        </p:spPr>
+      </p:pic>
+    </p:spTree>
+  </p:cSld>
+  <p:clrMapOvr>
+    <a:masterClrMapping/>
+  </p:clrMapOvr>
+</p:sld>
+</file>
+
+<file path=ppt/slides/slide135.xml><?xml version="1.0" encoding="utf-8"?>
+<p:sld xmlns:a="http://schemas.openxmlformats.org/drawingml/2006/main" xmlns:p="http://schemas.openxmlformats.org/presentationml/2006/main" xmlns:r="http://schemas.openxmlformats.org/officeDocument/2006/relationships">
+  <p:cSld>
+    <p:spTree>
+      <p:nvGrpSpPr>
+        <p:cNvPr id="1" name=""/>
+        <p:cNvGrpSpPr/>
+        <p:nvPr/>
+      </p:nvGrpSpPr>
+      <p:grpSpPr/>
+      <p:pic>
+        <p:nvPicPr>
+          <p:cNvPr id="2" name="Picture 1" descr="end_6.jpg"/>
+          <p:cNvPicPr>
+            <a:picLocks noChangeAspect="1"/>
+          </p:cNvPicPr>
+          <p:nvPr/>
+        </p:nvPicPr>
+        <p:blipFill>
+          <a:blip r:embed="rId2"/>
+          <a:stretch>
+            <a:fillRect/>
+          </a:stretch>
+        </p:blipFill>
+        <p:spPr>
+          <a:xfrm>
+            <a:off x="0" y="0"/>
+            <a:ext cx="9144000" cy="6858000"/>
+          </a:xfrm>
+          <a:prstGeom prst="rect">
+            <a:avLst/>
+          </a:prstGeom>
+        </p:spPr>
+      </p:pic>
+    </p:spTree>
+  </p:cSld>
+  <p:clrMapOvr>
+    <a:masterClrMapping/>
+  </p:clrMapOvr>
+</p:sld>
+</file>
+
+<file path=ppt/slides/slide136.xml><?xml version="1.0" encoding="utf-8"?>
+<p:sld xmlns:a="http://schemas.openxmlformats.org/drawingml/2006/main" xmlns:p="http://schemas.openxmlformats.org/presentationml/2006/main" xmlns:r="http://schemas.openxmlformats.org/officeDocument/2006/relationships">
+  <p:cSld>
+    <p:spTree>
+      <p:nvGrpSpPr>
+        <p:cNvPr id="1" name=""/>
+        <p:cNvGrpSpPr/>
+        <p:nvPr/>
+      </p:nvGrpSpPr>
+      <p:grpSpPr/>
+      <p:pic>
+        <p:nvPicPr>
+          <p:cNvPr id="2" name="Picture 1" descr="end_7.jpg"/>
+          <p:cNvPicPr>
+            <a:picLocks noChangeAspect="1"/>
+          </p:cNvPicPr>
+          <p:nvPr/>
+        </p:nvPicPr>
+        <p:blipFill>
+          <a:blip r:embed="rId2"/>
+          <a:stretch>
+            <a:fillRect/>
+          </a:stretch>
+        </p:blipFill>
+        <p:spPr>
+          <a:xfrm>
+            <a:off x="0" y="0"/>
+            <a:ext cx="9144000" cy="6858000"/>
+          </a:xfrm>
+          <a:prstGeom prst="rect">
+            <a:avLst/>
+          </a:prstGeom>
+        </p:spPr>
+      </p:pic>
     </p:spTree>
   </p:cSld>
   <p:clrMapOvr>
@@ -15735,25 +17062,6 @@
               <a:t>1.为什么我们觉得自己只是一个普通的信徒？ 没有什么可以为神作的呢？</a:t>
             </a:r>
           </a:p>
-          <a:p>
-            <a:pPr algn="l">
-              <a:lnSpc>
-                <a:spcPts val="5200"/>
-              </a:lnSpc>
-              <a:spcBef>
-                <a:spcPts val="0"/>
-              </a:spcBef>
-              <a:spcAft>
-                <a:spcPts val="0"/>
-              </a:spcAft>
-            </a:pPr>
-            <a:r>
-              <a:rPr sz="4400" b="1">
-                <a:latin typeface="FZKai-Z03S"/>
-              </a:rPr>
-              <a:t>2.为什么我们有时埋怨神没有给我们什么恩赐，好像有些比不上别人？</a:t>
-            </a:r>
-          </a:p>
         </p:txBody>
       </p:sp>
       <p:sp>
@@ -15872,7 +17180,7 @@
               <a:rPr sz="4400" b="1">
                 <a:latin typeface="FZKai-Z03S"/>
               </a:rPr>
-              <a:t>3.为什么有些信徒不愿意神作自己的主人，反倒过来希望神作我们的仆人？</a:t>
+              <a:t>1.为什么我们觉得自己只是一个普通的信徒？ 没有什么可以为神作的呢？</a:t>
             </a:r>
           </a:p>
           <a:p>
@@ -15891,26 +17199,7 @@
               <a:rPr sz="4400" b="1">
                 <a:latin typeface="FZKai-Z03S"/>
               </a:rPr>
-              <a:t>4.为什么神要我们为他作工呢？ 神自己没有能力吗？</a:t>
-            </a:r>
-          </a:p>
-          <a:p>
-            <a:pPr algn="l">
-              <a:lnSpc>
-                <a:spcPts val="5200"/>
-              </a:lnSpc>
-              <a:spcBef>
-                <a:spcPts val="0"/>
-              </a:spcBef>
-              <a:spcAft>
-                <a:spcPts val="0"/>
-              </a:spcAft>
-            </a:pPr>
-            <a:r>
-              <a:rPr sz="4400" b="1">
-                <a:latin typeface="FZKai-Z03S"/>
-              </a:rPr>
-              <a:t>5.为什么面对神托付的使命时，我们总是可以找出很多借口去推搪的呢？</a:t>
+              <a:t>2.为什么我们有时埋怨神没有给我们什么恩赐，好像有些比不上别人？</a:t>
             </a:r>
           </a:p>
         </p:txBody>
@@ -16031,7 +17320,7 @@
               <a:rPr sz="4400" b="1">
                 <a:latin typeface="FZKai-Z03S"/>
               </a:rPr>
-              <a:t>5.为什么面对神托付的使命时，我们总是可以找出很多借口去推搪的呢？</a:t>
+              <a:t>3.为什么有些信徒不愿意神作自己的主人，反倒过来希望神作我们的仆人？</a:t>
             </a:r>
           </a:p>
         </p:txBody>
@@ -16133,7 +17422,7 @@
               <a:rPr sz="4400" b="1">
                 <a:latin typeface="FZKai-Z03S"/>
               </a:rPr>
-              <a:t>经文的理解与应用：</a:t>
+              <a:t>引言：</a:t>
             </a:r>
           </a:p>
           <a:p>
@@ -16152,7 +17441,26 @@
               <a:rPr sz="4400" b="1">
                 <a:latin typeface="FZKai-Z03S"/>
               </a:rPr>
-              <a:t>1.耶稣已经呼召了一个愿意真诚悔改，有行动回应的撒该，并且说了：「人子来，为要寻找，拯救失丧的人」的道理。</a:t>
+              <a:t>3.为什么有些信徒不愿意神作自己的主人，反倒过来希望神作我们的仆人？</a:t>
+            </a:r>
+          </a:p>
+          <a:p>
+            <a:pPr algn="l">
+              <a:lnSpc>
+                <a:spcPts val="5200"/>
+              </a:lnSpc>
+              <a:spcBef>
+                <a:spcPts val="0"/>
+              </a:spcBef>
+              <a:spcAft>
+                <a:spcPts val="0"/>
+              </a:spcAft>
+            </a:pPr>
+            <a:r>
+              <a:rPr sz="4400" b="1">
+                <a:latin typeface="FZKai-Z03S"/>
+              </a:rPr>
+              <a:t>4.为什么神要我们为他作工呢？ 神自己没有能力吗？</a:t>
             </a:r>
           </a:p>
         </p:txBody>
@@ -16254,7 +17562,7 @@
               <a:rPr sz="4400" b="1">
                 <a:latin typeface="FZKai-Z03S"/>
               </a:rPr>
-              <a:t>经文的理解与应用：</a:t>
+              <a:t>引言：</a:t>
             </a:r>
           </a:p>
           <a:p>
@@ -16273,7 +17581,7 @@
               <a:rPr sz="4400" b="1">
                 <a:latin typeface="FZKai-Z03S"/>
               </a:rPr>
-              <a:t>2.众人既然以为神的国快要显出来，耶稣就说出了这个善仆与恶仆的比喻。</a:t>
+              <a:t>3.为什么有些信徒不愿意神作自己的主人，反倒过来希望神作我们的仆人？</a:t>
             </a:r>
           </a:p>
           <a:p>
@@ -16292,7 +17600,7 @@
               <a:rPr sz="4400" b="1">
                 <a:latin typeface="FZKai-Z03S"/>
               </a:rPr>
-              <a:t>3.一个身份、一様恩赐、一项使命</a:t>
+              <a:t>4.为什么神要我们为他作工呢？ 神自己没有能力吗？</a:t>
             </a:r>
           </a:p>
           <a:p>
@@ -16311,7 +17619,7 @@
               <a:rPr sz="4400" b="1">
                 <a:latin typeface="FZKai-Z03S"/>
               </a:rPr>
-              <a:t>4.我们只是为主做好一件小事，他却给了我们大的权柄</a:t>
+              <a:t>5.为什么面对神托付的使命时，我们总是可以找出很多借口去推搪的呢？</a:t>
             </a:r>
           </a:p>
         </p:txBody>
@@ -16534,45 +17842,7 @@
               <a:rPr sz="4400" b="1">
                 <a:latin typeface="FZKai-Z03S"/>
               </a:rPr>
-              <a:t>5.拦阻主的工作的人仍有很多，我们不要作恶仆，更不要作主的仇敌</a:t>
-            </a:r>
-          </a:p>
-          <a:p>
-            <a:pPr algn="l">
-              <a:lnSpc>
-                <a:spcPts val="5200"/>
-              </a:lnSpc>
-              <a:spcBef>
-                <a:spcPts val="0"/>
-              </a:spcBef>
-              <a:spcAft>
-                <a:spcPts val="0"/>
-              </a:spcAft>
-            </a:pPr>
-            <a:r>
-              <a:rPr sz="4400" b="1">
-                <a:latin typeface="FZKai-Z03S"/>
-              </a:rPr>
-              <a:t>6.不要以借口推辞神的使命和托付</a:t>
-            </a:r>
-          </a:p>
-          <a:p>
-            <a:pPr algn="l">
-              <a:lnSpc>
-                <a:spcPts val="5200"/>
-              </a:lnSpc>
-              <a:spcBef>
-                <a:spcPts val="0"/>
-              </a:spcBef>
-              <a:spcAft>
-                <a:spcPts val="0"/>
-              </a:spcAft>
-            </a:pPr>
-            <a:r>
-              <a:rPr sz="4400" b="1">
-                <a:latin typeface="FZKai-Z03S"/>
-              </a:rPr>
-              <a:t>7.不要以恶意去揣测神的美意</a:t>
+              <a:t>1.耶稣已经呼召了一个愿意真诚悔改，有行动回应的撒该，并且说了：「人子来，为要寻找，拯救失丧的人」的道理。</a:t>
             </a:r>
           </a:p>
         </p:txBody>
@@ -16693,7 +17963,7 @@
               <a:rPr sz="4400" b="1">
                 <a:latin typeface="FZKai-Z03S"/>
               </a:rPr>
-              <a:t>8.主人对仆人有合理的期望</a:t>
+              <a:t>1.耶稣已经呼召了一个愿意真诚悔改，有行动回应的撒该，并且说了：「人子来，为要寻找，拯救失丧的人」的道理。</a:t>
             </a:r>
           </a:p>
           <a:p>
@@ -16712,26 +17982,7 @@
               <a:rPr sz="4400" b="1">
                 <a:latin typeface="FZKai-Z03S"/>
               </a:rPr>
-              <a:t>9.主人欣赏善仆的忠心和努力，他按仆人的心志与回应给予任务与权柄</a:t>
-            </a:r>
-          </a:p>
-          <a:p>
-            <a:pPr algn="l">
-              <a:lnSpc>
-                <a:spcPts val="5200"/>
-              </a:lnSpc>
-              <a:spcBef>
-                <a:spcPts val="0"/>
-              </a:spcBef>
-              <a:spcAft>
-                <a:spcPts val="0"/>
-              </a:spcAft>
-            </a:pPr>
-            <a:r>
-              <a:rPr sz="4400" b="1">
-                <a:latin typeface="FZKai-Z03S"/>
-              </a:rPr>
-              <a:t>10.我们对主使命的心志与回应是我们成长的指标，是不进则退的，没有可能停留不动。</a:t>
+              <a:t>2.众人既然以为神的国快要显出来，耶稣就说出了这个善仆与恶仆的比喻。</a:t>
             </a:r>
           </a:p>
         </p:txBody>
@@ -16830,10 +18081,10 @@
               </a:spcAft>
             </a:pPr>
             <a:r>
-              <a:rPr sz="4400" b="1" i="1">
+              <a:rPr sz="4400" b="1">
                 <a:latin typeface="FZKai-Z03S"/>
               </a:rPr>
-              <a:t>总结：</a:t>
+              <a:t>经文的理解与应用：</a:t>
             </a:r>
           </a:p>
           <a:p>
@@ -16849,48 +18100,10 @@
               </a:spcAft>
             </a:pPr>
             <a:r>
-              <a:rPr sz="4400" b="1" i="1">
+              <a:rPr sz="4400" b="1">
                 <a:latin typeface="FZKai-Z03S"/>
               </a:rPr>
-              <a:t>在我们的神的眼中，我是一个善良的仆人，可以接受托付，可以为他作工，可以作得更好吗？</a:t>
-            </a:r>
-          </a:p>
-          <a:p>
-            <a:pPr algn="l">
-              <a:lnSpc>
-                <a:spcPts val="5200"/>
-              </a:lnSpc>
-              <a:spcBef>
-                <a:spcPts val="0"/>
-              </a:spcBef>
-              <a:spcAft>
-                <a:spcPts val="0"/>
-              </a:spcAft>
-            </a:pPr>
-            <a:r>
-              <a:rPr sz="4400" b="1" i="1">
-                <a:latin typeface="FZKai-Z03S"/>
-              </a:rPr>
-              <a:t>主人回来之前的时间还有很多吗？</a:t>
-            </a:r>
-          </a:p>
-          <a:p>
-            <a:pPr algn="l">
-              <a:lnSpc>
-                <a:spcPts val="5200"/>
-              </a:lnSpc>
-              <a:spcBef>
-                <a:spcPts val="0"/>
-              </a:spcBef>
-              <a:spcAft>
-                <a:spcPts val="0"/>
-              </a:spcAft>
-            </a:pPr>
-            <a:r>
-              <a:rPr sz="4400" b="1" i="1">
-                <a:latin typeface="FZKai-Z03S"/>
-              </a:rPr>
-              <a:t>主人回来的时候，我可以面对他而不羞愧吗？</a:t>
+              <a:t>3.一个身份、一様恩赐、一项使命</a:t>
             </a:r>
           </a:p>
         </p:txBody>
@@ -16989,10 +18202,10 @@
               </a:spcAft>
             </a:pPr>
             <a:r>
-              <a:rPr sz="4400" b="1" i="1">
+              <a:rPr sz="4400" b="1">
                 <a:latin typeface="FZKai-Z03S"/>
               </a:rPr>
-              <a:t>总结：</a:t>
+              <a:t>经文的理解与应用：</a:t>
             </a:r>
           </a:p>
           <a:p>
@@ -17008,10 +18221,29 @@
               </a:spcAft>
             </a:pPr>
             <a:r>
-              <a:rPr sz="4400" b="1" i="1">
+              <a:rPr sz="4400" b="1">
                 <a:latin typeface="FZKai-Z03S"/>
               </a:rPr>
-              <a:t>主人回来的时候，我可以面对他而不羞愧吗？</a:t>
+              <a:t>3.一个身份、一様恩赐、一项使命</a:t>
+            </a:r>
+          </a:p>
+          <a:p>
+            <a:pPr algn="l">
+              <a:lnSpc>
+                <a:spcPts val="5200"/>
+              </a:lnSpc>
+              <a:spcBef>
+                <a:spcPts val="0"/>
+              </a:spcBef>
+              <a:spcAft>
+                <a:spcPts val="0"/>
+              </a:spcAft>
+            </a:pPr>
+            <a:r>
+              <a:rPr sz="4400" b="1">
+                <a:latin typeface="FZKai-Z03S"/>
+              </a:rPr>
+              <a:t>4.我们只是为主做好一件小事，他却给了我们大的权柄</a:t>
             </a:r>
           </a:p>
         </p:txBody>
@@ -17076,6 +18308,147 @@
         <p:nvPr/>
       </p:nvGrpSpPr>
       <p:grpSpPr/>
+      <p:sp>
+        <p:nvSpPr>
+          <p:cNvPr id="2" name="TextBox 1"/>
+          <p:cNvSpPr txBox="1"/>
+          <p:nvPr/>
+        </p:nvSpPr>
+        <p:spPr>
+          <a:xfrm>
+            <a:off x="518400" y="262800"/>
+            <a:ext cx="8247600" cy="5914800"/>
+          </a:xfrm>
+          <a:prstGeom prst="rect">
+            <a:avLst/>
+          </a:prstGeom>
+          <a:noFill/>
+        </p:spPr>
+        <p:txBody>
+          <a:bodyPr wrap="square">
+            <a:spAutoFit/>
+          </a:bodyPr>
+          <a:lstStyle/>
+          <a:p>
+            <a:pPr algn="l">
+              <a:lnSpc>
+                <a:spcPts val="5200"/>
+              </a:lnSpc>
+              <a:spcBef>
+                <a:spcPts val="0"/>
+              </a:spcBef>
+              <a:spcAft>
+                <a:spcPts val="0"/>
+              </a:spcAft>
+            </a:pPr>
+            <a:r>
+              <a:rPr sz="4400" b="1">
+                <a:latin typeface="FZKai-Z03S"/>
+              </a:rPr>
+              <a:t>经文的理解与应用：</a:t>
+            </a:r>
+          </a:p>
+          <a:p>
+            <a:pPr algn="l">
+              <a:lnSpc>
+                <a:spcPts val="5200"/>
+              </a:lnSpc>
+              <a:spcBef>
+                <a:spcPts val="0"/>
+              </a:spcBef>
+              <a:spcAft>
+                <a:spcPts val="0"/>
+              </a:spcAft>
+            </a:pPr>
+            <a:r>
+              <a:rPr sz="4400" b="1">
+                <a:latin typeface="FZKai-Z03S"/>
+              </a:rPr>
+              <a:t>3.一个身份、一様恩赐、一项使命</a:t>
+            </a:r>
+          </a:p>
+          <a:p>
+            <a:pPr algn="l">
+              <a:lnSpc>
+                <a:spcPts val="5200"/>
+              </a:lnSpc>
+              <a:spcBef>
+                <a:spcPts val="0"/>
+              </a:spcBef>
+              <a:spcAft>
+                <a:spcPts val="0"/>
+              </a:spcAft>
+            </a:pPr>
+            <a:r>
+              <a:rPr sz="4400" b="1">
+                <a:latin typeface="FZKai-Z03S"/>
+              </a:rPr>
+              <a:t>4.我们只是为主做好一件小事，他却给了我们大的权柄</a:t>
+            </a:r>
+          </a:p>
+          <a:p>
+            <a:pPr algn="l">
+              <a:lnSpc>
+                <a:spcPts val="5200"/>
+              </a:lnSpc>
+              <a:spcBef>
+                <a:spcPts val="0"/>
+              </a:spcBef>
+              <a:spcAft>
+                <a:spcPts val="0"/>
+              </a:spcAft>
+            </a:pPr>
+            <a:r>
+              <a:rPr sz="4400" b="1">
+                <a:latin typeface="FZKai-Z03S"/>
+              </a:rPr>
+              <a:t>5.拦阻主的工作的人仍有很多，我们不要作恶仆，更不要作主的仇敌</a:t>
+            </a:r>
+          </a:p>
+        </p:txBody>
+      </p:sp>
+      <p:sp>
+        <p:nvSpPr>
+          <p:cNvPr id="3" name="TextBox 2"/>
+          <p:cNvSpPr txBox="1"/>
+          <p:nvPr/>
+        </p:nvSpPr>
+        <p:spPr>
+          <a:xfrm>
+            <a:off x="503999" y="6300000"/>
+            <a:ext cx="8247600" cy="396000"/>
+          </a:xfrm>
+          <a:prstGeom prst="rect">
+            <a:avLst/>
+          </a:prstGeom>
+          <a:noFill/>
+        </p:spPr>
+        <p:txBody>
+          <a:bodyPr wrap="square">
+            <a:spAutoFit/>
+          </a:bodyPr>
+          <a:lstStyle/>
+          <a:p>
+            <a:pPr algn="r">
+              <a:lnSpc>
+                <a:spcPts val="2800"/>
+              </a:lnSpc>
+              <a:spcBef>
+                <a:spcPts val="0"/>
+              </a:spcBef>
+              <a:spcAft>
+                <a:spcPts val="0"/>
+              </a:spcAft>
+            </a:pPr>
+            <a:r>
+              <a:rPr sz="2400" b="1">
+                <a:latin typeface="FZKai-Z03S"/>
+              </a:rPr>
+              <a:t>善仆与恶仆（路19:11-28）</a:t>
+            </a:r>
+          </a:p>
+        </p:txBody>
+      </p:sp>
     </p:spTree>
   </p:cSld>
   <p:clrMapOvr>
@@ -17094,30 +18467,67 @@
         <p:nvPr/>
       </p:nvGrpSpPr>
       <p:grpSpPr/>
-      <p:pic>
-        <p:nvPicPr>
-          <p:cNvPr id="2" name="Picture 1" descr="bkg_general.jpg"/>
-          <p:cNvPicPr>
-            <a:picLocks noChangeAspect="1"/>
-          </p:cNvPicPr>
-          <p:nvPr/>
-        </p:nvPicPr>
-        <p:blipFill>
-          <a:blip r:embed="rId2"/>
-          <a:stretch>
-            <a:fillRect/>
-          </a:stretch>
-        </p:blipFill>
-        <p:spPr>
-          <a:xfrm>
-            <a:off x="0" y="0"/>
-            <a:ext cx="9144000" cy="6858000"/>
-          </a:xfrm>
-          <a:prstGeom prst="rect">
-            <a:avLst/>
-          </a:prstGeom>
-        </p:spPr>
-      </p:pic>
+      <p:sp>
+        <p:nvSpPr>
+          <p:cNvPr id="2" name="TextBox 1"/>
+          <p:cNvSpPr txBox="1"/>
+          <p:nvPr/>
+        </p:nvSpPr>
+        <p:spPr>
+          <a:xfrm>
+            <a:off x="518400" y="262800"/>
+            <a:ext cx="8247600" cy="5914800"/>
+          </a:xfrm>
+          <a:prstGeom prst="rect">
+            <a:avLst/>
+          </a:prstGeom>
+          <a:noFill/>
+        </p:spPr>
+        <p:txBody>
+          <a:bodyPr wrap="square">
+            <a:spAutoFit/>
+          </a:bodyPr>
+          <a:lstStyle/>
+          <a:p>
+            <a:pPr algn="l">
+              <a:lnSpc>
+                <a:spcPts val="5200"/>
+              </a:lnSpc>
+              <a:spcBef>
+                <a:spcPts val="0"/>
+              </a:spcBef>
+              <a:spcAft>
+                <a:spcPts val="0"/>
+              </a:spcAft>
+            </a:pPr>
+            <a:r>
+              <a:rPr sz="4400" b="1">
+                <a:latin typeface="FZKai-Z03S"/>
+              </a:rPr>
+              <a:t>经文的理解与应用：</a:t>
+            </a:r>
+          </a:p>
+          <a:p>
+            <a:pPr algn="l">
+              <a:lnSpc>
+                <a:spcPts val="5200"/>
+              </a:lnSpc>
+              <a:spcBef>
+                <a:spcPts val="0"/>
+              </a:spcBef>
+              <a:spcAft>
+                <a:spcPts val="0"/>
+              </a:spcAft>
+            </a:pPr>
+            <a:r>
+              <a:rPr sz="4400" b="1">
+                <a:latin typeface="FZKai-Z03S"/>
+              </a:rPr>
+              <a:t>6.不要以借口推辞神的使命和托付</a:t>
+            </a:r>
+          </a:p>
+        </p:txBody>
+      </p:sp>
       <p:sp>
         <p:nvSpPr>
           <p:cNvPr id="3" name="TextBox 2"/>
@@ -17126,8 +18536,8 @@
         </p:nvSpPr>
         <p:spPr>
           <a:xfrm>
-            <a:off x="406799" y="1835999"/>
-            <a:ext cx="8496000" cy="4834800"/>
+            <a:off x="503999" y="6300000"/>
+            <a:ext cx="8247600" cy="396000"/>
           </a:xfrm>
           <a:prstGeom prst="rect">
             <a:avLst/>
@@ -17140,106 +18550,22 @@
           </a:bodyPr>
           <a:lstStyle/>
           <a:p>
-            <a:pPr algn="l">
-              <a:lnSpc>
-                <a:spcPts val="7700"/>
-              </a:lnSpc>
-              <a:spcBef>
-                <a:spcPts val="0"/>
-              </a:spcBef>
-              <a:spcAft>
-                <a:spcPts val="0"/>
-              </a:spcAft>
-            </a:pPr>
-            <a:r>
-              <a:rPr sz="6600" b="1">
-                <a:latin typeface="方正楷体简体"/>
-              </a:rPr>
-              <a:t>你的话</a:t>
-            </a:r>
-          </a:p>
-        </p:txBody>
-      </p:sp>
-      <p:sp>
-        <p:nvSpPr>
-          <p:cNvPr id="4" name="TextBox 3"/>
-          <p:cNvSpPr txBox="1"/>
-          <p:nvPr/>
-        </p:nvSpPr>
-        <p:spPr>
-          <a:xfrm>
-            <a:off x="410399" y="183600"/>
-            <a:ext cx="6552000" cy="687600"/>
-          </a:xfrm>
-          <a:prstGeom prst="rect">
-            <a:avLst/>
-          </a:prstGeom>
-          <a:noFill/>
-        </p:spPr>
-        <p:txBody>
-          <a:bodyPr wrap="square">
-            <a:spAutoFit/>
-          </a:bodyPr>
-          <a:lstStyle/>
-          <a:p>
-            <a:pPr algn="l">
-              <a:lnSpc>
-                <a:spcPts val="4700"/>
-              </a:lnSpc>
-              <a:spcBef>
-                <a:spcPts val="0"/>
-              </a:spcBef>
-              <a:spcAft>
-                <a:spcPts val="0"/>
-              </a:spcAft>
-            </a:pPr>
-            <a:r>
-              <a:rPr sz="4000" b="1">
+            <a:pPr algn="r">
+              <a:lnSpc>
+                <a:spcPts val="2800"/>
+              </a:lnSpc>
+              <a:spcBef>
+                <a:spcPts val="0"/>
+              </a:spcBef>
+              <a:spcAft>
+                <a:spcPts val="0"/>
+              </a:spcAft>
+            </a:pPr>
+            <a:r>
+              <a:rPr sz="2400" b="1">
                 <a:latin typeface="FZKai-Z03S"/>
               </a:rPr>
-              <a:t>回应诗歌</a:t>
-            </a:r>
-          </a:p>
-        </p:txBody>
-      </p:sp>
-      <p:sp>
-        <p:nvSpPr>
-          <p:cNvPr id="5" name="TextBox 4"/>
-          <p:cNvSpPr txBox="1"/>
-          <p:nvPr/>
-        </p:nvSpPr>
-        <p:spPr>
-          <a:xfrm>
-            <a:off x="478800" y="2854800"/>
-            <a:ext cx="7225200" cy="709200"/>
-          </a:xfrm>
-          <a:prstGeom prst="rect">
-            <a:avLst/>
-          </a:prstGeom>
-          <a:noFill/>
-        </p:spPr>
-        <p:txBody>
-          <a:bodyPr wrap="square">
-            <a:spAutoFit/>
-          </a:bodyPr>
-          <a:lstStyle/>
-          <a:p>
-            <a:pPr algn="l">
-              <a:lnSpc>
-                <a:spcPts val="4700"/>
-              </a:lnSpc>
-              <a:spcBef>
-                <a:spcPts val="0"/>
-              </a:spcBef>
-              <a:spcAft>
-                <a:spcPts val="0"/>
-              </a:spcAft>
-            </a:pPr>
-            <a:r>
-              <a:rPr sz="4000" b="0">
-                <a:latin typeface="方正准圆简体"/>
-              </a:rPr>
-              <a:t>天韻</a:t>
+              <a:t>善仆与恶仆（路19:11-28）</a:t>
             </a:r>
           </a:p>
         </p:txBody>
@@ -17270,112 +18596,74 @@
         </p:nvSpPr>
         <p:spPr>
           <a:xfrm>
-            <a:off x="370800" y="406799"/>
-            <a:ext cx="8593200" cy="5616000"/>
-          </a:xfrm>
-          <a:prstGeom prst="rect">
-            <a:avLst/>
-          </a:prstGeom>
-          <a:noFill/>
-        </p:spPr>
-        <p:txBody>
-          <a:bodyPr wrap="square" anchor="ctr">
-            <a:spAutoFit/>
-          </a:bodyPr>
-          <a:lstStyle/>
-          <a:p>
-            <a:pPr algn="ctr">
-              <a:lnSpc>
-                <a:spcPts val="7000"/>
-              </a:lnSpc>
-              <a:spcBef>
-                <a:spcPts val="0"/>
-              </a:spcBef>
-              <a:spcAft>
-                <a:spcPts val="0"/>
-              </a:spcAft>
-            </a:pPr>
-            <a:r>
-              <a:rPr sz="4800" b="0">
-                <a:latin typeface="FZZhunYuan-M02S"/>
-              </a:rPr>
-              <a:t>我将祢的话语</a:t>
-            </a:r>
-          </a:p>
-          <a:p>
-            <a:pPr algn="ctr">
-              <a:lnSpc>
-                <a:spcPts val="7000"/>
-              </a:lnSpc>
-              <a:spcBef>
-                <a:spcPts val="0"/>
-              </a:spcBef>
-              <a:spcAft>
-                <a:spcPts val="0"/>
-              </a:spcAft>
-            </a:pPr>
-            <a:r>
-              <a:rPr sz="4800" b="0">
-                <a:latin typeface="FZZhunYuan-M02S"/>
-              </a:rPr>
-              <a:t>深藏在我心</a:t>
-            </a:r>
-          </a:p>
-          <a:p>
-            <a:pPr algn="ctr">
-              <a:lnSpc>
-                <a:spcPts val="7000"/>
-              </a:lnSpc>
-              <a:spcBef>
-                <a:spcPts val="0"/>
-              </a:spcBef>
-              <a:spcAft>
-                <a:spcPts val="0"/>
-              </a:spcAft>
-            </a:pPr>
-            <a:r>
-              <a:rPr sz="4800" b="0">
-                <a:latin typeface="FZZhunYuan-M02S"/>
-              </a:rPr>
-              <a:t>免得我得罪祢</a:t>
-            </a:r>
-          </a:p>
-          <a:p>
-            <a:pPr algn="ctr">
-              <a:lnSpc>
-                <a:spcPts val="7000"/>
-              </a:lnSpc>
-              <a:spcBef>
-                <a:spcPts val="0"/>
-              </a:spcBef>
-              <a:spcAft>
-                <a:spcPts val="0"/>
-              </a:spcAft>
-            </a:pPr>
-            <a:r>
-              <a:rPr sz="4800" b="0">
-                <a:latin typeface="FZZhunYuan-M02S"/>
-              </a:rPr>
-              <a:t>免得我远离</a:t>
-            </a:r>
-          </a:p>
-          <a:p>
-            <a:pPr algn="ctr">
-              <a:lnSpc>
-                <a:spcPts val="7000"/>
-              </a:lnSpc>
-              <a:spcBef>
-                <a:spcPts val="0"/>
-              </a:spcBef>
-              <a:spcAft>
-                <a:spcPts val="0"/>
-              </a:spcAft>
-            </a:pPr>
-            <a:r>
-              <a:rPr sz="4800" b="0">
-                <a:latin typeface="FZZhunYuan-M02S"/>
-              </a:rPr>
-              <a:t>哦 主啊 与我亲近</a:t>
+            <a:off x="518400" y="262800"/>
+            <a:ext cx="8247600" cy="5914800"/>
+          </a:xfrm>
+          <a:prstGeom prst="rect">
+            <a:avLst/>
+          </a:prstGeom>
+          <a:noFill/>
+        </p:spPr>
+        <p:txBody>
+          <a:bodyPr wrap="square">
+            <a:spAutoFit/>
+          </a:bodyPr>
+          <a:lstStyle/>
+          <a:p>
+            <a:pPr algn="l">
+              <a:lnSpc>
+                <a:spcPts val="5200"/>
+              </a:lnSpc>
+              <a:spcBef>
+                <a:spcPts val="0"/>
+              </a:spcBef>
+              <a:spcAft>
+                <a:spcPts val="0"/>
+              </a:spcAft>
+            </a:pPr>
+            <a:r>
+              <a:rPr sz="4400" b="1">
+                <a:latin typeface="FZKai-Z03S"/>
+              </a:rPr>
+              <a:t>经文的理解与应用：</a:t>
+            </a:r>
+          </a:p>
+          <a:p>
+            <a:pPr algn="l">
+              <a:lnSpc>
+                <a:spcPts val="5200"/>
+              </a:lnSpc>
+              <a:spcBef>
+                <a:spcPts val="0"/>
+              </a:spcBef>
+              <a:spcAft>
+                <a:spcPts val="0"/>
+              </a:spcAft>
+            </a:pPr>
+            <a:r>
+              <a:rPr sz="4400" b="1">
+                <a:latin typeface="FZKai-Z03S"/>
+              </a:rPr>
+              <a:t>6.不要以借口推辞神的使命和托付</a:t>
+            </a:r>
+          </a:p>
+          <a:p>
+            <a:pPr algn="l">
+              <a:lnSpc>
+                <a:spcPts val="5200"/>
+              </a:lnSpc>
+              <a:spcBef>
+                <a:spcPts val="0"/>
+              </a:spcBef>
+              <a:spcAft>
+                <a:spcPts val="0"/>
+              </a:spcAft>
+            </a:pPr>
+            <a:r>
+              <a:rPr sz="4400" b="1">
+                <a:latin typeface="FZKai-Z03S"/>
+              </a:rPr>
+              <a:t>7.不要以恶意去揣测神的美意</a:t>
             </a:r>
           </a:p>
         </p:txBody>
@@ -17388,36 +18676,36 @@
         </p:nvSpPr>
         <p:spPr>
           <a:xfrm>
-            <a:off x="334800" y="6199200"/>
-            <a:ext cx="8661600" cy="522000"/>
-          </a:xfrm>
-          <a:prstGeom prst="rect">
-            <a:avLst/>
-          </a:prstGeom>
-          <a:noFill/>
-        </p:spPr>
-        <p:txBody>
-          <a:bodyPr wrap="square" anchor="ctr">
+            <a:off x="503999" y="6300000"/>
+            <a:ext cx="8247600" cy="396000"/>
+          </a:xfrm>
+          <a:prstGeom prst="rect">
+            <a:avLst/>
+          </a:prstGeom>
+          <a:noFill/>
+        </p:spPr>
+        <p:txBody>
+          <a:bodyPr wrap="square">
             <a:spAutoFit/>
           </a:bodyPr>
           <a:lstStyle/>
           <a:p>
             <a:pPr algn="r">
               <a:lnSpc>
-                <a:spcPts val="3600"/>
-              </a:lnSpc>
-              <a:spcBef>
-                <a:spcPts val="0"/>
-              </a:spcBef>
-              <a:spcAft>
-                <a:spcPts val="0"/>
-              </a:spcAft>
-            </a:pPr>
-            <a:r>
-              <a:rPr sz="2400" b="0">
+                <a:spcPts val="2800"/>
+              </a:lnSpc>
+              <a:spcBef>
+                <a:spcPts val="0"/>
+              </a:spcBef>
+              <a:spcAft>
+                <a:spcPts val="0"/>
+              </a:spcAft>
+            </a:pPr>
+            <a:r>
+              <a:rPr sz="2400" b="1">
                 <a:latin typeface="FZKai-Z03S"/>
               </a:rPr>
-              <a:t>你的话1/7</a:t>
+              <a:t>善仆与恶仆（路19:11-28）</a:t>
             </a:r>
           </a:p>
         </p:txBody>
@@ -17448,112 +18736,93 @@
         </p:nvSpPr>
         <p:spPr>
           <a:xfrm>
-            <a:off x="370800" y="406799"/>
-            <a:ext cx="8593200" cy="5616000"/>
-          </a:xfrm>
-          <a:prstGeom prst="rect">
-            <a:avLst/>
-          </a:prstGeom>
-          <a:noFill/>
-        </p:spPr>
-        <p:txBody>
-          <a:bodyPr wrap="square" anchor="ctr">
-            <a:spAutoFit/>
-          </a:bodyPr>
-          <a:lstStyle/>
-          <a:p>
-            <a:pPr algn="ctr">
-              <a:lnSpc>
-                <a:spcPts val="7000"/>
-              </a:lnSpc>
-              <a:spcBef>
-                <a:spcPts val="0"/>
-              </a:spcBef>
-              <a:spcAft>
-                <a:spcPts val="0"/>
-              </a:spcAft>
-            </a:pPr>
-            <a:r>
-              <a:rPr sz="4800" b="0">
-                <a:latin typeface="FZZhunYuan-M02S"/>
-              </a:rPr>
-              <a:t>我爱祢声音</a:t>
-            </a:r>
-          </a:p>
-          <a:p>
-            <a:pPr algn="ctr">
-              <a:lnSpc>
-                <a:spcPts val="7000"/>
-              </a:lnSpc>
-              <a:spcBef>
-                <a:spcPts val="0"/>
-              </a:spcBef>
-              <a:spcAft>
-                <a:spcPts val="0"/>
-              </a:spcAft>
-            </a:pPr>
-            <a:r>
-              <a:rPr sz="4800" b="0">
-                <a:latin typeface="FZZhunYuan-M02S"/>
-              </a:rPr>
-              <a:t>作我脚前的灯</a:t>
-            </a:r>
-          </a:p>
-          <a:p>
-            <a:pPr algn="ctr">
-              <a:lnSpc>
-                <a:spcPts val="7000"/>
-              </a:lnSpc>
-              <a:spcBef>
-                <a:spcPts val="0"/>
-              </a:spcBef>
-              <a:spcAft>
-                <a:spcPts val="0"/>
-              </a:spcAft>
-            </a:pPr>
-            <a:r>
-              <a:rPr sz="4800" b="0">
-                <a:latin typeface="FZZhunYuan-M02S"/>
-              </a:rPr>
-              <a:t>作我路上的光</a:t>
-            </a:r>
-          </a:p>
-          <a:p>
-            <a:pPr algn="ctr">
-              <a:lnSpc>
-                <a:spcPts val="7000"/>
-              </a:lnSpc>
-              <a:spcBef>
-                <a:spcPts val="0"/>
-              </a:spcBef>
-              <a:spcAft>
-                <a:spcPts val="0"/>
-              </a:spcAft>
-            </a:pPr>
-            <a:r>
-              <a:rPr sz="4800" b="0">
-                <a:latin typeface="FZZhunYuan-M02S"/>
-              </a:rPr>
-              <a:t>天地将要过去</a:t>
-            </a:r>
-          </a:p>
-          <a:p>
-            <a:pPr algn="ctr">
-              <a:lnSpc>
-                <a:spcPts val="7000"/>
-              </a:lnSpc>
-              <a:spcBef>
-                <a:spcPts val="0"/>
-              </a:spcBef>
-              <a:spcAft>
-                <a:spcPts val="0"/>
-              </a:spcAft>
-            </a:pPr>
-            <a:r>
-              <a:rPr sz="4800" b="0">
-                <a:latin typeface="FZZhunYuan-M02S"/>
-              </a:rPr>
-              <a:t>祢的话却长存</a:t>
+            <a:off x="518400" y="262800"/>
+            <a:ext cx="8247600" cy="5914800"/>
+          </a:xfrm>
+          <a:prstGeom prst="rect">
+            <a:avLst/>
+          </a:prstGeom>
+          <a:noFill/>
+        </p:spPr>
+        <p:txBody>
+          <a:bodyPr wrap="square">
+            <a:spAutoFit/>
+          </a:bodyPr>
+          <a:lstStyle/>
+          <a:p>
+            <a:pPr algn="l">
+              <a:lnSpc>
+                <a:spcPts val="5200"/>
+              </a:lnSpc>
+              <a:spcBef>
+                <a:spcPts val="0"/>
+              </a:spcBef>
+              <a:spcAft>
+                <a:spcPts val="0"/>
+              </a:spcAft>
+            </a:pPr>
+            <a:r>
+              <a:rPr sz="4400" b="1">
+                <a:latin typeface="FZKai-Z03S"/>
+              </a:rPr>
+              <a:t>经文的理解与应用：</a:t>
+            </a:r>
+          </a:p>
+          <a:p>
+            <a:pPr algn="l">
+              <a:lnSpc>
+                <a:spcPts val="5200"/>
+              </a:lnSpc>
+              <a:spcBef>
+                <a:spcPts val="0"/>
+              </a:spcBef>
+              <a:spcAft>
+                <a:spcPts val="0"/>
+              </a:spcAft>
+            </a:pPr>
+            <a:r>
+              <a:rPr sz="4400" b="1">
+                <a:latin typeface="FZKai-Z03S"/>
+              </a:rPr>
+              <a:t>6.不要以借口推辞神的使命和托付</a:t>
+            </a:r>
+          </a:p>
+          <a:p>
+            <a:pPr algn="l">
+              <a:lnSpc>
+                <a:spcPts val="5200"/>
+              </a:lnSpc>
+              <a:spcBef>
+                <a:spcPts val="0"/>
+              </a:spcBef>
+              <a:spcAft>
+                <a:spcPts val="0"/>
+              </a:spcAft>
+            </a:pPr>
+            <a:r>
+              <a:rPr sz="4400" b="1">
+                <a:latin typeface="FZKai-Z03S"/>
+              </a:rPr>
+              <a:t>7.不要以恶意去揣测神的美意</a:t>
+            </a:r>
+          </a:p>
+          <a:p>
+            <a:pPr algn="l">
+              <a:lnSpc>
+                <a:spcPts val="5200"/>
+              </a:lnSpc>
+              <a:spcBef>
+                <a:spcPts val="0"/>
+              </a:spcBef>
+              <a:spcAft>
+                <a:spcPts val="0"/>
+              </a:spcAft>
+            </a:pPr>
+            <a:r>
+              <a:rPr sz="4400" b="1">
+                <a:latin typeface="FZKai-Z03S"/>
+              </a:rPr>
+              <a:t>8.主人对仆人有合理的期望</a:t>
             </a:r>
           </a:p>
         </p:txBody>
@@ -17566,36 +18835,36 @@
         </p:nvSpPr>
         <p:spPr>
           <a:xfrm>
-            <a:off x="334800" y="6199200"/>
-            <a:ext cx="8661600" cy="522000"/>
-          </a:xfrm>
-          <a:prstGeom prst="rect">
-            <a:avLst/>
-          </a:prstGeom>
-          <a:noFill/>
-        </p:spPr>
-        <p:txBody>
-          <a:bodyPr wrap="square" anchor="ctr">
+            <a:off x="503999" y="6300000"/>
+            <a:ext cx="8247600" cy="396000"/>
+          </a:xfrm>
+          <a:prstGeom prst="rect">
+            <a:avLst/>
+          </a:prstGeom>
+          <a:noFill/>
+        </p:spPr>
+        <p:txBody>
+          <a:bodyPr wrap="square">
             <a:spAutoFit/>
           </a:bodyPr>
           <a:lstStyle/>
           <a:p>
             <a:pPr algn="r">
               <a:lnSpc>
-                <a:spcPts val="3600"/>
-              </a:lnSpc>
-              <a:spcBef>
-                <a:spcPts val="0"/>
-              </a:spcBef>
-              <a:spcAft>
-                <a:spcPts val="0"/>
-              </a:spcAft>
-            </a:pPr>
-            <a:r>
-              <a:rPr sz="2400" b="0">
+                <a:spcPts val="2800"/>
+              </a:lnSpc>
+              <a:spcBef>
+                <a:spcPts val="0"/>
+              </a:spcBef>
+              <a:spcAft>
+                <a:spcPts val="0"/>
+              </a:spcAft>
+            </a:pPr>
+            <a:r>
+              <a:rPr sz="2400" b="1">
                 <a:latin typeface="FZKai-Z03S"/>
               </a:rPr>
-              <a:t>你的话2/7</a:t>
+              <a:t>善仆与恶仆（路19:11-28）</a:t>
             </a:r>
           </a:p>
         </p:txBody>
@@ -17626,112 +18895,112 @@
         </p:nvSpPr>
         <p:spPr>
           <a:xfrm>
-            <a:off x="370800" y="406799"/>
-            <a:ext cx="8593200" cy="5616000"/>
-          </a:xfrm>
-          <a:prstGeom prst="rect">
-            <a:avLst/>
-          </a:prstGeom>
-          <a:noFill/>
-        </p:spPr>
-        <p:txBody>
-          <a:bodyPr wrap="square" anchor="ctr">
-            <a:spAutoFit/>
-          </a:bodyPr>
-          <a:lstStyle/>
-          <a:p>
-            <a:pPr algn="ctr">
-              <a:lnSpc>
-                <a:spcPts val="7000"/>
-              </a:lnSpc>
-              <a:spcBef>
-                <a:spcPts val="0"/>
-              </a:spcBef>
-              <a:spcAft>
-                <a:spcPts val="0"/>
-              </a:spcAft>
-            </a:pPr>
-            <a:r>
-              <a:rPr sz="4800" b="0">
-                <a:latin typeface="FZZhunYuan-M02S"/>
-              </a:rPr>
-              <a:t>天地将毁坏</a:t>
-            </a:r>
-          </a:p>
-          <a:p>
-            <a:pPr algn="ctr">
-              <a:lnSpc>
-                <a:spcPts val="7000"/>
-              </a:lnSpc>
-              <a:spcBef>
-                <a:spcPts val="0"/>
-              </a:spcBef>
-              <a:spcAft>
-                <a:spcPts val="0"/>
-              </a:spcAft>
-            </a:pPr>
-            <a:r>
-              <a:rPr sz="4800" b="0">
-                <a:latin typeface="FZZhunYuan-M02S"/>
-              </a:rPr>
-              <a:t>祢的话却长新</a:t>
-            </a:r>
-          </a:p>
-          <a:p>
-            <a:pPr algn="ctr">
-              <a:lnSpc>
-                <a:spcPts val="7000"/>
-              </a:lnSpc>
-              <a:spcBef>
-                <a:spcPts val="0"/>
-              </a:spcBef>
-              <a:spcAft>
-                <a:spcPts val="0"/>
-              </a:spcAft>
-            </a:pPr>
-            <a:r>
-              <a:rPr sz="4800" b="0">
-                <a:latin typeface="FZZhunYuan-M02S"/>
-              </a:rPr>
-              <a:t>我将祢的话语</a:t>
-            </a:r>
-          </a:p>
-          <a:p>
-            <a:pPr algn="ctr">
-              <a:lnSpc>
-                <a:spcPts val="7000"/>
-              </a:lnSpc>
-              <a:spcBef>
-                <a:spcPts val="0"/>
-              </a:spcBef>
-              <a:spcAft>
-                <a:spcPts val="0"/>
-              </a:spcAft>
-            </a:pPr>
-            <a:r>
-              <a:rPr sz="4800" b="0">
-                <a:latin typeface="FZZhunYuan-M02S"/>
-              </a:rPr>
-              <a:t>深藏在我心</a:t>
-            </a:r>
-          </a:p>
-          <a:p>
-            <a:pPr algn="ctr">
-              <a:lnSpc>
-                <a:spcPts val="7000"/>
-              </a:lnSpc>
-              <a:spcBef>
-                <a:spcPts val="0"/>
-              </a:spcBef>
-              <a:spcAft>
-                <a:spcPts val="0"/>
-              </a:spcAft>
-            </a:pPr>
-            <a:r>
-              <a:rPr sz="4800" b="0">
-                <a:latin typeface="FZZhunYuan-M02S"/>
-              </a:rPr>
-              <a:t>免得我得罪祢</a:t>
+            <a:off x="518400" y="262800"/>
+            <a:ext cx="8247600" cy="5914800"/>
+          </a:xfrm>
+          <a:prstGeom prst="rect">
+            <a:avLst/>
+          </a:prstGeom>
+          <a:noFill/>
+        </p:spPr>
+        <p:txBody>
+          <a:bodyPr wrap="square">
+            <a:spAutoFit/>
+          </a:bodyPr>
+          <a:lstStyle/>
+          <a:p>
+            <a:pPr algn="l">
+              <a:lnSpc>
+                <a:spcPts val="5200"/>
+              </a:lnSpc>
+              <a:spcBef>
+                <a:spcPts val="0"/>
+              </a:spcBef>
+              <a:spcAft>
+                <a:spcPts val="0"/>
+              </a:spcAft>
+            </a:pPr>
+            <a:r>
+              <a:rPr sz="4400" b="1">
+                <a:latin typeface="FZKai-Z03S"/>
+              </a:rPr>
+              <a:t>经文的理解与应用：</a:t>
+            </a:r>
+          </a:p>
+          <a:p>
+            <a:pPr algn="l">
+              <a:lnSpc>
+                <a:spcPts val="5200"/>
+              </a:lnSpc>
+              <a:spcBef>
+                <a:spcPts val="0"/>
+              </a:spcBef>
+              <a:spcAft>
+                <a:spcPts val="0"/>
+              </a:spcAft>
+            </a:pPr>
+            <a:r>
+              <a:rPr sz="4400" b="1">
+                <a:latin typeface="FZKai-Z03S"/>
+              </a:rPr>
+              <a:t>6.不要以借口推辞神的使命和托付</a:t>
+            </a:r>
+          </a:p>
+          <a:p>
+            <a:pPr algn="l">
+              <a:lnSpc>
+                <a:spcPts val="5200"/>
+              </a:lnSpc>
+              <a:spcBef>
+                <a:spcPts val="0"/>
+              </a:spcBef>
+              <a:spcAft>
+                <a:spcPts val="0"/>
+              </a:spcAft>
+            </a:pPr>
+            <a:r>
+              <a:rPr sz="4400" b="1">
+                <a:latin typeface="FZKai-Z03S"/>
+              </a:rPr>
+              <a:t>7.不要以恶意去揣测神的美意</a:t>
+            </a:r>
+          </a:p>
+          <a:p>
+            <a:pPr algn="l">
+              <a:lnSpc>
+                <a:spcPts val="5200"/>
+              </a:lnSpc>
+              <a:spcBef>
+                <a:spcPts val="0"/>
+              </a:spcBef>
+              <a:spcAft>
+                <a:spcPts val="0"/>
+              </a:spcAft>
+            </a:pPr>
+            <a:r>
+              <a:rPr sz="4400" b="1">
+                <a:latin typeface="FZKai-Z03S"/>
+              </a:rPr>
+              <a:t>8.主人对仆人有合理的期望</a:t>
+            </a:r>
+          </a:p>
+          <a:p>
+            <a:pPr algn="l">
+              <a:lnSpc>
+                <a:spcPts val="5200"/>
+              </a:lnSpc>
+              <a:spcBef>
+                <a:spcPts val="0"/>
+              </a:spcBef>
+              <a:spcAft>
+                <a:spcPts val="0"/>
+              </a:spcAft>
+            </a:pPr>
+            <a:r>
+              <a:rPr sz="4400" b="1">
+                <a:latin typeface="FZKai-Z03S"/>
+              </a:rPr>
+              <a:t>9.主人欣赏善仆的忠心和努力，他按仆人的心志与回应给予任务与权柄</a:t>
             </a:r>
           </a:p>
         </p:txBody>
@@ -17744,36 +19013,36 @@
         </p:nvSpPr>
         <p:spPr>
           <a:xfrm>
-            <a:off x="334800" y="6199200"/>
-            <a:ext cx="8661600" cy="522000"/>
-          </a:xfrm>
-          <a:prstGeom prst="rect">
-            <a:avLst/>
-          </a:prstGeom>
-          <a:noFill/>
-        </p:spPr>
-        <p:txBody>
-          <a:bodyPr wrap="square" anchor="ctr">
+            <a:off x="503999" y="6300000"/>
+            <a:ext cx="8247600" cy="396000"/>
+          </a:xfrm>
+          <a:prstGeom prst="rect">
+            <a:avLst/>
+          </a:prstGeom>
+          <a:noFill/>
+        </p:spPr>
+        <p:txBody>
+          <a:bodyPr wrap="square">
             <a:spAutoFit/>
           </a:bodyPr>
           <a:lstStyle/>
           <a:p>
             <a:pPr algn="r">
               <a:lnSpc>
-                <a:spcPts val="3600"/>
-              </a:lnSpc>
-              <a:spcBef>
-                <a:spcPts val="0"/>
-              </a:spcBef>
-              <a:spcAft>
-                <a:spcPts val="0"/>
-              </a:spcAft>
-            </a:pPr>
-            <a:r>
-              <a:rPr sz="2400" b="0">
+                <a:spcPts val="2800"/>
+              </a:lnSpc>
+              <a:spcBef>
+                <a:spcPts val="0"/>
+              </a:spcBef>
+              <a:spcAft>
+                <a:spcPts val="0"/>
+              </a:spcAft>
+            </a:pPr>
+            <a:r>
+              <a:rPr sz="2400" b="1">
                 <a:latin typeface="FZKai-Z03S"/>
               </a:rPr>
-              <a:t>你的话3/7</a:t>
+              <a:t>善仆与恶仆（路19:11-28）</a:t>
             </a:r>
           </a:p>
         </p:txBody>
@@ -17804,112 +19073,55 @@
         </p:nvSpPr>
         <p:spPr>
           <a:xfrm>
-            <a:off x="370800" y="406799"/>
-            <a:ext cx="8593200" cy="5616000"/>
-          </a:xfrm>
-          <a:prstGeom prst="rect">
-            <a:avLst/>
-          </a:prstGeom>
-          <a:noFill/>
-        </p:spPr>
-        <p:txBody>
-          <a:bodyPr wrap="square" anchor="ctr">
-            <a:spAutoFit/>
-          </a:bodyPr>
-          <a:lstStyle/>
-          <a:p>
-            <a:pPr algn="ctr">
-              <a:lnSpc>
-                <a:spcPts val="7000"/>
-              </a:lnSpc>
-              <a:spcBef>
-                <a:spcPts val="0"/>
-              </a:spcBef>
-              <a:spcAft>
-                <a:spcPts val="0"/>
-              </a:spcAft>
-            </a:pPr>
-            <a:r>
-              <a:rPr sz="4800" b="0">
-                <a:latin typeface="FZZhunYuan-M02S"/>
-              </a:rPr>
-              <a:t>免得我远离</a:t>
-            </a:r>
-          </a:p>
-          <a:p>
-            <a:pPr algn="ctr">
-              <a:lnSpc>
-                <a:spcPts val="7000"/>
-              </a:lnSpc>
-              <a:spcBef>
-                <a:spcPts val="0"/>
-              </a:spcBef>
-              <a:spcAft>
-                <a:spcPts val="0"/>
-              </a:spcAft>
-            </a:pPr>
-            <a:r>
-              <a:rPr sz="4800" b="0">
-                <a:latin typeface="FZZhunYuan-M02S"/>
-              </a:rPr>
-              <a:t>哦 主啊 与我亲近</a:t>
-            </a:r>
-          </a:p>
-          <a:p>
-            <a:pPr algn="ctr">
-              <a:lnSpc>
-                <a:spcPts val="7000"/>
-              </a:lnSpc>
-              <a:spcBef>
-                <a:spcPts val="0"/>
-              </a:spcBef>
-              <a:spcAft>
-                <a:spcPts val="0"/>
-              </a:spcAft>
-            </a:pPr>
-            <a:r>
-              <a:rPr sz="4800" b="0">
-                <a:latin typeface="FZZhunYuan-M02S"/>
-              </a:rPr>
-              <a:t>我爱祢声音</a:t>
-            </a:r>
-          </a:p>
-          <a:p>
-            <a:pPr algn="ctr">
-              <a:lnSpc>
-                <a:spcPts val="7000"/>
-              </a:lnSpc>
-              <a:spcBef>
-                <a:spcPts val="0"/>
-              </a:spcBef>
-              <a:spcAft>
-                <a:spcPts val="0"/>
-              </a:spcAft>
-            </a:pPr>
-            <a:r>
-              <a:rPr sz="4800" b="0">
-                <a:latin typeface="FZZhunYuan-M02S"/>
-              </a:rPr>
-              <a:t>作我脚前的灯</a:t>
-            </a:r>
-          </a:p>
-          <a:p>
-            <a:pPr algn="ctr">
-              <a:lnSpc>
-                <a:spcPts val="7000"/>
-              </a:lnSpc>
-              <a:spcBef>
-                <a:spcPts val="0"/>
-              </a:spcBef>
-              <a:spcAft>
-                <a:spcPts val="0"/>
-              </a:spcAft>
-            </a:pPr>
-            <a:r>
-              <a:rPr sz="4800" b="0">
-                <a:latin typeface="FZZhunYuan-M02S"/>
-              </a:rPr>
-              <a:t>作我路上的光</a:t>
+            <a:off x="518400" y="262800"/>
+            <a:ext cx="8247600" cy="5914800"/>
+          </a:xfrm>
+          <a:prstGeom prst="rect">
+            <a:avLst/>
+          </a:prstGeom>
+          <a:noFill/>
+        </p:spPr>
+        <p:txBody>
+          <a:bodyPr wrap="square">
+            <a:spAutoFit/>
+          </a:bodyPr>
+          <a:lstStyle/>
+          <a:p>
+            <a:pPr algn="l">
+              <a:lnSpc>
+                <a:spcPts val="5200"/>
+              </a:lnSpc>
+              <a:spcBef>
+                <a:spcPts val="0"/>
+              </a:spcBef>
+              <a:spcAft>
+                <a:spcPts val="0"/>
+              </a:spcAft>
+            </a:pPr>
+            <a:r>
+              <a:rPr sz="4400" b="1">
+                <a:latin typeface="FZKai-Z03S"/>
+              </a:rPr>
+              <a:t>经文的理解与应用：</a:t>
+            </a:r>
+          </a:p>
+          <a:p>
+            <a:pPr algn="l">
+              <a:lnSpc>
+                <a:spcPts val="5200"/>
+              </a:lnSpc>
+              <a:spcBef>
+                <a:spcPts val="0"/>
+              </a:spcBef>
+              <a:spcAft>
+                <a:spcPts val="0"/>
+              </a:spcAft>
+            </a:pPr>
+            <a:r>
+              <a:rPr sz="4400" b="1">
+                <a:latin typeface="FZKai-Z03S"/>
+              </a:rPr>
+              <a:t>10.我们对主使命的心志与回应是我们成长的指标，是不进则退的，没有可能停留不动。</a:t>
             </a:r>
           </a:p>
         </p:txBody>
@@ -17922,36 +19134,36 @@
         </p:nvSpPr>
         <p:spPr>
           <a:xfrm>
-            <a:off x="334800" y="6199200"/>
-            <a:ext cx="8661600" cy="522000"/>
-          </a:xfrm>
-          <a:prstGeom prst="rect">
-            <a:avLst/>
-          </a:prstGeom>
-          <a:noFill/>
-        </p:spPr>
-        <p:txBody>
-          <a:bodyPr wrap="square" anchor="ctr">
+            <a:off x="503999" y="6300000"/>
+            <a:ext cx="8247600" cy="396000"/>
+          </a:xfrm>
+          <a:prstGeom prst="rect">
+            <a:avLst/>
+          </a:prstGeom>
+          <a:noFill/>
+        </p:spPr>
+        <p:txBody>
+          <a:bodyPr wrap="square">
             <a:spAutoFit/>
           </a:bodyPr>
           <a:lstStyle/>
           <a:p>
             <a:pPr algn="r">
               <a:lnSpc>
-                <a:spcPts val="3600"/>
-              </a:lnSpc>
-              <a:spcBef>
-                <a:spcPts val="0"/>
-              </a:spcBef>
-              <a:spcAft>
-                <a:spcPts val="0"/>
-              </a:spcAft>
-            </a:pPr>
-            <a:r>
-              <a:rPr sz="2400" b="0">
+                <a:spcPts val="2800"/>
+              </a:lnSpc>
+              <a:spcBef>
+                <a:spcPts val="0"/>
+              </a:spcBef>
+              <a:spcAft>
+                <a:spcPts val="0"/>
+              </a:spcAft>
+            </a:pPr>
+            <a:r>
+              <a:rPr sz="2400" b="1">
                 <a:latin typeface="FZKai-Z03S"/>
               </a:rPr>
-              <a:t>你的话4/7</a:t>
+              <a:t>善仆与恶仆（路19:11-28）</a:t>
             </a:r>
           </a:p>
         </p:txBody>
